--- a/JPeNS_Presentation.pptx
+++ b/JPeNS_Presentation.pptx
@@ -9,8 +9,9 @@
     <p:sldId id="257" r:id="rId3"/>
     <p:sldId id="258" r:id="rId4"/>
     <p:sldId id="259" r:id="rId5"/>
-    <p:sldId id="261" r:id="rId6"/>
-    <p:sldId id="260" r:id="rId7"/>
+    <p:sldId id="262" r:id="rId6"/>
+    <p:sldId id="261" r:id="rId7"/>
+    <p:sldId id="260" r:id="rId8"/>
   </p:sldIdLst>
   <p:sldSz cx="9144000" cy="6858000" type="screen4x3"/>
   <p:notesSz cx="6858000" cy="9144000"/>
@@ -3306,30 +3307,14 @@
           <a:p>
             <a:r>
               <a:rPr lang="en-US" dirty="0" smtClean="0"/>
-              <a:t>Java </a:t>
-            </a:r>
-            <a:r>
-              <a:rPr lang="en-US" dirty="0" smtClean="0"/>
-              <a:t>Petri Network </a:t>
-            </a:r>
-            <a:r>
-              <a:rPr lang="en-US" dirty="0" smtClean="0"/>
-              <a:t>Simulator</a:t>
+              <a:t>Java Petri Network Simulator</a:t>
             </a:r>
             <a:br>
               <a:rPr lang="en-US" dirty="0" smtClean="0"/>
             </a:br>
             <a:r>
               <a:rPr lang="en-US" dirty="0" smtClean="0"/>
-              <a:t>(</a:t>
-            </a:r>
-            <a:r>
-              <a:rPr lang="en-US" dirty="0" smtClean="0"/>
-              <a:t>JPeNS</a:t>
-            </a:r>
-            <a:r>
-              <a:rPr lang="en-US" dirty="0" smtClean="0"/>
-              <a:t>)</a:t>
+              <a:t>(JPeNS)</a:t>
             </a:r>
             <a:endParaRPr lang="en-US" dirty="0"/>
           </a:p>
@@ -3438,15 +3423,7 @@
             </a:r>
             <a:r>
               <a:rPr lang="en-US" dirty="0" smtClean="0"/>
-              <a:t> </a:t>
-            </a:r>
-            <a:r>
-              <a:rPr lang="en-US" dirty="0" smtClean="0"/>
-              <a:t>JPeNS</a:t>
-            </a:r>
-            <a:r>
-              <a:rPr lang="en-US" dirty="0" smtClean="0"/>
-              <a:t>?</a:t>
+              <a:t> JPeNS?</a:t>
             </a:r>
             <a:endParaRPr lang="en-US" dirty="0"/>
           </a:p>
@@ -3510,7 +3487,6 @@
               <a:rPr lang="en-US" dirty="0" smtClean="0"/>
               <a:t>They are an interesting topic</a:t>
             </a:r>
-            <a:endParaRPr lang="en-US" dirty="0" smtClean="0"/>
           </a:p>
           <a:p>
             <a:r>
@@ -3554,11 +3530,7 @@
           <a:p>
             <a:r>
               <a:rPr lang="en-US" dirty="0" smtClean="0"/>
-              <a:t>Why </a:t>
-            </a:r>
-            <a:r>
-              <a:rPr lang="en-US" dirty="0" smtClean="0"/>
-              <a:t>We Chose Petri Networks?</a:t>
+              <a:t>Why We Chose Petri Networks?</a:t>
             </a:r>
             <a:endParaRPr lang="en-US" dirty="0"/>
           </a:p>
@@ -3742,7 +3714,30 @@
       </p:grpSpPr>
       <p:sp>
         <p:nvSpPr>
-          <p:cNvPr id="2" name="Content Placeholder 1"/>
+          <p:cNvPr id="3" name="Title 2"/>
+          <p:cNvSpPr>
+            <a:spLocks noGrp="1"/>
+          </p:cNvSpPr>
+          <p:nvPr>
+            <p:ph type="title"/>
+          </p:nvPr>
+        </p:nvSpPr>
+        <p:spPr/>
+        <p:txBody>
+          <a:bodyPr/>
+          <a:lstStyle/>
+          <a:p>
+            <a:r>
+              <a:rPr lang="en-US" dirty="0" smtClean="0"/>
+              <a:t>JPeNS System Description</a:t>
+            </a:r>
+            <a:endParaRPr lang="en-US" dirty="0"/>
+          </a:p>
+        </p:txBody>
+      </p:sp>
+      <p:sp>
+        <p:nvSpPr>
+          <p:cNvPr id="5" name="Content Placeholder 4"/>
           <p:cNvSpPr>
             <a:spLocks noGrp="1"/>
           </p:cNvSpPr>
@@ -3755,34 +3750,7 @@
           <a:bodyPr/>
           <a:lstStyle/>
           <a:p>
-            <a:endParaRPr lang="en-US" dirty="0"/>
-          </a:p>
-        </p:txBody>
-      </p:sp>
-      <p:sp>
-        <p:nvSpPr>
-          <p:cNvPr id="3" name="Title 2"/>
-          <p:cNvSpPr>
-            <a:spLocks noGrp="1"/>
-          </p:cNvSpPr>
-          <p:nvPr>
-            <p:ph type="title"/>
-          </p:nvPr>
-        </p:nvSpPr>
-        <p:spPr/>
-        <p:txBody>
-          <a:bodyPr/>
-          <a:lstStyle/>
-          <a:p>
-            <a:r>
-              <a:rPr lang="en-US" dirty="0" smtClean="0"/>
-              <a:t>JPeNS</a:t>
-            </a:r>
-            <a:r>
-              <a:rPr lang="en-US" dirty="0" smtClean="0"/>
-              <a:t> System Description</a:t>
-            </a:r>
-            <a:endParaRPr lang="en-US" dirty="0"/>
+            <a:endParaRPr lang="en-US"/>
           </a:p>
         </p:txBody>
       </p:sp>
@@ -3807,6 +3775,145 @@
 </file>
 
 <file path=ppt/slides/slide5.xml><?xml version="1.0" encoding="utf-8"?>
+<p:sld xmlns:a="http://schemas.openxmlformats.org/drawingml/2006/main" xmlns:r="http://schemas.openxmlformats.org/officeDocument/2006/relationships" xmlns:p="http://schemas.openxmlformats.org/presentationml/2006/main">
+  <p:cSld>
+    <p:spTree>
+      <p:nvGrpSpPr>
+        <p:cNvPr id="1" name=""/>
+        <p:cNvGrpSpPr/>
+        <p:nvPr/>
+      </p:nvGrpSpPr>
+      <p:grpSpPr>
+        <a:xfrm>
+          <a:off x="0" y="0"/>
+          <a:ext cx="0" cy="0"/>
+          <a:chOff x="0" y="0"/>
+          <a:chExt cx="0" cy="0"/>
+        </a:xfrm>
+      </p:grpSpPr>
+      <p:sp>
+        <p:nvSpPr>
+          <p:cNvPr id="2" name="Content Placeholder 1"/>
+          <p:cNvSpPr>
+            <a:spLocks noGrp="1"/>
+          </p:cNvSpPr>
+          <p:nvPr>
+            <p:ph idx="1"/>
+          </p:nvPr>
+        </p:nvSpPr>
+        <p:spPr/>
+        <p:txBody>
+          <a:bodyPr/>
+          <a:lstStyle/>
+          <a:p>
+            <a:endParaRPr lang="en-US"/>
+          </a:p>
+        </p:txBody>
+      </p:sp>
+      <p:sp>
+        <p:nvSpPr>
+          <p:cNvPr id="3" name="Title 2"/>
+          <p:cNvSpPr>
+            <a:spLocks noGrp="1"/>
+          </p:cNvSpPr>
+          <p:nvPr>
+            <p:ph type="title"/>
+          </p:nvPr>
+        </p:nvSpPr>
+        <p:spPr/>
+        <p:txBody>
+          <a:bodyPr/>
+          <a:lstStyle/>
+          <a:p>
+            <a:endParaRPr lang="en-US"/>
+          </a:p>
+        </p:txBody>
+      </p:sp>
+      <p:pic>
+        <p:nvPicPr>
+          <p:cNvPr id="1026" name="Picture 2"/>
+          <p:cNvPicPr>
+            <a:picLocks noChangeAspect="1" noChangeArrowheads="1"/>
+          </p:cNvPicPr>
+          <p:nvPr/>
+        </p:nvPicPr>
+        <p:blipFill>
+          <a:blip r:embed="rId2">
+            <a:extLst>
+              <a:ext uri="{28A0092B-C50C-407E-A947-70E740481C1C}">
+                <a14:useLocalDpi xmlns:a14="http://schemas.microsoft.com/office/drawing/2010/main" val="0"/>
+              </a:ext>
+            </a:extLst>
+          </a:blip>
+          <a:srcRect/>
+          <a:stretch>
+            <a:fillRect/>
+          </a:stretch>
+        </p:blipFill>
+        <p:spPr bwMode="auto">
+          <a:xfrm>
+            <a:off x="-932" y="0"/>
+            <a:ext cx="9146599" cy="6858000"/>
+          </a:xfrm>
+          <a:prstGeom prst="rect">
+            <a:avLst/>
+          </a:prstGeom>
+          <a:noFill/>
+          <a:ln>
+            <a:noFill/>
+          </a:ln>
+          <a:effectLst/>
+          <a:extLst>
+            <a:ext uri="{909E8E84-426E-40DD-AFC4-6F175D3DCCD1}">
+              <a14:hiddenFill xmlns:a14="http://schemas.microsoft.com/office/drawing/2010/main">
+                <a:solidFill>
+                  <a:schemeClr val="accent1"/>
+                </a:solidFill>
+              </a14:hiddenFill>
+            </a:ext>
+            <a:ext uri="{91240B29-F687-4F45-9708-019B960494DF}">
+              <a14:hiddenLine xmlns:a14="http://schemas.microsoft.com/office/drawing/2010/main" w="9525">
+                <a:solidFill>
+                  <a:schemeClr val="tx1"/>
+                </a:solidFill>
+                <a:miter lim="800000"/>
+                <a:headEnd/>
+                <a:tailEnd/>
+              </a14:hiddenLine>
+            </a:ext>
+            <a:ext uri="{AF507438-7753-43E0-B8FC-AC1667EBCBE1}">
+              <a14:hiddenEffects xmlns:a14="http://schemas.microsoft.com/office/drawing/2010/main">
+                <a:effectLst>
+                  <a:outerShdw dist="35921" dir="2700000" algn="ctr" rotWithShape="0">
+                    <a:schemeClr val="bg2"/>
+                  </a:outerShdw>
+                </a:effectLst>
+              </a14:hiddenEffects>
+            </a:ext>
+          </a:extLst>
+        </p:spPr>
+      </p:pic>
+    </p:spTree>
+    <p:extLst>
+      <p:ext uri="{BB962C8B-B14F-4D97-AF65-F5344CB8AC3E}">
+        <p14:creationId xmlns:p14="http://schemas.microsoft.com/office/powerpoint/2010/main" val="4151801574"/>
+      </p:ext>
+    </p:extLst>
+  </p:cSld>
+  <p:clrMapOvr>
+    <a:masterClrMapping/>
+  </p:clrMapOvr>
+  <p:timing>
+    <p:tnLst>
+      <p:par>
+        <p:cTn id="1" dur="indefinite" restart="never" nodeType="tmRoot"/>
+      </p:par>
+    </p:tnLst>
+  </p:timing>
+</p:sld>
+</file>
+
+<file path=ppt/slides/slide6.xml><?xml version="1.0" encoding="utf-8"?>
 <p:sld xmlns:a="http://schemas.openxmlformats.org/drawingml/2006/main" xmlns:r="http://schemas.openxmlformats.org/officeDocument/2006/relationships" xmlns:p="http://schemas.openxmlformats.org/presentationml/2006/main">
   <p:cSld>
     <p:spTree>
@@ -3953,7 +4060,7 @@
 </p:sld>
 </file>
 
-<file path=ppt/slides/slide6.xml><?xml version="1.0" encoding="utf-8"?>
+<file path=ppt/slides/slide7.xml><?xml version="1.0" encoding="utf-8"?>
 <p:sld xmlns:a="http://schemas.openxmlformats.org/drawingml/2006/main" xmlns:r="http://schemas.openxmlformats.org/officeDocument/2006/relationships" xmlns:p="http://schemas.openxmlformats.org/presentationml/2006/main">
   <p:cSld>
     <p:spTree>

--- a/JPeNS_Presentation.pptx
+++ b/JPeNS_Presentation.pptx
@@ -3750,7 +3750,49 @@
           <a:bodyPr/>
           <a:lstStyle/>
           <a:p>
-            <a:endParaRPr lang="en-US"/>
+            <a:r>
+              <a:rPr lang="en-US" dirty="0" smtClean="0"/>
+              <a:t>Loads up XML file and parses the nodes into lists</a:t>
+            </a:r>
+          </a:p>
+          <a:p>
+            <a:r>
+              <a:rPr lang="en-US" dirty="0" smtClean="0"/>
+              <a:t>Goes through the various lists and creates buttons and labels for the transitions and places</a:t>
+            </a:r>
+          </a:p>
+          <a:p>
+            <a:r>
+              <a:rPr lang="en-US" dirty="0" smtClean="0"/>
+              <a:t>Creates </a:t>
+            </a:r>
+            <a:r>
+              <a:rPr lang="en-US" dirty="0" err="1" smtClean="0"/>
+              <a:t>mxGraph</a:t>
+            </a:r>
+            <a:r>
+              <a:rPr lang="en-US" dirty="0" smtClean="0"/>
+              <a:t> objects for the various items of the network</a:t>
+            </a:r>
+          </a:p>
+          <a:p>
+            <a:r>
+              <a:rPr lang="en-US" dirty="0" smtClean="0"/>
+              <a:t>Displays the graph in the main window</a:t>
+            </a:r>
+          </a:p>
+          <a:p>
+            <a:r>
+              <a:rPr lang="en-US" dirty="0" smtClean="0"/>
+              <a:t>Gives you the ability to fire transitions in any order you like</a:t>
+            </a:r>
+          </a:p>
+          <a:p>
+            <a:r>
+              <a:rPr lang="en-US" dirty="0" smtClean="0"/>
+              <a:t>Automatically updates the color coding each firing</a:t>
+            </a:r>
+            <a:endParaRPr lang="en-US" dirty="0"/>
           </a:p>
         </p:txBody>
       </p:sp>
@@ -3945,9 +3987,16 @@
           <a:bodyPr/>
           <a:lstStyle/>
           <a:p>
+            <a:pPr marL="0" indent="0">
+              <a:buNone/>
+            </a:pPr>
             <a:r>
               <a:rPr lang="en-US" dirty="0" smtClean="0"/>
-              <a:t>Tested positive for usefulness? </a:t>
+              <a:t>Our final project came out very satisfying. It has a great intuitive feel and looks exactly how we imagined it. It is super easy to use and very easy to understa</a:t>
+            </a:r>
+            <a:r>
+              <a:rPr lang="en-US" dirty="0" smtClean="0"/>
+              <a:t>nd how the given networks function.</a:t>
             </a:r>
             <a:endParaRPr lang="en-US" dirty="0"/>
           </a:p>
@@ -3978,7 +4027,7 @@
       </p:sp>
       <p:pic>
         <p:nvPicPr>
-          <p:cNvPr id="2053" name="Picture 5"/>
+          <p:cNvPr id="2050" name="Picture 2"/>
           <p:cNvPicPr>
             <a:picLocks noChangeAspect="1" noChangeArrowheads="1"/>
           </p:cNvPicPr>
@@ -3999,8 +4048,8 @@
         </p:blipFill>
         <p:spPr bwMode="auto">
           <a:xfrm>
-            <a:off x="762000" y="1905000"/>
-            <a:ext cx="7429500" cy="3935557"/>
+            <a:off x="2667000" y="3352800"/>
+            <a:ext cx="3810000" cy="2857500"/>
           </a:xfrm>
           <a:prstGeom prst="rect">
             <a:avLst/>

--- a/JPeNS_Presentation.pptx
+++ b/JPeNS_Presentation.pptx
@@ -2,7 +2,7 @@
 <file path=ppt/presentation.xml><?xml version="1.0" encoding="utf-8"?>
 <p:presentation xmlns:a="http://schemas.openxmlformats.org/drawingml/2006/main" xmlns:r="http://schemas.openxmlformats.org/officeDocument/2006/relationships" xmlns:p="http://schemas.openxmlformats.org/presentationml/2006/main" saveSubsetFonts="1">
   <p:sldMasterIdLst>
-    <p:sldMasterId id="2147483720" r:id="rId1"/>
+    <p:sldMasterId id="2147483756" r:id="rId1"/>
   </p:sldMasterIdLst>
   <p:sldIdLst>
     <p:sldId id="256" r:id="rId2"/>
@@ -132,263 +132,154 @@
       </p:grpSpPr>
       <p:sp>
         <p:nvSpPr>
-          <p:cNvPr id="9" name="Subtitle 8"/>
-          <p:cNvSpPr>
-            <a:spLocks noGrp="1"/>
-          </p:cNvSpPr>
-          <p:nvPr>
-            <p:ph type="subTitle" idx="1"/>
+          <p:cNvPr id="2" name="Title 1"/>
+          <p:cNvSpPr>
+            <a:spLocks noGrp="1"/>
+          </p:cNvSpPr>
+          <p:nvPr>
+            <p:ph type="ctrTitle"/>
           </p:nvPr>
         </p:nvSpPr>
         <p:spPr>
           <a:xfrm>
-            <a:off x="457200" y="3699804"/>
-            <a:ext cx="8305800" cy="1143000"/>
+            <a:off x="685800" y="2130425"/>
+            <a:ext cx="7772400" cy="1470025"/>
           </a:xfrm>
         </p:spPr>
         <p:txBody>
-          <a:bodyPr>
-            <a:noAutofit/>
-          </a:bodyPr>
+          <a:bodyPr/>
+          <a:lstStyle/>
+          <a:p>
+            <a:r>
+              <a:rPr lang="en-US" smtClean="0"/>
+              <a:t>Click to edit Master title style</a:t>
+            </a:r>
+            <a:endParaRPr lang="en-US"/>
+          </a:p>
+        </p:txBody>
+      </p:sp>
+      <p:sp>
+        <p:nvSpPr>
+          <p:cNvPr id="3" name="Subtitle 2"/>
+          <p:cNvSpPr>
+            <a:spLocks noGrp="1"/>
+          </p:cNvSpPr>
+          <p:nvPr>
+            <p:ph type="subTitle" idx="1"/>
+          </p:nvPr>
+        </p:nvSpPr>
+        <p:spPr>
+          <a:xfrm>
+            <a:off x="1371600" y="3886200"/>
+            <a:ext cx="6400800" cy="1752600"/>
+          </a:xfrm>
+        </p:spPr>
+        <p:txBody>
+          <a:bodyPr/>
           <a:lstStyle>
             <a:lvl1pPr marL="0" indent="0" algn="ctr">
               <a:buNone/>
-              <a:defRPr sz="2200" spc="100" baseline="0">
-                <a:solidFill>
-                  <a:schemeClr val="tx2"/>
+              <a:defRPr>
+                <a:solidFill>
+                  <a:schemeClr val="tx1">
+                    <a:tint val="75000"/>
+                  </a:schemeClr>
                 </a:solidFill>
               </a:defRPr>
             </a:lvl1pPr>
             <a:lvl2pPr marL="457200" indent="0" algn="ctr">
               <a:buNone/>
+              <a:defRPr>
+                <a:solidFill>
+                  <a:schemeClr val="tx1">
+                    <a:tint val="75000"/>
+                  </a:schemeClr>
+                </a:solidFill>
+              </a:defRPr>
             </a:lvl2pPr>
             <a:lvl3pPr marL="914400" indent="0" algn="ctr">
               <a:buNone/>
+              <a:defRPr>
+                <a:solidFill>
+                  <a:schemeClr val="tx1">
+                    <a:tint val="75000"/>
+                  </a:schemeClr>
+                </a:solidFill>
+              </a:defRPr>
             </a:lvl3pPr>
             <a:lvl4pPr marL="1371600" indent="0" algn="ctr">
               <a:buNone/>
+              <a:defRPr>
+                <a:solidFill>
+                  <a:schemeClr val="tx1">
+                    <a:tint val="75000"/>
+                  </a:schemeClr>
+                </a:solidFill>
+              </a:defRPr>
             </a:lvl4pPr>
             <a:lvl5pPr marL="1828800" indent="0" algn="ctr">
               <a:buNone/>
+              <a:defRPr>
+                <a:solidFill>
+                  <a:schemeClr val="tx1">
+                    <a:tint val="75000"/>
+                  </a:schemeClr>
+                </a:solidFill>
+              </a:defRPr>
             </a:lvl5pPr>
             <a:lvl6pPr marL="2286000" indent="0" algn="ctr">
               <a:buNone/>
+              <a:defRPr>
+                <a:solidFill>
+                  <a:schemeClr val="tx1">
+                    <a:tint val="75000"/>
+                  </a:schemeClr>
+                </a:solidFill>
+              </a:defRPr>
             </a:lvl6pPr>
             <a:lvl7pPr marL="2743200" indent="0" algn="ctr">
               <a:buNone/>
+              <a:defRPr>
+                <a:solidFill>
+                  <a:schemeClr val="tx1">
+                    <a:tint val="75000"/>
+                  </a:schemeClr>
+                </a:solidFill>
+              </a:defRPr>
             </a:lvl7pPr>
             <a:lvl8pPr marL="3200400" indent="0" algn="ctr">
               <a:buNone/>
+              <a:defRPr>
+                <a:solidFill>
+                  <a:schemeClr val="tx1">
+                    <a:tint val="75000"/>
+                  </a:schemeClr>
+                </a:solidFill>
+              </a:defRPr>
             </a:lvl8pPr>
             <a:lvl9pPr marL="3657600" indent="0" algn="ctr">
               <a:buNone/>
+              <a:defRPr>
+                <a:solidFill>
+                  <a:schemeClr val="tx1">
+                    <a:tint val="75000"/>
+                  </a:schemeClr>
+                </a:solidFill>
+              </a:defRPr>
             </a:lvl9pPr>
           </a:lstStyle>
           <a:p>
             <a:r>
-              <a:rPr kumimoji="0" lang="en-US" smtClean="0"/>
+              <a:rPr lang="en-US" smtClean="0"/>
               <a:t>Click to edit Master subtitle style</a:t>
             </a:r>
-            <a:endParaRPr kumimoji="0" lang="en-US"/>
-          </a:p>
-        </p:txBody>
-      </p:sp>
-      <p:sp>
-        <p:nvSpPr>
-          <p:cNvPr id="28" name="Title 27"/>
-          <p:cNvSpPr>
-            <a:spLocks noGrp="1"/>
-          </p:cNvSpPr>
-          <p:nvPr>
-            <p:ph type="ctrTitle"/>
-          </p:nvPr>
-        </p:nvSpPr>
-        <p:spPr>
-          <a:xfrm>
-            <a:off x="457200" y="1433732"/>
-            <a:ext cx="8305800" cy="1981200"/>
-          </a:xfrm>
-          <a:ln w="6350" cap="rnd">
-            <a:noFill/>
-          </a:ln>
-        </p:spPr>
-        <p:txBody>
-          <a:bodyPr anchor="b" anchorCtr="0">
-            <a:noAutofit/>
-          </a:bodyPr>
-          <a:lstStyle>
-            <a:lvl1pPr algn="ctr">
-              <a:defRPr lang="en-US" sz="4800" b="0" dirty="0">
-                <a:ln w="3200">
-                  <a:solidFill>
-                    <a:schemeClr val="bg2">
-                      <a:shade val="75000"/>
-                      <a:alpha val="25000"/>
-                    </a:schemeClr>
-                  </a:solidFill>
-                  <a:prstDash val="solid"/>
-                  <a:round/>
-                </a:ln>
-                <a:solidFill>
-                  <a:srgbClr val="F9F9F9"/>
-                </a:solidFill>
-                <a:effectLst>
-                  <a:innerShdw blurRad="50800" dist="25400" dir="13500000">
-                    <a:srgbClr val="000000">
-                      <a:alpha val="70000"/>
-                    </a:srgbClr>
-                  </a:innerShdw>
-                </a:effectLst>
-              </a:defRPr>
-            </a:lvl1pPr>
-          </a:lstStyle>
-          <a:p>
-            <a:r>
-              <a:rPr kumimoji="0" lang="en-US" smtClean="0"/>
-              <a:t>Click to edit Master title style</a:t>
-            </a:r>
-            <a:endParaRPr kumimoji="0" lang="en-US"/>
-          </a:p>
-        </p:txBody>
-      </p:sp>
-      <p:cxnSp>
-        <p:nvCxnSpPr>
-          <p:cNvPr id="8" name="Straight Connector 7"/>
-          <p:cNvCxnSpPr/>
-          <p:nvPr/>
-        </p:nvCxnSpPr>
-        <p:spPr>
-          <a:xfrm>
-            <a:off x="1463626" y="3550126"/>
-            <a:ext cx="2971800" cy="1588"/>
-          </a:xfrm>
-          <a:prstGeom prst="line">
-            <a:avLst/>
-          </a:prstGeom>
-          <a:ln w="9525" cap="flat" cmpd="sng" algn="ctr">
-            <a:solidFill>
-              <a:schemeClr val="bg2">
-                <a:tint val="20000"/>
-              </a:schemeClr>
-            </a:solidFill>
-            <a:prstDash val="solid"/>
-          </a:ln>
-          <a:effectLst>
-            <a:outerShdw blurRad="31750" dir="2700000" algn="tl" rotWithShape="0">
-              <a:srgbClr val="000000">
-                <a:alpha val="55000"/>
-              </a:srgbClr>
-            </a:outerShdw>
-          </a:effectLst>
-        </p:spPr>
-        <p:style>
-          <a:lnRef idx="1">
-            <a:schemeClr val="accent1"/>
-          </a:lnRef>
-          <a:fillRef idx="0">
-            <a:schemeClr val="accent1"/>
-          </a:fillRef>
-          <a:effectRef idx="0">
-            <a:schemeClr val="accent1"/>
-          </a:effectRef>
-          <a:fontRef idx="minor">
-            <a:schemeClr val="tx1"/>
-          </a:fontRef>
-        </p:style>
-      </p:cxnSp>
-      <p:cxnSp>
-        <p:nvCxnSpPr>
-          <p:cNvPr id="13" name="Straight Connector 12"/>
-          <p:cNvCxnSpPr/>
-          <p:nvPr/>
-        </p:nvCxnSpPr>
-        <p:spPr>
-          <a:xfrm>
-            <a:off x="4708574" y="3550126"/>
-            <a:ext cx="2971800" cy="1588"/>
-          </a:xfrm>
-          <a:prstGeom prst="line">
-            <a:avLst/>
-          </a:prstGeom>
-          <a:ln w="9525" cap="flat" cmpd="sng" algn="ctr">
-            <a:solidFill>
-              <a:schemeClr val="bg2">
-                <a:tint val="20000"/>
-              </a:schemeClr>
-            </a:solidFill>
-            <a:prstDash val="solid"/>
-          </a:ln>
-          <a:effectLst>
-            <a:outerShdw blurRad="31750" dir="2700000" algn="tl" rotWithShape="0">
-              <a:srgbClr val="000000">
-                <a:alpha val="55000"/>
-              </a:srgbClr>
-            </a:outerShdw>
-          </a:effectLst>
-        </p:spPr>
-        <p:style>
-          <a:lnRef idx="1">
-            <a:schemeClr val="accent1"/>
-          </a:lnRef>
-          <a:fillRef idx="0">
-            <a:schemeClr val="accent1"/>
-          </a:fillRef>
-          <a:effectRef idx="0">
-            <a:schemeClr val="accent1"/>
-          </a:effectRef>
-          <a:fontRef idx="minor">
-            <a:schemeClr val="tx1"/>
-          </a:fontRef>
-        </p:style>
-      </p:cxnSp>
-      <p:sp>
-        <p:nvSpPr>
-          <p:cNvPr id="14" name="Oval 13"/>
-          <p:cNvSpPr/>
-          <p:nvPr/>
-        </p:nvSpPr>
-        <p:spPr>
-          <a:xfrm>
-            <a:off x="4540348" y="3526302"/>
-            <a:ext cx="45720" cy="45720"/>
-          </a:xfrm>
-          <a:prstGeom prst="ellipse">
-            <a:avLst/>
-          </a:prstGeom>
-          <a:effectLst>
-            <a:outerShdw blurRad="31750" dir="2700000" algn="tl" rotWithShape="0">
-              <a:srgbClr val="000000">
-                <a:alpha val="55000"/>
-              </a:srgbClr>
-            </a:outerShdw>
-          </a:effectLst>
-        </p:spPr>
-        <p:style>
-          <a:lnRef idx="2">
-            <a:schemeClr val="accent2"/>
-          </a:lnRef>
-          <a:fillRef idx="1">
-            <a:schemeClr val="accent2"/>
-          </a:fillRef>
-          <a:effectRef idx="0">
-            <a:schemeClr val="accent2"/>
-          </a:effectRef>
-          <a:fontRef idx="minor">
-            <a:schemeClr val="lt1"/>
-          </a:fontRef>
-        </p:style>
-        <p:txBody>
-          <a:bodyPr rtlCol="0" anchor="ctr"/>
-          <a:lstStyle/>
-          <a:p>
-            <a:pPr algn="ctr" eaLnBrk="1" latinLnBrk="0" hangingPunct="1"/>
-            <a:endParaRPr kumimoji="0" lang="en-US" dirty="0"/>
-          </a:p>
-        </p:txBody>
-      </p:sp>
-      <p:sp>
-        <p:nvSpPr>
-          <p:cNvPr id="15" name="Date Placeholder 14"/>
+            <a:endParaRPr lang="en-US"/>
+          </a:p>
+        </p:txBody>
+      </p:sp>
+      <p:sp>
+        <p:nvSpPr>
+          <p:cNvPr id="4" name="Date Placeholder 3"/>
           <p:cNvSpPr>
             <a:spLocks noGrp="1"/>
           </p:cNvSpPr>
@@ -403,7 +294,7 @@
           <a:p>
             <a:fld id="{DBE87E32-EAB1-466E-96FF-E88AF3478657}" type="datetimeFigureOut">
               <a:rPr lang="en-US" smtClean="0"/>
-              <a:t>4/5/2012</a:t>
+              <a:t>4/10/2012</a:t>
             </a:fld>
             <a:endParaRPr lang="en-US" dirty="0"/>
           </a:p>
@@ -411,12 +302,31 @@
       </p:sp>
       <p:sp>
         <p:nvSpPr>
-          <p:cNvPr id="16" name="Slide Number Placeholder 15"/>
-          <p:cNvSpPr>
-            <a:spLocks noGrp="1"/>
-          </p:cNvSpPr>
-          <p:nvPr>
-            <p:ph type="sldNum" sz="quarter" idx="11"/>
+          <p:cNvPr id="5" name="Footer Placeholder 4"/>
+          <p:cNvSpPr>
+            <a:spLocks noGrp="1"/>
+          </p:cNvSpPr>
+          <p:nvPr>
+            <p:ph type="ftr" sz="quarter" idx="11"/>
+          </p:nvPr>
+        </p:nvSpPr>
+        <p:spPr/>
+        <p:txBody>
+          <a:bodyPr/>
+          <a:lstStyle/>
+          <a:p>
+            <a:endParaRPr lang="en-US" dirty="0"/>
+          </a:p>
+        </p:txBody>
+      </p:sp>
+      <p:sp>
+        <p:nvSpPr>
+          <p:cNvPr id="6" name="Slide Number Placeholder 5"/>
+          <p:cNvSpPr>
+            <a:spLocks noGrp="1"/>
+          </p:cNvSpPr>
+          <p:nvPr>
+            <p:ph type="sldNum" sz="quarter" idx="12"/>
           </p:nvPr>
         </p:nvSpPr>
         <p:spPr/>
@@ -432,26 +342,12 @@
           </a:p>
         </p:txBody>
       </p:sp>
-      <p:sp>
-        <p:nvSpPr>
-          <p:cNvPr id="17" name="Footer Placeholder 16"/>
-          <p:cNvSpPr>
-            <a:spLocks noGrp="1"/>
-          </p:cNvSpPr>
-          <p:nvPr>
-            <p:ph type="ftr" sz="quarter" idx="12"/>
-          </p:nvPr>
-        </p:nvSpPr>
-        <p:spPr/>
-        <p:txBody>
-          <a:bodyPr/>
-          <a:lstStyle/>
-          <a:p>
-            <a:endParaRPr lang="en-US" dirty="0"/>
-          </a:p>
-        </p:txBody>
-      </p:sp>
     </p:spTree>
+    <p:extLst>
+      <p:ext uri="{BB962C8B-B14F-4D97-AF65-F5344CB8AC3E}">
+        <p14:creationId xmlns:p14="http://schemas.microsoft.com/office/powerpoint/2010/main" val="3245661773"/>
+      </p:ext>
+    </p:extLst>
   </p:cSld>
   <p:clrMapOvr>
     <a:masterClrMapping/>
@@ -492,10 +388,10 @@
           <a:lstStyle/>
           <a:p>
             <a:r>
-              <a:rPr kumimoji="0" lang="en-US" smtClean="0"/>
+              <a:rPr lang="en-US" smtClean="0"/>
               <a:t>Click to edit Master title style</a:t>
             </a:r>
-            <a:endParaRPr kumimoji="0" lang="en-US"/>
+            <a:endParaRPr lang="en-US"/>
           </a:p>
         </p:txBody>
       </p:sp>
@@ -514,40 +410,40 @@
           <a:bodyPr vert="eaVert"/>
           <a:lstStyle/>
           <a:p>
-            <a:pPr lvl="0" eaLnBrk="1" latinLnBrk="0" hangingPunct="1"/>
+            <a:pPr lvl="0"/>
             <a:r>
               <a:rPr lang="en-US" smtClean="0"/>
               <a:t>Click to edit Master text styles</a:t>
             </a:r>
           </a:p>
           <a:p>
-            <a:pPr lvl="1" eaLnBrk="1" latinLnBrk="0" hangingPunct="1"/>
+            <a:pPr lvl="1"/>
             <a:r>
               <a:rPr lang="en-US" smtClean="0"/>
               <a:t>Second level</a:t>
             </a:r>
           </a:p>
           <a:p>
-            <a:pPr lvl="2" eaLnBrk="1" latinLnBrk="0" hangingPunct="1"/>
+            <a:pPr lvl="2"/>
             <a:r>
               <a:rPr lang="en-US" smtClean="0"/>
               <a:t>Third level</a:t>
             </a:r>
           </a:p>
           <a:p>
-            <a:pPr lvl="3" eaLnBrk="1" latinLnBrk="0" hangingPunct="1"/>
+            <a:pPr lvl="3"/>
             <a:r>
               <a:rPr lang="en-US" smtClean="0"/>
               <a:t>Fourth level</a:t>
             </a:r>
           </a:p>
           <a:p>
-            <a:pPr lvl="4" eaLnBrk="1" latinLnBrk="0" hangingPunct="1"/>
+            <a:pPr lvl="4"/>
             <a:r>
               <a:rPr lang="en-US" smtClean="0"/>
               <a:t>Fifth level</a:t>
             </a:r>
-            <a:endParaRPr kumimoji="0" lang="en-US"/>
+            <a:endParaRPr lang="en-US"/>
           </a:p>
         </p:txBody>
       </p:sp>
@@ -568,7 +464,7 @@
           <a:p>
             <a:fld id="{DBE87E32-EAB1-466E-96FF-E88AF3478657}" type="datetimeFigureOut">
               <a:rPr lang="en-US" smtClean="0"/>
-              <a:t>4/5/2012</a:t>
+              <a:t>4/10/2012</a:t>
             </a:fld>
             <a:endParaRPr lang="en-US" dirty="0"/>
           </a:p>
@@ -617,6 +513,11 @@
         </p:txBody>
       </p:sp>
     </p:spTree>
+    <p:extLst>
+      <p:ext uri="{BB962C8B-B14F-4D97-AF65-F5344CB8AC3E}">
+        <p14:creationId xmlns:p14="http://schemas.microsoft.com/office/powerpoint/2010/main" val="2929881976"/>
+      </p:ext>
+    </p:extLst>
   </p:cSld>
   <p:clrMapOvr>
     <a:masterClrMapping/>
@@ -662,10 +563,10 @@
           <a:lstStyle/>
           <a:p>
             <a:r>
-              <a:rPr kumimoji="0" lang="en-US" smtClean="0"/>
+              <a:rPr lang="en-US" smtClean="0"/>
               <a:t>Click to edit Master title style</a:t>
             </a:r>
-            <a:endParaRPr kumimoji="0" lang="en-US"/>
+            <a:endParaRPr lang="en-US"/>
           </a:p>
         </p:txBody>
       </p:sp>
@@ -689,40 +590,40 @@
           <a:bodyPr vert="eaVert"/>
           <a:lstStyle/>
           <a:p>
-            <a:pPr lvl="0" eaLnBrk="1" latinLnBrk="0" hangingPunct="1"/>
+            <a:pPr lvl="0"/>
             <a:r>
               <a:rPr lang="en-US" smtClean="0"/>
               <a:t>Click to edit Master text styles</a:t>
             </a:r>
           </a:p>
           <a:p>
-            <a:pPr lvl="1" eaLnBrk="1" latinLnBrk="0" hangingPunct="1"/>
+            <a:pPr lvl="1"/>
             <a:r>
               <a:rPr lang="en-US" smtClean="0"/>
               <a:t>Second level</a:t>
             </a:r>
           </a:p>
           <a:p>
-            <a:pPr lvl="2" eaLnBrk="1" latinLnBrk="0" hangingPunct="1"/>
+            <a:pPr lvl="2"/>
             <a:r>
               <a:rPr lang="en-US" smtClean="0"/>
               <a:t>Third level</a:t>
             </a:r>
           </a:p>
           <a:p>
-            <a:pPr lvl="3" eaLnBrk="1" latinLnBrk="0" hangingPunct="1"/>
+            <a:pPr lvl="3"/>
             <a:r>
               <a:rPr lang="en-US" smtClean="0"/>
               <a:t>Fourth level</a:t>
             </a:r>
           </a:p>
           <a:p>
-            <a:pPr lvl="4" eaLnBrk="1" latinLnBrk="0" hangingPunct="1"/>
+            <a:pPr lvl="4"/>
             <a:r>
               <a:rPr lang="en-US" smtClean="0"/>
               <a:t>Fifth level</a:t>
             </a:r>
-            <a:endParaRPr kumimoji="0" lang="en-US"/>
+            <a:endParaRPr lang="en-US"/>
           </a:p>
         </p:txBody>
       </p:sp>
@@ -743,7 +644,7 @@
           <a:p>
             <a:fld id="{DBE87E32-EAB1-466E-96FF-E88AF3478657}" type="datetimeFigureOut">
               <a:rPr lang="en-US" smtClean="0"/>
-              <a:t>4/5/2012</a:t>
+              <a:t>4/10/2012</a:t>
             </a:fld>
             <a:endParaRPr lang="en-US" dirty="0"/>
           </a:p>
@@ -792,6 +693,11 @@
         </p:txBody>
       </p:sp>
     </p:spTree>
+    <p:extLst>
+      <p:ext uri="{BB962C8B-B14F-4D97-AF65-F5344CB8AC3E}">
+        <p14:creationId xmlns:p14="http://schemas.microsoft.com/office/powerpoint/2010/main" val="1422166383"/>
+      </p:ext>
+    </p:extLst>
   </p:cSld>
   <p:clrMapOvr>
     <a:masterClrMapping/>
@@ -818,7 +724,30 @@
       </p:grpSpPr>
       <p:sp>
         <p:nvSpPr>
-          <p:cNvPr id="9" name="Content Placeholder 8"/>
+          <p:cNvPr id="2" name="Title 1"/>
+          <p:cNvSpPr>
+            <a:spLocks noGrp="1"/>
+          </p:cNvSpPr>
+          <p:nvPr>
+            <p:ph type="title"/>
+          </p:nvPr>
+        </p:nvSpPr>
+        <p:spPr/>
+        <p:txBody>
+          <a:bodyPr/>
+          <a:lstStyle/>
+          <a:p>
+            <a:r>
+              <a:rPr lang="en-US" smtClean="0"/>
+              <a:t>Click to edit Master title style</a:t>
+            </a:r>
+            <a:endParaRPr lang="en-US"/>
+          </a:p>
+        </p:txBody>
+      </p:sp>
+      <p:sp>
+        <p:nvSpPr>
+          <p:cNvPr id="3" name="Content Placeholder 2"/>
           <p:cNvSpPr>
             <a:spLocks noGrp="1"/>
           </p:cNvSpPr>
@@ -826,61 +755,56 @@
             <p:ph idx="1"/>
           </p:nvPr>
         </p:nvSpPr>
-        <p:spPr>
-          <a:xfrm>
-            <a:off x="457200" y="1524000"/>
-            <a:ext cx="8229600" cy="4572000"/>
-          </a:xfrm>
-        </p:spPr>
-        <p:txBody>
-          <a:bodyPr/>
-          <a:lstStyle/>
-          <a:p>
-            <a:pPr lvl="0" eaLnBrk="1" latinLnBrk="0" hangingPunct="1"/>
+        <p:spPr/>
+        <p:txBody>
+          <a:bodyPr/>
+          <a:lstStyle/>
+          <a:p>
+            <a:pPr lvl="0"/>
             <a:r>
               <a:rPr lang="en-US" smtClean="0"/>
               <a:t>Click to edit Master text styles</a:t>
             </a:r>
           </a:p>
           <a:p>
-            <a:pPr lvl="1" eaLnBrk="1" latinLnBrk="0" hangingPunct="1"/>
+            <a:pPr lvl="1"/>
             <a:r>
               <a:rPr lang="en-US" smtClean="0"/>
               <a:t>Second level</a:t>
             </a:r>
           </a:p>
           <a:p>
-            <a:pPr lvl="2" eaLnBrk="1" latinLnBrk="0" hangingPunct="1"/>
+            <a:pPr lvl="2"/>
             <a:r>
               <a:rPr lang="en-US" smtClean="0"/>
               <a:t>Third level</a:t>
             </a:r>
           </a:p>
           <a:p>
-            <a:pPr lvl="3" eaLnBrk="1" latinLnBrk="0" hangingPunct="1"/>
+            <a:pPr lvl="3"/>
             <a:r>
               <a:rPr lang="en-US" smtClean="0"/>
               <a:t>Fourth level</a:t>
             </a:r>
           </a:p>
           <a:p>
-            <a:pPr lvl="4" eaLnBrk="1" latinLnBrk="0" hangingPunct="1"/>
+            <a:pPr lvl="4"/>
             <a:r>
               <a:rPr lang="en-US" smtClean="0"/>
               <a:t>Fifth level</a:t>
             </a:r>
-            <a:endParaRPr kumimoji="0" lang="en-US"/>
-          </a:p>
-        </p:txBody>
-      </p:sp>
-      <p:sp>
-        <p:nvSpPr>
-          <p:cNvPr id="14" name="Date Placeholder 13"/>
-          <p:cNvSpPr>
-            <a:spLocks noGrp="1"/>
-          </p:cNvSpPr>
-          <p:nvPr>
-            <p:ph type="dt" sz="half" idx="14"/>
+            <a:endParaRPr lang="en-US"/>
+          </a:p>
+        </p:txBody>
+      </p:sp>
+      <p:sp>
+        <p:nvSpPr>
+          <p:cNvPr id="4" name="Date Placeholder 3"/>
+          <p:cNvSpPr>
+            <a:spLocks noGrp="1"/>
+          </p:cNvSpPr>
+          <p:nvPr>
+            <p:ph type="dt" sz="half" idx="10"/>
           </p:nvPr>
         </p:nvSpPr>
         <p:spPr/>
@@ -890,7 +814,7 @@
           <a:p>
             <a:fld id="{DBE87E32-EAB1-466E-96FF-E88AF3478657}" type="datetimeFigureOut">
               <a:rPr lang="en-US" smtClean="0"/>
-              <a:t>4/5/2012</a:t>
+              <a:t>4/10/2012</a:t>
             </a:fld>
             <a:endParaRPr lang="en-US" dirty="0"/>
           </a:p>
@@ -898,22 +822,37 @@
       </p:sp>
       <p:sp>
         <p:nvSpPr>
-          <p:cNvPr id="15" name="Slide Number Placeholder 14"/>
-          <p:cNvSpPr>
-            <a:spLocks noGrp="1"/>
-          </p:cNvSpPr>
-          <p:nvPr>
-            <p:ph type="sldNum" sz="quarter" idx="15"/>
-          </p:nvPr>
-        </p:nvSpPr>
-        <p:spPr/>
-        <p:txBody>
-          <a:bodyPr/>
-          <a:lstStyle>
-            <a:lvl1pPr algn="ctr">
-              <a:defRPr/>
-            </a:lvl1pPr>
-          </a:lstStyle>
+          <p:cNvPr id="5" name="Footer Placeholder 4"/>
+          <p:cNvSpPr>
+            <a:spLocks noGrp="1"/>
+          </p:cNvSpPr>
+          <p:nvPr>
+            <p:ph type="ftr" sz="quarter" idx="11"/>
+          </p:nvPr>
+        </p:nvSpPr>
+        <p:spPr/>
+        <p:txBody>
+          <a:bodyPr/>
+          <a:lstStyle/>
+          <a:p>
+            <a:endParaRPr lang="en-US" dirty="0"/>
+          </a:p>
+        </p:txBody>
+      </p:sp>
+      <p:sp>
+        <p:nvSpPr>
+          <p:cNvPr id="6" name="Slide Number Placeholder 5"/>
+          <p:cNvSpPr>
+            <a:spLocks noGrp="1"/>
+          </p:cNvSpPr>
+          <p:nvPr>
+            <p:ph type="sldNum" sz="quarter" idx="12"/>
+          </p:nvPr>
+        </p:nvSpPr>
+        <p:spPr/>
+        <p:txBody>
+          <a:bodyPr/>
+          <a:lstStyle/>
           <a:p>
             <a:fld id="{33C9DC26-1A2E-4803-9211-DBDD926138A4}" type="slidenum">
               <a:rPr lang="en-US" smtClean="0"/>
@@ -923,49 +862,12 @@
           </a:p>
         </p:txBody>
       </p:sp>
-      <p:sp>
-        <p:nvSpPr>
-          <p:cNvPr id="16" name="Footer Placeholder 15"/>
-          <p:cNvSpPr>
-            <a:spLocks noGrp="1"/>
-          </p:cNvSpPr>
-          <p:nvPr>
-            <p:ph type="ftr" sz="quarter" idx="16"/>
-          </p:nvPr>
-        </p:nvSpPr>
-        <p:spPr/>
-        <p:txBody>
-          <a:bodyPr/>
-          <a:lstStyle/>
-          <a:p>
-            <a:endParaRPr lang="en-US" dirty="0"/>
-          </a:p>
-        </p:txBody>
-      </p:sp>
-      <p:sp>
-        <p:nvSpPr>
-          <p:cNvPr id="17" name="Title 16"/>
-          <p:cNvSpPr>
-            <a:spLocks noGrp="1"/>
-          </p:cNvSpPr>
-          <p:nvPr>
-            <p:ph type="title"/>
-          </p:nvPr>
-        </p:nvSpPr>
-        <p:spPr/>
-        <p:txBody>
-          <a:bodyPr rtlCol="0" anchor="b" anchorCtr="0"/>
-          <a:lstStyle/>
-          <a:p>
-            <a:r>
-              <a:rPr kumimoji="0" lang="en-US" smtClean="0"/>
-              <a:t>Click to edit Master title style</a:t>
-            </a:r>
-            <a:endParaRPr kumimoji="0" lang="en-US"/>
-          </a:p>
-        </p:txBody>
-      </p:sp>
     </p:spTree>
+    <p:extLst>
+      <p:ext uri="{BB962C8B-B14F-4D97-AF65-F5344CB8AC3E}">
+        <p14:creationId xmlns:p14="http://schemas.microsoft.com/office/powerpoint/2010/main" val="3602346640"/>
+      </p:ext>
+    </p:extLst>
   </p:cSld>
   <p:clrMapOvr>
     <a:masterClrMapping/>
@@ -992,6 +894,157 @@
       </p:grpSpPr>
       <p:sp>
         <p:nvSpPr>
+          <p:cNvPr id="2" name="Title 1"/>
+          <p:cNvSpPr>
+            <a:spLocks noGrp="1"/>
+          </p:cNvSpPr>
+          <p:nvPr>
+            <p:ph type="title"/>
+          </p:nvPr>
+        </p:nvSpPr>
+        <p:spPr>
+          <a:xfrm>
+            <a:off x="722313" y="4406900"/>
+            <a:ext cx="7772400" cy="1362075"/>
+          </a:xfrm>
+        </p:spPr>
+        <p:txBody>
+          <a:bodyPr anchor="t"/>
+          <a:lstStyle>
+            <a:lvl1pPr algn="l">
+              <a:defRPr sz="4000" b="1" cap="all"/>
+            </a:lvl1pPr>
+          </a:lstStyle>
+          <a:p>
+            <a:r>
+              <a:rPr lang="en-US" smtClean="0"/>
+              <a:t>Click to edit Master title style</a:t>
+            </a:r>
+            <a:endParaRPr lang="en-US"/>
+          </a:p>
+        </p:txBody>
+      </p:sp>
+      <p:sp>
+        <p:nvSpPr>
+          <p:cNvPr id="3" name="Text Placeholder 2"/>
+          <p:cNvSpPr>
+            <a:spLocks noGrp="1"/>
+          </p:cNvSpPr>
+          <p:nvPr>
+            <p:ph type="body" idx="1"/>
+          </p:nvPr>
+        </p:nvSpPr>
+        <p:spPr>
+          <a:xfrm>
+            <a:off x="722313" y="2906713"/>
+            <a:ext cx="7772400" cy="1500187"/>
+          </a:xfrm>
+        </p:spPr>
+        <p:txBody>
+          <a:bodyPr anchor="b"/>
+          <a:lstStyle>
+            <a:lvl1pPr marL="0" indent="0">
+              <a:buNone/>
+              <a:defRPr sz="2000">
+                <a:solidFill>
+                  <a:schemeClr val="tx1">
+                    <a:tint val="75000"/>
+                  </a:schemeClr>
+                </a:solidFill>
+              </a:defRPr>
+            </a:lvl1pPr>
+            <a:lvl2pPr marL="457200" indent="0">
+              <a:buNone/>
+              <a:defRPr sz="1800">
+                <a:solidFill>
+                  <a:schemeClr val="tx1">
+                    <a:tint val="75000"/>
+                  </a:schemeClr>
+                </a:solidFill>
+              </a:defRPr>
+            </a:lvl2pPr>
+            <a:lvl3pPr marL="914400" indent="0">
+              <a:buNone/>
+              <a:defRPr sz="1600">
+                <a:solidFill>
+                  <a:schemeClr val="tx1">
+                    <a:tint val="75000"/>
+                  </a:schemeClr>
+                </a:solidFill>
+              </a:defRPr>
+            </a:lvl3pPr>
+            <a:lvl4pPr marL="1371600" indent="0">
+              <a:buNone/>
+              <a:defRPr sz="1400">
+                <a:solidFill>
+                  <a:schemeClr val="tx1">
+                    <a:tint val="75000"/>
+                  </a:schemeClr>
+                </a:solidFill>
+              </a:defRPr>
+            </a:lvl4pPr>
+            <a:lvl5pPr marL="1828800" indent="0">
+              <a:buNone/>
+              <a:defRPr sz="1400">
+                <a:solidFill>
+                  <a:schemeClr val="tx1">
+                    <a:tint val="75000"/>
+                  </a:schemeClr>
+                </a:solidFill>
+              </a:defRPr>
+            </a:lvl5pPr>
+            <a:lvl6pPr marL="2286000" indent="0">
+              <a:buNone/>
+              <a:defRPr sz="1400">
+                <a:solidFill>
+                  <a:schemeClr val="tx1">
+                    <a:tint val="75000"/>
+                  </a:schemeClr>
+                </a:solidFill>
+              </a:defRPr>
+            </a:lvl6pPr>
+            <a:lvl7pPr marL="2743200" indent="0">
+              <a:buNone/>
+              <a:defRPr sz="1400">
+                <a:solidFill>
+                  <a:schemeClr val="tx1">
+                    <a:tint val="75000"/>
+                  </a:schemeClr>
+                </a:solidFill>
+              </a:defRPr>
+            </a:lvl7pPr>
+            <a:lvl8pPr marL="3200400" indent="0">
+              <a:buNone/>
+              <a:defRPr sz="1400">
+                <a:solidFill>
+                  <a:schemeClr val="tx1">
+                    <a:tint val="75000"/>
+                  </a:schemeClr>
+                </a:solidFill>
+              </a:defRPr>
+            </a:lvl8pPr>
+            <a:lvl9pPr marL="3657600" indent="0">
+              <a:buNone/>
+              <a:defRPr sz="1400">
+                <a:solidFill>
+                  <a:schemeClr val="tx1">
+                    <a:tint val="75000"/>
+                  </a:schemeClr>
+                </a:solidFill>
+              </a:defRPr>
+            </a:lvl9pPr>
+          </a:lstStyle>
+          <a:p>
+            <a:pPr lvl="0"/>
+            <a:r>
+              <a:rPr lang="en-US" smtClean="0"/>
+              <a:t>Click to edit Master text styles</a:t>
+            </a:r>
+          </a:p>
+        </p:txBody>
+      </p:sp>
+      <p:sp>
+        <p:nvSpPr>
           <p:cNvPr id="4" name="Date Placeholder 3"/>
           <p:cNvSpPr>
             <a:spLocks noGrp="1"/>
@@ -1007,7 +1060,7 @@
           <a:p>
             <a:fld id="{DBE87E32-EAB1-466E-96FF-E88AF3478657}" type="datetimeFigureOut">
               <a:rPr lang="en-US" smtClean="0"/>
-              <a:t>4/5/2012</a:t>
+              <a:t>4/10/2012</a:t>
             </a:fld>
             <a:endParaRPr lang="en-US" dirty="0"/>
           </a:p>
@@ -1055,187 +1108,12 @@
           </a:p>
         </p:txBody>
       </p:sp>
-      <p:sp>
-        <p:nvSpPr>
-          <p:cNvPr id="2" name="Title 1"/>
-          <p:cNvSpPr>
-            <a:spLocks noGrp="1"/>
-          </p:cNvSpPr>
-          <p:nvPr>
-            <p:ph type="title"/>
-          </p:nvPr>
-        </p:nvSpPr>
-        <p:spPr>
-          <a:xfrm>
-            <a:off x="685800" y="3505200"/>
-            <a:ext cx="7924800" cy="1371600"/>
-          </a:xfrm>
-        </p:spPr>
-        <p:txBody>
-          <a:bodyPr>
-            <a:noAutofit/>
-          </a:bodyPr>
-          <a:lstStyle>
-            <a:lvl1pPr algn="l" rtl="0">
-              <a:spcBef>
-                <a:spcPct val="0"/>
-              </a:spcBef>
-              <a:buNone/>
-              <a:defRPr lang="en-US" sz="4800" b="0" dirty="0">
-                <a:ln w="3200">
-                  <a:solidFill>
-                    <a:schemeClr val="bg2">
-                      <a:shade val="25000"/>
-                      <a:alpha val="25000"/>
-                    </a:schemeClr>
-                  </a:solidFill>
-                  <a:prstDash val="solid"/>
-                  <a:round/>
-                </a:ln>
-                <a:solidFill>
-                  <a:srgbClr val="F9F9F9"/>
-                </a:solidFill>
-                <a:effectLst>
-                  <a:innerShdw blurRad="38100" dist="25400" dir="13500000">
-                    <a:prstClr val="black">
-                      <a:alpha val="70000"/>
-                    </a:prstClr>
-                  </a:innerShdw>
-                </a:effectLst>
-              </a:defRPr>
-            </a:lvl1pPr>
-          </a:lstStyle>
-          <a:p>
-            <a:r>
-              <a:rPr kumimoji="0" lang="en-US" smtClean="0"/>
-              <a:t>Click to edit Master title style</a:t>
-            </a:r>
-            <a:endParaRPr kumimoji="0" lang="en-US"/>
-          </a:p>
-        </p:txBody>
-      </p:sp>
-      <p:sp>
-        <p:nvSpPr>
-          <p:cNvPr id="3" name="Text Placeholder 2"/>
-          <p:cNvSpPr>
-            <a:spLocks noGrp="1"/>
-          </p:cNvSpPr>
-          <p:nvPr>
-            <p:ph type="body" idx="1"/>
-          </p:nvPr>
-        </p:nvSpPr>
-        <p:spPr>
-          <a:xfrm>
-            <a:off x="685800" y="4958864"/>
-            <a:ext cx="7924800" cy="984736"/>
-          </a:xfrm>
-        </p:spPr>
-        <p:txBody>
-          <a:bodyPr anchor="t"/>
-          <a:lstStyle>
-            <a:lvl1pPr marL="0" indent="0">
-              <a:buNone/>
-              <a:defRPr sz="2000" spc="100" baseline="0">
-                <a:solidFill>
-                  <a:schemeClr val="tx2"/>
-                </a:solidFill>
-              </a:defRPr>
-            </a:lvl1pPr>
-            <a:lvl2pPr>
-              <a:buNone/>
-              <a:defRPr sz="1800">
-                <a:solidFill>
-                  <a:schemeClr val="tx1">
-                    <a:tint val="75000"/>
-                  </a:schemeClr>
-                </a:solidFill>
-              </a:defRPr>
-            </a:lvl2pPr>
-            <a:lvl3pPr>
-              <a:buNone/>
-              <a:defRPr sz="1600">
-                <a:solidFill>
-                  <a:schemeClr val="tx1">
-                    <a:tint val="75000"/>
-                  </a:schemeClr>
-                </a:solidFill>
-              </a:defRPr>
-            </a:lvl3pPr>
-            <a:lvl4pPr>
-              <a:buNone/>
-              <a:defRPr sz="1400">
-                <a:solidFill>
-                  <a:schemeClr val="tx1">
-                    <a:tint val="75000"/>
-                  </a:schemeClr>
-                </a:solidFill>
-              </a:defRPr>
-            </a:lvl4pPr>
-            <a:lvl5pPr>
-              <a:buNone/>
-              <a:defRPr sz="1400">
-                <a:solidFill>
-                  <a:schemeClr val="tx1">
-                    <a:tint val="75000"/>
-                  </a:schemeClr>
-                </a:solidFill>
-              </a:defRPr>
-            </a:lvl5pPr>
-          </a:lstStyle>
-          <a:p>
-            <a:pPr lvl="0" eaLnBrk="1" latinLnBrk="0" hangingPunct="1"/>
-            <a:r>
-              <a:rPr kumimoji="0" lang="en-US" smtClean="0"/>
-              <a:t>Click to edit Master text styles</a:t>
-            </a:r>
-          </a:p>
-        </p:txBody>
-      </p:sp>
-      <p:cxnSp>
-        <p:nvCxnSpPr>
-          <p:cNvPr id="7" name="Straight Connector 6"/>
-          <p:cNvCxnSpPr/>
-          <p:nvPr/>
-        </p:nvCxnSpPr>
-        <p:spPr>
-          <a:xfrm>
-            <a:off x="685800" y="4916992"/>
-            <a:ext cx="7924800" cy="4301"/>
-          </a:xfrm>
-          <a:prstGeom prst="line">
-            <a:avLst/>
-          </a:prstGeom>
-          <a:noFill/>
-          <a:ln w="9525" cap="flat" cmpd="sng" algn="ctr">
-            <a:solidFill>
-              <a:srgbClr val="E9E9E8"/>
-            </a:solidFill>
-            <a:prstDash val="solid"/>
-          </a:ln>
-          <a:effectLst>
-            <a:outerShdw blurRad="31750" dir="2700000" algn="tl" rotWithShape="0">
-              <a:srgbClr val="000000">
-                <a:alpha val="55000"/>
-              </a:srgbClr>
-            </a:outerShdw>
-          </a:effectLst>
-        </p:spPr>
-        <p:style>
-          <a:lnRef idx="1">
-            <a:schemeClr val="accent1"/>
-          </a:lnRef>
-          <a:fillRef idx="0">
-            <a:schemeClr val="accent1"/>
-          </a:fillRef>
-          <a:effectRef idx="0">
-            <a:schemeClr val="accent1"/>
-          </a:effectRef>
-          <a:fontRef idx="minor">
-            <a:schemeClr val="tx1"/>
-          </a:fontRef>
-        </p:style>
-      </p:cxnSp>
     </p:spTree>
+    <p:extLst>
+      <p:ext uri="{BB962C8B-B14F-4D97-AF65-F5344CB8AC3E}">
+        <p14:creationId xmlns:p14="http://schemas.microsoft.com/office/powerpoint/2010/main" val="3044260677"/>
+      </p:ext>
+    </p:extLst>
   </p:cSld>
   <p:clrMapOvr>
     <a:masterClrMapping/>
@@ -1262,6 +1140,199 @@
       </p:grpSpPr>
       <p:sp>
         <p:nvSpPr>
+          <p:cNvPr id="2" name="Title 1"/>
+          <p:cNvSpPr>
+            <a:spLocks noGrp="1"/>
+          </p:cNvSpPr>
+          <p:nvPr>
+            <p:ph type="title"/>
+          </p:nvPr>
+        </p:nvSpPr>
+        <p:spPr/>
+        <p:txBody>
+          <a:bodyPr/>
+          <a:lstStyle/>
+          <a:p>
+            <a:r>
+              <a:rPr lang="en-US" smtClean="0"/>
+              <a:t>Click to edit Master title style</a:t>
+            </a:r>
+            <a:endParaRPr lang="en-US"/>
+          </a:p>
+        </p:txBody>
+      </p:sp>
+      <p:sp>
+        <p:nvSpPr>
+          <p:cNvPr id="3" name="Content Placeholder 2"/>
+          <p:cNvSpPr>
+            <a:spLocks noGrp="1"/>
+          </p:cNvSpPr>
+          <p:nvPr>
+            <p:ph sz="half" idx="1"/>
+          </p:nvPr>
+        </p:nvSpPr>
+        <p:spPr>
+          <a:xfrm>
+            <a:off x="457200" y="1600200"/>
+            <a:ext cx="4038600" cy="4525963"/>
+          </a:xfrm>
+        </p:spPr>
+        <p:txBody>
+          <a:bodyPr/>
+          <a:lstStyle>
+            <a:lvl1pPr>
+              <a:defRPr sz="2800"/>
+            </a:lvl1pPr>
+            <a:lvl2pPr>
+              <a:defRPr sz="2400"/>
+            </a:lvl2pPr>
+            <a:lvl3pPr>
+              <a:defRPr sz="2000"/>
+            </a:lvl3pPr>
+            <a:lvl4pPr>
+              <a:defRPr sz="1800"/>
+            </a:lvl4pPr>
+            <a:lvl5pPr>
+              <a:defRPr sz="1800"/>
+            </a:lvl5pPr>
+            <a:lvl6pPr>
+              <a:defRPr sz="1800"/>
+            </a:lvl6pPr>
+            <a:lvl7pPr>
+              <a:defRPr sz="1800"/>
+            </a:lvl7pPr>
+            <a:lvl8pPr>
+              <a:defRPr sz="1800"/>
+            </a:lvl8pPr>
+            <a:lvl9pPr>
+              <a:defRPr sz="1800"/>
+            </a:lvl9pPr>
+          </a:lstStyle>
+          <a:p>
+            <a:pPr lvl="0"/>
+            <a:r>
+              <a:rPr lang="en-US" smtClean="0"/>
+              <a:t>Click to edit Master text styles</a:t>
+            </a:r>
+          </a:p>
+          <a:p>
+            <a:pPr lvl="1"/>
+            <a:r>
+              <a:rPr lang="en-US" smtClean="0"/>
+              <a:t>Second level</a:t>
+            </a:r>
+          </a:p>
+          <a:p>
+            <a:pPr lvl="2"/>
+            <a:r>
+              <a:rPr lang="en-US" smtClean="0"/>
+              <a:t>Third level</a:t>
+            </a:r>
+          </a:p>
+          <a:p>
+            <a:pPr lvl="3"/>
+            <a:r>
+              <a:rPr lang="en-US" smtClean="0"/>
+              <a:t>Fourth level</a:t>
+            </a:r>
+          </a:p>
+          <a:p>
+            <a:pPr lvl="4"/>
+            <a:r>
+              <a:rPr lang="en-US" smtClean="0"/>
+              <a:t>Fifth level</a:t>
+            </a:r>
+            <a:endParaRPr lang="en-US"/>
+          </a:p>
+        </p:txBody>
+      </p:sp>
+      <p:sp>
+        <p:nvSpPr>
+          <p:cNvPr id="4" name="Content Placeholder 3"/>
+          <p:cNvSpPr>
+            <a:spLocks noGrp="1"/>
+          </p:cNvSpPr>
+          <p:nvPr>
+            <p:ph sz="half" idx="2"/>
+          </p:nvPr>
+        </p:nvSpPr>
+        <p:spPr>
+          <a:xfrm>
+            <a:off x="4648200" y="1600200"/>
+            <a:ext cx="4038600" cy="4525963"/>
+          </a:xfrm>
+        </p:spPr>
+        <p:txBody>
+          <a:bodyPr/>
+          <a:lstStyle>
+            <a:lvl1pPr>
+              <a:defRPr sz="2800"/>
+            </a:lvl1pPr>
+            <a:lvl2pPr>
+              <a:defRPr sz="2400"/>
+            </a:lvl2pPr>
+            <a:lvl3pPr>
+              <a:defRPr sz="2000"/>
+            </a:lvl3pPr>
+            <a:lvl4pPr>
+              <a:defRPr sz="1800"/>
+            </a:lvl4pPr>
+            <a:lvl5pPr>
+              <a:defRPr sz="1800"/>
+            </a:lvl5pPr>
+            <a:lvl6pPr>
+              <a:defRPr sz="1800"/>
+            </a:lvl6pPr>
+            <a:lvl7pPr>
+              <a:defRPr sz="1800"/>
+            </a:lvl7pPr>
+            <a:lvl8pPr>
+              <a:defRPr sz="1800"/>
+            </a:lvl8pPr>
+            <a:lvl9pPr>
+              <a:defRPr sz="1800"/>
+            </a:lvl9pPr>
+          </a:lstStyle>
+          <a:p>
+            <a:pPr lvl="0"/>
+            <a:r>
+              <a:rPr lang="en-US" smtClean="0"/>
+              <a:t>Click to edit Master text styles</a:t>
+            </a:r>
+          </a:p>
+          <a:p>
+            <a:pPr lvl="1"/>
+            <a:r>
+              <a:rPr lang="en-US" smtClean="0"/>
+              <a:t>Second level</a:t>
+            </a:r>
+          </a:p>
+          <a:p>
+            <a:pPr lvl="2"/>
+            <a:r>
+              <a:rPr lang="en-US" smtClean="0"/>
+              <a:t>Third level</a:t>
+            </a:r>
+          </a:p>
+          <a:p>
+            <a:pPr lvl="3"/>
+            <a:r>
+              <a:rPr lang="en-US" smtClean="0"/>
+              <a:t>Fourth level</a:t>
+            </a:r>
+          </a:p>
+          <a:p>
+            <a:pPr lvl="4"/>
+            <a:r>
+              <a:rPr lang="en-US" smtClean="0"/>
+              <a:t>Fifth level</a:t>
+            </a:r>
+            <a:endParaRPr lang="en-US"/>
+          </a:p>
+        </p:txBody>
+      </p:sp>
+      <p:sp>
+        <p:nvSpPr>
           <p:cNvPr id="5" name="Date Placeholder 4"/>
           <p:cNvSpPr>
             <a:spLocks noGrp="1"/>
@@ -1277,7 +1348,7 @@
           <a:p>
             <a:fld id="{DBE87E32-EAB1-466E-96FF-E88AF3478657}" type="datetimeFigureOut">
               <a:rPr lang="en-US" smtClean="0"/>
-              <a:t>4/5/2012</a:t>
+              <a:t>4/10/2012</a:t>
             </a:fld>
             <a:endParaRPr lang="en-US" dirty="0"/>
           </a:p>
@@ -1325,144 +1396,12 @@
           </a:p>
         </p:txBody>
       </p:sp>
-      <p:sp>
-        <p:nvSpPr>
-          <p:cNvPr id="2" name="Title 1"/>
-          <p:cNvSpPr>
-            <a:spLocks noGrp="1"/>
-          </p:cNvSpPr>
-          <p:nvPr>
-            <p:ph type="title"/>
-          </p:nvPr>
-        </p:nvSpPr>
-        <p:spPr/>
-        <p:txBody>
-          <a:bodyPr/>
-          <a:lstStyle/>
-          <a:p>
-            <a:r>
-              <a:rPr kumimoji="0" lang="en-US" smtClean="0"/>
-              <a:t>Click to edit Master title style</a:t>
-            </a:r>
-            <a:endParaRPr kumimoji="0" lang="en-US"/>
-          </a:p>
-        </p:txBody>
-      </p:sp>
-      <p:sp>
-        <p:nvSpPr>
-          <p:cNvPr id="11" name="Content Placeholder 10"/>
-          <p:cNvSpPr>
-            <a:spLocks noGrp="1"/>
-          </p:cNvSpPr>
-          <p:nvPr>
-            <p:ph sz="half" idx="1"/>
-          </p:nvPr>
-        </p:nvSpPr>
-        <p:spPr>
-          <a:xfrm>
-            <a:off x="457200" y="1524000"/>
-            <a:ext cx="4059936" cy="4572000"/>
-          </a:xfrm>
-        </p:spPr>
-        <p:txBody>
-          <a:bodyPr/>
-          <a:lstStyle/>
-          <a:p>
-            <a:pPr lvl="0" eaLnBrk="1" latinLnBrk="0" hangingPunct="1"/>
-            <a:r>
-              <a:rPr lang="en-US" smtClean="0"/>
-              <a:t>Click to edit Master text styles</a:t>
-            </a:r>
-          </a:p>
-          <a:p>
-            <a:pPr lvl="1" eaLnBrk="1" latinLnBrk="0" hangingPunct="1"/>
-            <a:r>
-              <a:rPr lang="en-US" smtClean="0"/>
-              <a:t>Second level</a:t>
-            </a:r>
-          </a:p>
-          <a:p>
-            <a:pPr lvl="2" eaLnBrk="1" latinLnBrk="0" hangingPunct="1"/>
-            <a:r>
-              <a:rPr lang="en-US" smtClean="0"/>
-              <a:t>Third level</a:t>
-            </a:r>
-          </a:p>
-          <a:p>
-            <a:pPr lvl="3" eaLnBrk="1" latinLnBrk="0" hangingPunct="1"/>
-            <a:r>
-              <a:rPr lang="en-US" smtClean="0"/>
-              <a:t>Fourth level</a:t>
-            </a:r>
-          </a:p>
-          <a:p>
-            <a:pPr lvl="4" eaLnBrk="1" latinLnBrk="0" hangingPunct="1"/>
-            <a:r>
-              <a:rPr lang="en-US" smtClean="0"/>
-              <a:t>Fifth level</a:t>
-            </a:r>
-            <a:endParaRPr kumimoji="0" lang="en-US"/>
-          </a:p>
-        </p:txBody>
-      </p:sp>
-      <p:sp>
-        <p:nvSpPr>
-          <p:cNvPr id="13" name="Content Placeholder 12"/>
-          <p:cNvSpPr>
-            <a:spLocks noGrp="1"/>
-          </p:cNvSpPr>
-          <p:nvPr>
-            <p:ph sz="half" idx="2"/>
-          </p:nvPr>
-        </p:nvSpPr>
-        <p:spPr>
-          <a:xfrm>
-            <a:off x="4648200" y="1524000"/>
-            <a:ext cx="4059936" cy="4572000"/>
-          </a:xfrm>
-        </p:spPr>
-        <p:txBody>
-          <a:bodyPr/>
-          <a:lstStyle/>
-          <a:p>
-            <a:pPr lvl="0" eaLnBrk="1" latinLnBrk="0" hangingPunct="1"/>
-            <a:r>
-              <a:rPr lang="en-US" smtClean="0"/>
-              <a:t>Click to edit Master text styles</a:t>
-            </a:r>
-          </a:p>
-          <a:p>
-            <a:pPr lvl="1" eaLnBrk="1" latinLnBrk="0" hangingPunct="1"/>
-            <a:r>
-              <a:rPr lang="en-US" smtClean="0"/>
-              <a:t>Second level</a:t>
-            </a:r>
-          </a:p>
-          <a:p>
-            <a:pPr lvl="2" eaLnBrk="1" latinLnBrk="0" hangingPunct="1"/>
-            <a:r>
-              <a:rPr lang="en-US" smtClean="0"/>
-              <a:t>Third level</a:t>
-            </a:r>
-          </a:p>
-          <a:p>
-            <a:pPr lvl="3" eaLnBrk="1" latinLnBrk="0" hangingPunct="1"/>
-            <a:r>
-              <a:rPr lang="en-US" smtClean="0"/>
-              <a:t>Fourth level</a:t>
-            </a:r>
-          </a:p>
-          <a:p>
-            <a:pPr lvl="4" eaLnBrk="1" latinLnBrk="0" hangingPunct="1"/>
-            <a:r>
-              <a:rPr lang="en-US" smtClean="0"/>
-              <a:t>Fifth level</a:t>
-            </a:r>
-            <a:endParaRPr kumimoji="0" lang="en-US"/>
-          </a:p>
-        </p:txBody>
-      </p:sp>
     </p:spTree>
+    <p:extLst>
+      <p:ext uri="{BB962C8B-B14F-4D97-AF65-F5344CB8AC3E}">
+        <p14:creationId xmlns:p14="http://schemas.microsoft.com/office/powerpoint/2010/main" val="1406233061"/>
+      </p:ext>
+    </p:extLst>
   </p:cSld>
   <p:clrMapOvr>
     <a:masterClrMapping/>
@@ -1489,266 +1428,6 @@
       </p:grpSpPr>
       <p:sp>
         <p:nvSpPr>
-          <p:cNvPr id="9" name="Slide Number Placeholder 8"/>
-          <p:cNvSpPr>
-            <a:spLocks noGrp="1"/>
-          </p:cNvSpPr>
-          <p:nvPr>
-            <p:ph type="sldNum" sz="quarter" idx="12"/>
-          </p:nvPr>
-        </p:nvSpPr>
-        <p:spPr/>
-        <p:txBody>
-          <a:bodyPr/>
-          <a:lstStyle/>
-          <a:p>
-            <a:fld id="{33C9DC26-1A2E-4803-9211-DBDD926138A4}" type="slidenum">
-              <a:rPr lang="en-US" smtClean="0"/>
-              <a:t>‹#›</a:t>
-            </a:fld>
-            <a:endParaRPr lang="en-US" dirty="0"/>
-          </a:p>
-        </p:txBody>
-      </p:sp>
-      <p:sp>
-        <p:nvSpPr>
-          <p:cNvPr id="8" name="Footer Placeholder 7"/>
-          <p:cNvSpPr>
-            <a:spLocks noGrp="1"/>
-          </p:cNvSpPr>
-          <p:nvPr>
-            <p:ph type="ftr" sz="quarter" idx="11"/>
-          </p:nvPr>
-        </p:nvSpPr>
-        <p:spPr/>
-        <p:txBody>
-          <a:bodyPr/>
-          <a:lstStyle/>
-          <a:p>
-            <a:endParaRPr lang="en-US" dirty="0"/>
-          </a:p>
-        </p:txBody>
-      </p:sp>
-      <p:sp>
-        <p:nvSpPr>
-          <p:cNvPr id="7" name="Date Placeholder 6"/>
-          <p:cNvSpPr>
-            <a:spLocks noGrp="1"/>
-          </p:cNvSpPr>
-          <p:nvPr>
-            <p:ph type="dt" sz="half" idx="10"/>
-          </p:nvPr>
-        </p:nvSpPr>
-        <p:spPr/>
-        <p:txBody>
-          <a:bodyPr/>
-          <a:lstStyle/>
-          <a:p>
-            <a:fld id="{DBE87E32-EAB1-466E-96FF-E88AF3478657}" type="datetimeFigureOut">
-              <a:rPr lang="en-US" smtClean="0"/>
-              <a:t>4/5/2012</a:t>
-            </a:fld>
-            <a:endParaRPr lang="en-US" dirty="0"/>
-          </a:p>
-        </p:txBody>
-      </p:sp>
-      <p:sp>
-        <p:nvSpPr>
-          <p:cNvPr id="3" name="Text Placeholder 2"/>
-          <p:cNvSpPr>
-            <a:spLocks noGrp="1"/>
-          </p:cNvSpPr>
-          <p:nvPr>
-            <p:ph type="body" idx="1"/>
-          </p:nvPr>
-        </p:nvSpPr>
-        <p:spPr>
-          <a:xfrm>
-            <a:off x="457200" y="1399593"/>
-            <a:ext cx="4040188" cy="762000"/>
-          </a:xfrm>
-          <a:noFill/>
-          <a:ln w="25400" cap="rnd" cmpd="sng" algn="ctr">
-            <a:noFill/>
-            <a:prstDash val="solid"/>
-          </a:ln>
-          <a:effectLst>
-            <a:softEdge rad="63500"/>
-          </a:effectLst>
-          <a:sp3d prstMaterial="flat"/>
-        </p:spPr>
-        <p:style>
-          <a:lnRef idx="3">
-            <a:schemeClr val="lt1"/>
-          </a:lnRef>
-          <a:fillRef idx="1">
-            <a:schemeClr val="accent5"/>
-          </a:fillRef>
-          <a:effectRef idx="1">
-            <a:schemeClr val="accent5"/>
-          </a:effectRef>
-          <a:fontRef idx="minor">
-            <a:schemeClr val="lt1"/>
-          </a:fontRef>
-        </p:style>
-        <p:txBody>
-          <a:bodyPr lIns="91440" tIns="45720" rIns="91440" bIns="45720" anchor="b">
-            <a:noAutofit/>
-          </a:bodyPr>
-          <a:lstStyle>
-            <a:lvl1pPr marL="0" indent="0" algn="l">
-              <a:spcBef>
-                <a:spcPts val="0"/>
-              </a:spcBef>
-              <a:buNone/>
-              <a:defRPr sz="2600" b="1">
-                <a:solidFill>
-                  <a:schemeClr val="tx2"/>
-                </a:solidFill>
-              </a:defRPr>
-            </a:lvl1pPr>
-            <a:lvl2pPr>
-              <a:buNone/>
-              <a:defRPr sz="2000" b="1"/>
-            </a:lvl2pPr>
-            <a:lvl3pPr>
-              <a:buNone/>
-              <a:defRPr sz="1800" b="1"/>
-            </a:lvl3pPr>
-            <a:lvl4pPr>
-              <a:buNone/>
-              <a:defRPr sz="1600" b="1"/>
-            </a:lvl4pPr>
-            <a:lvl5pPr>
-              <a:buNone/>
-              <a:defRPr sz="1600" b="1"/>
-            </a:lvl5pPr>
-          </a:lstStyle>
-          <a:p>
-            <a:pPr lvl="0" eaLnBrk="1" latinLnBrk="0" hangingPunct="1"/>
-            <a:r>
-              <a:rPr kumimoji="0" lang="en-US" smtClean="0"/>
-              <a:t>Click to edit Master text styles</a:t>
-            </a:r>
-          </a:p>
-        </p:txBody>
-      </p:sp>
-      <p:sp>
-        <p:nvSpPr>
-          <p:cNvPr id="32" name="Content Placeholder 31"/>
-          <p:cNvSpPr>
-            <a:spLocks noGrp="1"/>
-          </p:cNvSpPr>
-          <p:nvPr>
-            <p:ph sz="half" idx="2"/>
-          </p:nvPr>
-        </p:nvSpPr>
-        <p:spPr>
-          <a:xfrm>
-            <a:off x="457200" y="2201896"/>
-            <a:ext cx="4038600" cy="3913632"/>
-          </a:xfrm>
-        </p:spPr>
-        <p:txBody>
-          <a:bodyPr/>
-          <a:lstStyle/>
-          <a:p>
-            <a:pPr lvl="0" eaLnBrk="1" latinLnBrk="0" hangingPunct="1"/>
-            <a:r>
-              <a:rPr lang="en-US" smtClean="0"/>
-              <a:t>Click to edit Master text styles</a:t>
-            </a:r>
-          </a:p>
-          <a:p>
-            <a:pPr lvl="1" eaLnBrk="1" latinLnBrk="0" hangingPunct="1"/>
-            <a:r>
-              <a:rPr lang="en-US" smtClean="0"/>
-              <a:t>Second level</a:t>
-            </a:r>
-          </a:p>
-          <a:p>
-            <a:pPr lvl="2" eaLnBrk="1" latinLnBrk="0" hangingPunct="1"/>
-            <a:r>
-              <a:rPr lang="en-US" smtClean="0"/>
-              <a:t>Third level</a:t>
-            </a:r>
-          </a:p>
-          <a:p>
-            <a:pPr lvl="3" eaLnBrk="1" latinLnBrk="0" hangingPunct="1"/>
-            <a:r>
-              <a:rPr lang="en-US" smtClean="0"/>
-              <a:t>Fourth level</a:t>
-            </a:r>
-          </a:p>
-          <a:p>
-            <a:pPr lvl="4" eaLnBrk="1" latinLnBrk="0" hangingPunct="1"/>
-            <a:r>
-              <a:rPr lang="en-US" smtClean="0"/>
-              <a:t>Fifth level</a:t>
-            </a:r>
-            <a:endParaRPr kumimoji="0" lang="en-US"/>
-          </a:p>
-        </p:txBody>
-      </p:sp>
-      <p:sp>
-        <p:nvSpPr>
-          <p:cNvPr id="34" name="Content Placeholder 33"/>
-          <p:cNvSpPr>
-            <a:spLocks noGrp="1"/>
-          </p:cNvSpPr>
-          <p:nvPr>
-            <p:ph sz="quarter" idx="4"/>
-          </p:nvPr>
-        </p:nvSpPr>
-        <p:spPr>
-          <a:xfrm>
-            <a:off x="4649788" y="2201896"/>
-            <a:ext cx="4038600" cy="3913632"/>
-          </a:xfrm>
-        </p:spPr>
-        <p:txBody>
-          <a:bodyPr/>
-          <a:lstStyle/>
-          <a:p>
-            <a:pPr lvl="0" eaLnBrk="1" latinLnBrk="0" hangingPunct="1"/>
-            <a:r>
-              <a:rPr lang="en-US" smtClean="0"/>
-              <a:t>Click to edit Master text styles</a:t>
-            </a:r>
-          </a:p>
-          <a:p>
-            <a:pPr lvl="1" eaLnBrk="1" latinLnBrk="0" hangingPunct="1"/>
-            <a:r>
-              <a:rPr lang="en-US" smtClean="0"/>
-              <a:t>Second level</a:t>
-            </a:r>
-          </a:p>
-          <a:p>
-            <a:pPr lvl="2" eaLnBrk="1" latinLnBrk="0" hangingPunct="1"/>
-            <a:r>
-              <a:rPr lang="en-US" smtClean="0"/>
-              <a:t>Third level</a:t>
-            </a:r>
-          </a:p>
-          <a:p>
-            <a:pPr lvl="3" eaLnBrk="1" latinLnBrk="0" hangingPunct="1"/>
-            <a:r>
-              <a:rPr lang="en-US" smtClean="0"/>
-              <a:t>Fourth level</a:t>
-            </a:r>
-          </a:p>
-          <a:p>
-            <a:pPr lvl="4" eaLnBrk="1" latinLnBrk="0" hangingPunct="1"/>
-            <a:r>
-              <a:rPr lang="en-US" smtClean="0"/>
-              <a:t>Fifth level</a:t>
-            </a:r>
-            <a:endParaRPr kumimoji="0" lang="en-US"/>
-          </a:p>
-        </p:txBody>
-      </p:sp>
-      <p:sp>
-        <p:nvSpPr>
           <p:cNvPr id="2" name="Title 1"/>
           <p:cNvSpPr>
             <a:spLocks noGrp="1"/>
@@ -1757,14 +1436,9 @@
             <p:ph type="title"/>
           </p:nvPr>
         </p:nvSpPr>
-        <p:spPr>
-          <a:xfrm>
-            <a:off x="457200" y="155448"/>
-            <a:ext cx="8229600" cy="1143000"/>
-          </a:xfrm>
-        </p:spPr>
-        <p:txBody>
-          <a:bodyPr anchor="b" anchorCtr="0"/>
+        <p:spPr/>
+        <p:txBody>
+          <a:bodyPr/>
           <a:lstStyle>
             <a:lvl1pPr>
               <a:defRPr/>
@@ -1772,186 +1446,384 @@
           </a:lstStyle>
           <a:p>
             <a:r>
-              <a:rPr kumimoji="0" lang="en-US" smtClean="0"/>
+              <a:rPr lang="en-US" smtClean="0"/>
               <a:t>Click to edit Master title style</a:t>
             </a:r>
-            <a:endParaRPr kumimoji="0" lang="en-US"/>
-          </a:p>
-        </p:txBody>
-      </p:sp>
-      <p:sp>
-        <p:nvSpPr>
-          <p:cNvPr id="12" name="Text Placeholder 11"/>
-          <p:cNvSpPr>
-            <a:spLocks noGrp="1"/>
-          </p:cNvSpPr>
-          <p:nvPr>
-            <p:ph type="body" idx="3"/>
+            <a:endParaRPr lang="en-US"/>
+          </a:p>
+        </p:txBody>
+      </p:sp>
+      <p:sp>
+        <p:nvSpPr>
+          <p:cNvPr id="3" name="Text Placeholder 2"/>
+          <p:cNvSpPr>
+            <a:spLocks noGrp="1"/>
+          </p:cNvSpPr>
+          <p:nvPr>
+            <p:ph type="body" idx="1"/>
           </p:nvPr>
         </p:nvSpPr>
         <p:spPr>
           <a:xfrm>
-            <a:off x="4648200" y="1399593"/>
-            <a:ext cx="4040188" cy="762000"/>
+            <a:off x="457200" y="1535113"/>
+            <a:ext cx="4040188" cy="639762"/>
           </a:xfrm>
-          <a:noFill/>
-          <a:ln w="25400" cap="rnd" cmpd="sng" algn="ctr">
-            <a:noFill/>
-            <a:prstDash val="solid"/>
-          </a:ln>
-          <a:effectLst>
-            <a:softEdge rad="63500"/>
-          </a:effectLst>
         </p:spPr>
-        <p:style>
-          <a:lnRef idx="3">
-            <a:schemeClr val="lt1"/>
-          </a:lnRef>
-          <a:fillRef idx="1">
-            <a:schemeClr val="accent5"/>
-          </a:fillRef>
-          <a:effectRef idx="1">
-            <a:schemeClr val="accent5"/>
-          </a:effectRef>
-          <a:fontRef idx="minor">
-            <a:schemeClr val="lt1"/>
-          </a:fontRef>
-        </p:style>
-        <p:txBody>
-          <a:bodyPr lIns="91440" tIns="45720" rIns="91440" bIns="45720" anchor="b">
-            <a:noAutofit/>
-          </a:bodyPr>
+        <p:txBody>
+          <a:bodyPr anchor="b"/>
           <a:lstStyle>
-            <a:lvl1pPr marL="0" indent="0" algn="l">
-              <a:spcBef>
-                <a:spcPts val="0"/>
-              </a:spcBef>
-              <a:buNone/>
-              <a:defRPr sz="2600" b="1" baseline="0">
-                <a:solidFill>
-                  <a:schemeClr val="tx2"/>
-                </a:solidFill>
-              </a:defRPr>
+            <a:lvl1pPr marL="0" indent="0">
+              <a:buNone/>
+              <a:defRPr sz="2400" b="1"/>
+            </a:lvl1pPr>
+            <a:lvl2pPr marL="457200" indent="0">
+              <a:buNone/>
+              <a:defRPr sz="2000" b="1"/>
+            </a:lvl2pPr>
+            <a:lvl3pPr marL="914400" indent="0">
+              <a:buNone/>
+              <a:defRPr sz="1800" b="1"/>
+            </a:lvl3pPr>
+            <a:lvl4pPr marL="1371600" indent="0">
+              <a:buNone/>
+              <a:defRPr sz="1600" b="1"/>
+            </a:lvl4pPr>
+            <a:lvl5pPr marL="1828800" indent="0">
+              <a:buNone/>
+              <a:defRPr sz="1600" b="1"/>
+            </a:lvl5pPr>
+            <a:lvl6pPr marL="2286000" indent="0">
+              <a:buNone/>
+              <a:defRPr sz="1600" b="1"/>
+            </a:lvl6pPr>
+            <a:lvl7pPr marL="2743200" indent="0">
+              <a:buNone/>
+              <a:defRPr sz="1600" b="1"/>
+            </a:lvl7pPr>
+            <a:lvl8pPr marL="3200400" indent="0">
+              <a:buNone/>
+              <a:defRPr sz="1600" b="1"/>
+            </a:lvl8pPr>
+            <a:lvl9pPr marL="3657600" indent="0">
+              <a:buNone/>
+              <a:defRPr sz="1600" b="1"/>
+            </a:lvl9pPr>
+          </a:lstStyle>
+          <a:p>
+            <a:pPr lvl="0"/>
+            <a:r>
+              <a:rPr lang="en-US" smtClean="0"/>
+              <a:t>Click to edit Master text styles</a:t>
+            </a:r>
+          </a:p>
+        </p:txBody>
+      </p:sp>
+      <p:sp>
+        <p:nvSpPr>
+          <p:cNvPr id="4" name="Content Placeholder 3"/>
+          <p:cNvSpPr>
+            <a:spLocks noGrp="1"/>
+          </p:cNvSpPr>
+          <p:nvPr>
+            <p:ph sz="half" idx="2"/>
+          </p:nvPr>
+        </p:nvSpPr>
+        <p:spPr>
+          <a:xfrm>
+            <a:off x="457200" y="2174875"/>
+            <a:ext cx="4040188" cy="3951288"/>
+          </a:xfrm>
+        </p:spPr>
+        <p:txBody>
+          <a:bodyPr/>
+          <a:lstStyle>
+            <a:lvl1pPr>
+              <a:defRPr sz="2400"/>
             </a:lvl1pPr>
             <a:lvl2pPr>
+              <a:defRPr sz="2000"/>
+            </a:lvl2pPr>
+            <a:lvl3pPr>
+              <a:defRPr sz="1800"/>
+            </a:lvl3pPr>
+            <a:lvl4pPr>
+              <a:defRPr sz="1600"/>
+            </a:lvl4pPr>
+            <a:lvl5pPr>
+              <a:defRPr sz="1600"/>
+            </a:lvl5pPr>
+            <a:lvl6pPr>
+              <a:defRPr sz="1600"/>
+            </a:lvl6pPr>
+            <a:lvl7pPr>
+              <a:defRPr sz="1600"/>
+            </a:lvl7pPr>
+            <a:lvl8pPr>
+              <a:defRPr sz="1600"/>
+            </a:lvl8pPr>
+            <a:lvl9pPr>
+              <a:defRPr sz="1600"/>
+            </a:lvl9pPr>
+          </a:lstStyle>
+          <a:p>
+            <a:pPr lvl="0"/>
+            <a:r>
+              <a:rPr lang="en-US" smtClean="0"/>
+              <a:t>Click to edit Master text styles</a:t>
+            </a:r>
+          </a:p>
+          <a:p>
+            <a:pPr lvl="1"/>
+            <a:r>
+              <a:rPr lang="en-US" smtClean="0"/>
+              <a:t>Second level</a:t>
+            </a:r>
+          </a:p>
+          <a:p>
+            <a:pPr lvl="2"/>
+            <a:r>
+              <a:rPr lang="en-US" smtClean="0"/>
+              <a:t>Third level</a:t>
+            </a:r>
+          </a:p>
+          <a:p>
+            <a:pPr lvl="3"/>
+            <a:r>
+              <a:rPr lang="en-US" smtClean="0"/>
+              <a:t>Fourth level</a:t>
+            </a:r>
+          </a:p>
+          <a:p>
+            <a:pPr lvl="4"/>
+            <a:r>
+              <a:rPr lang="en-US" smtClean="0"/>
+              <a:t>Fifth level</a:t>
+            </a:r>
+            <a:endParaRPr lang="en-US"/>
+          </a:p>
+        </p:txBody>
+      </p:sp>
+      <p:sp>
+        <p:nvSpPr>
+          <p:cNvPr id="5" name="Text Placeholder 4"/>
+          <p:cNvSpPr>
+            <a:spLocks noGrp="1"/>
+          </p:cNvSpPr>
+          <p:nvPr>
+            <p:ph type="body" sz="quarter" idx="3"/>
+          </p:nvPr>
+        </p:nvSpPr>
+        <p:spPr>
+          <a:xfrm>
+            <a:off x="4645025" y="1535113"/>
+            <a:ext cx="4041775" cy="639762"/>
+          </a:xfrm>
+        </p:spPr>
+        <p:txBody>
+          <a:bodyPr anchor="b"/>
+          <a:lstStyle>
+            <a:lvl1pPr marL="0" indent="0">
+              <a:buNone/>
+              <a:defRPr sz="2400" b="1"/>
+            </a:lvl1pPr>
+            <a:lvl2pPr marL="457200" indent="0">
               <a:buNone/>
               <a:defRPr sz="2000" b="1"/>
             </a:lvl2pPr>
-            <a:lvl3pPr>
+            <a:lvl3pPr marL="914400" indent="0">
               <a:buNone/>
               <a:defRPr sz="1800" b="1"/>
             </a:lvl3pPr>
-            <a:lvl4pPr>
+            <a:lvl4pPr marL="1371600" indent="0">
               <a:buNone/>
               <a:defRPr sz="1600" b="1"/>
             </a:lvl4pPr>
-            <a:lvl5pPr>
+            <a:lvl5pPr marL="1828800" indent="0">
               <a:buNone/>
               <a:defRPr sz="1600" b="1"/>
             </a:lvl5pPr>
+            <a:lvl6pPr marL="2286000" indent="0">
+              <a:buNone/>
+              <a:defRPr sz="1600" b="1"/>
+            </a:lvl6pPr>
+            <a:lvl7pPr marL="2743200" indent="0">
+              <a:buNone/>
+              <a:defRPr sz="1600" b="1"/>
+            </a:lvl7pPr>
+            <a:lvl8pPr marL="3200400" indent="0">
+              <a:buNone/>
+              <a:defRPr sz="1600" b="1"/>
+            </a:lvl8pPr>
+            <a:lvl9pPr marL="3657600" indent="0">
+              <a:buNone/>
+              <a:defRPr sz="1600" b="1"/>
+            </a:lvl9pPr>
           </a:lstStyle>
           <a:p>
-            <a:pPr lvl="0" eaLnBrk="1" latinLnBrk="0" hangingPunct="1"/>
-            <a:r>
-              <a:rPr kumimoji="0" lang="en-US" smtClean="0"/>
+            <a:pPr lvl="0"/>
+            <a:r>
+              <a:rPr lang="en-US" smtClean="0"/>
               <a:t>Click to edit Master text styles</a:t>
             </a:r>
           </a:p>
         </p:txBody>
       </p:sp>
-      <p:cxnSp>
-        <p:nvCxnSpPr>
-          <p:cNvPr id="10" name="Straight Connector 9"/>
-          <p:cNvCxnSpPr/>
-          <p:nvPr/>
-        </p:nvCxnSpPr>
+      <p:sp>
+        <p:nvSpPr>
+          <p:cNvPr id="6" name="Content Placeholder 5"/>
+          <p:cNvSpPr>
+            <a:spLocks noGrp="1"/>
+          </p:cNvSpPr>
+          <p:nvPr>
+            <p:ph sz="quarter" idx="4"/>
+          </p:nvPr>
+        </p:nvSpPr>
         <p:spPr>
           <a:xfrm>
-            <a:off x="562945" y="2180219"/>
-            <a:ext cx="3749040" cy="1588"/>
+            <a:off x="4645025" y="2174875"/>
+            <a:ext cx="4041775" cy="3951288"/>
           </a:xfrm>
-          <a:prstGeom prst="line">
-            <a:avLst/>
-          </a:prstGeom>
-          <a:noFill/>
-          <a:ln w="12700" cap="flat" cmpd="sng" algn="ctr">
-            <a:solidFill>
-              <a:schemeClr val="bg2">
-                <a:tint val="20000"/>
-              </a:schemeClr>
-            </a:solidFill>
-            <a:prstDash val="solid"/>
-          </a:ln>
-          <a:effectLst>
-            <a:outerShdw blurRad="34925" dir="2700000" algn="tl" rotWithShape="0">
-              <a:srgbClr val="000000">
-                <a:alpha val="55000"/>
-              </a:srgbClr>
-            </a:outerShdw>
-          </a:effectLst>
         </p:spPr>
-        <p:style>
-          <a:lnRef idx="1">
-            <a:schemeClr val="accent1"/>
-          </a:lnRef>
-          <a:fillRef idx="0">
-            <a:schemeClr val="accent1"/>
-          </a:fillRef>
-          <a:effectRef idx="0">
-            <a:schemeClr val="accent1"/>
-          </a:effectRef>
-          <a:fontRef idx="minor">
-            <a:schemeClr val="tx1"/>
-          </a:fontRef>
-        </p:style>
-      </p:cxnSp>
-      <p:cxnSp>
-        <p:nvCxnSpPr>
-          <p:cNvPr id="17" name="Straight Connector 16"/>
-          <p:cNvCxnSpPr/>
-          <p:nvPr/>
-        </p:nvCxnSpPr>
-        <p:spPr>
-          <a:xfrm>
-            <a:off x="4754880" y="2180219"/>
-            <a:ext cx="3749040" cy="1588"/>
-          </a:xfrm>
-          <a:prstGeom prst="line">
-            <a:avLst/>
-          </a:prstGeom>
-          <a:noFill/>
-          <a:ln w="12700" cap="flat" cmpd="sng" algn="ctr">
-            <a:solidFill>
-              <a:schemeClr val="bg2">
-                <a:tint val="20000"/>
-              </a:schemeClr>
-            </a:solidFill>
-            <a:prstDash val="solid"/>
-          </a:ln>
-          <a:effectLst>
-            <a:outerShdw blurRad="34925" dir="2700000" algn="tl" rotWithShape="0">
-              <a:srgbClr val="000000">
-                <a:alpha val="55000"/>
-              </a:srgbClr>
-            </a:outerShdw>
-          </a:effectLst>
-        </p:spPr>
-        <p:style>
-          <a:lnRef idx="1">
-            <a:schemeClr val="accent1"/>
-          </a:lnRef>
-          <a:fillRef idx="0">
-            <a:schemeClr val="accent1"/>
-          </a:fillRef>
-          <a:effectRef idx="0">
-            <a:schemeClr val="accent1"/>
-          </a:effectRef>
-          <a:fontRef idx="minor">
-            <a:schemeClr val="tx1"/>
-          </a:fontRef>
-        </p:style>
-      </p:cxnSp>
+        <p:txBody>
+          <a:bodyPr/>
+          <a:lstStyle>
+            <a:lvl1pPr>
+              <a:defRPr sz="2400"/>
+            </a:lvl1pPr>
+            <a:lvl2pPr>
+              <a:defRPr sz="2000"/>
+            </a:lvl2pPr>
+            <a:lvl3pPr>
+              <a:defRPr sz="1800"/>
+            </a:lvl3pPr>
+            <a:lvl4pPr>
+              <a:defRPr sz="1600"/>
+            </a:lvl4pPr>
+            <a:lvl5pPr>
+              <a:defRPr sz="1600"/>
+            </a:lvl5pPr>
+            <a:lvl6pPr>
+              <a:defRPr sz="1600"/>
+            </a:lvl6pPr>
+            <a:lvl7pPr>
+              <a:defRPr sz="1600"/>
+            </a:lvl7pPr>
+            <a:lvl8pPr>
+              <a:defRPr sz="1600"/>
+            </a:lvl8pPr>
+            <a:lvl9pPr>
+              <a:defRPr sz="1600"/>
+            </a:lvl9pPr>
+          </a:lstStyle>
+          <a:p>
+            <a:pPr lvl="0"/>
+            <a:r>
+              <a:rPr lang="en-US" smtClean="0"/>
+              <a:t>Click to edit Master text styles</a:t>
+            </a:r>
+          </a:p>
+          <a:p>
+            <a:pPr lvl="1"/>
+            <a:r>
+              <a:rPr lang="en-US" smtClean="0"/>
+              <a:t>Second level</a:t>
+            </a:r>
+          </a:p>
+          <a:p>
+            <a:pPr lvl="2"/>
+            <a:r>
+              <a:rPr lang="en-US" smtClean="0"/>
+              <a:t>Third level</a:t>
+            </a:r>
+          </a:p>
+          <a:p>
+            <a:pPr lvl="3"/>
+            <a:r>
+              <a:rPr lang="en-US" smtClean="0"/>
+              <a:t>Fourth level</a:t>
+            </a:r>
+          </a:p>
+          <a:p>
+            <a:pPr lvl="4"/>
+            <a:r>
+              <a:rPr lang="en-US" smtClean="0"/>
+              <a:t>Fifth level</a:t>
+            </a:r>
+            <a:endParaRPr lang="en-US"/>
+          </a:p>
+        </p:txBody>
+      </p:sp>
+      <p:sp>
+        <p:nvSpPr>
+          <p:cNvPr id="7" name="Date Placeholder 6"/>
+          <p:cNvSpPr>
+            <a:spLocks noGrp="1"/>
+          </p:cNvSpPr>
+          <p:nvPr>
+            <p:ph type="dt" sz="half" idx="10"/>
+          </p:nvPr>
+        </p:nvSpPr>
+        <p:spPr/>
+        <p:txBody>
+          <a:bodyPr/>
+          <a:lstStyle/>
+          <a:p>
+            <a:fld id="{DBE87E32-EAB1-466E-96FF-E88AF3478657}" type="datetimeFigureOut">
+              <a:rPr lang="en-US" smtClean="0"/>
+              <a:t>4/10/2012</a:t>
+            </a:fld>
+            <a:endParaRPr lang="en-US" dirty="0"/>
+          </a:p>
+        </p:txBody>
+      </p:sp>
+      <p:sp>
+        <p:nvSpPr>
+          <p:cNvPr id="8" name="Footer Placeholder 7"/>
+          <p:cNvSpPr>
+            <a:spLocks noGrp="1"/>
+          </p:cNvSpPr>
+          <p:nvPr>
+            <p:ph type="ftr" sz="quarter" idx="11"/>
+          </p:nvPr>
+        </p:nvSpPr>
+        <p:spPr/>
+        <p:txBody>
+          <a:bodyPr/>
+          <a:lstStyle/>
+          <a:p>
+            <a:endParaRPr lang="en-US" dirty="0"/>
+          </a:p>
+        </p:txBody>
+      </p:sp>
+      <p:sp>
+        <p:nvSpPr>
+          <p:cNvPr id="9" name="Slide Number Placeholder 8"/>
+          <p:cNvSpPr>
+            <a:spLocks noGrp="1"/>
+          </p:cNvSpPr>
+          <p:nvPr>
+            <p:ph type="sldNum" sz="quarter" idx="12"/>
+          </p:nvPr>
+        </p:nvSpPr>
+        <p:spPr/>
+        <p:txBody>
+          <a:bodyPr/>
+          <a:lstStyle/>
+          <a:p>
+            <a:fld id="{33C9DC26-1A2E-4803-9211-DBDD926138A4}" type="slidenum">
+              <a:rPr lang="en-US" smtClean="0"/>
+              <a:t>‹#›</a:t>
+            </a:fld>
+            <a:endParaRPr lang="en-US" dirty="0"/>
+          </a:p>
+        </p:txBody>
+      </p:sp>
     </p:spTree>
+    <p:extLst>
+      <p:ext uri="{BB962C8B-B14F-4D97-AF65-F5344CB8AC3E}">
+        <p14:creationId xmlns:p14="http://schemas.microsoft.com/office/powerpoint/2010/main" val="3334492990"/>
+      </p:ext>
+    </p:extLst>
   </p:cSld>
   <p:clrMapOvr>
     <a:masterClrMapping/>
@@ -1978,6 +1850,29 @@
       </p:grpSpPr>
       <p:sp>
         <p:nvSpPr>
+          <p:cNvPr id="2" name="Title 1"/>
+          <p:cNvSpPr>
+            <a:spLocks noGrp="1"/>
+          </p:cNvSpPr>
+          <p:nvPr>
+            <p:ph type="title"/>
+          </p:nvPr>
+        </p:nvSpPr>
+        <p:spPr/>
+        <p:txBody>
+          <a:bodyPr/>
+          <a:lstStyle/>
+          <a:p>
+            <a:r>
+              <a:rPr lang="en-US" smtClean="0"/>
+              <a:t>Click to edit Master title style</a:t>
+            </a:r>
+            <a:endParaRPr lang="en-US"/>
+          </a:p>
+        </p:txBody>
+      </p:sp>
+      <p:sp>
+        <p:nvSpPr>
           <p:cNvPr id="3" name="Date Placeholder 2"/>
           <p:cNvSpPr>
             <a:spLocks noGrp="1"/>
@@ -1993,7 +1888,7 @@
           <a:p>
             <a:fld id="{DBE87E32-EAB1-466E-96FF-E88AF3478657}" type="datetimeFigureOut">
               <a:rPr lang="en-US" smtClean="0"/>
-              <a:t>4/5/2012</a:t>
+              <a:t>4/10/2012</a:t>
             </a:fld>
             <a:endParaRPr lang="en-US" dirty="0"/>
           </a:p>
@@ -2041,30 +1936,12 @@
           </a:p>
         </p:txBody>
       </p:sp>
-      <p:sp>
-        <p:nvSpPr>
-          <p:cNvPr id="2" name="Title 1"/>
-          <p:cNvSpPr>
-            <a:spLocks noGrp="1"/>
-          </p:cNvSpPr>
-          <p:nvPr>
-            <p:ph type="title"/>
-          </p:nvPr>
-        </p:nvSpPr>
-        <p:spPr/>
-        <p:txBody>
-          <a:bodyPr/>
-          <a:lstStyle/>
-          <a:p>
-            <a:r>
-              <a:rPr kumimoji="0" lang="en-US" smtClean="0"/>
-              <a:t>Click to edit Master title style</a:t>
-            </a:r>
-            <a:endParaRPr kumimoji="0" lang="en-US"/>
-          </a:p>
-        </p:txBody>
-      </p:sp>
     </p:spTree>
+    <p:extLst>
+      <p:ext uri="{BB962C8B-B14F-4D97-AF65-F5344CB8AC3E}">
+        <p14:creationId xmlns:p14="http://schemas.microsoft.com/office/powerpoint/2010/main" val="3790856867"/>
+      </p:ext>
+    </p:extLst>
   </p:cSld>
   <p:clrMapOvr>
     <a:masterClrMapping/>
@@ -2106,7 +1983,7 @@
           <a:p>
             <a:fld id="{DBE87E32-EAB1-466E-96FF-E88AF3478657}" type="datetimeFigureOut">
               <a:rPr lang="en-US" smtClean="0"/>
-              <a:t>4/5/2012</a:t>
+              <a:t>4/10/2012</a:t>
             </a:fld>
             <a:endParaRPr lang="en-US" dirty="0"/>
           </a:p>
@@ -2155,6 +2032,11 @@
         </p:txBody>
       </p:sp>
     </p:spTree>
+    <p:extLst>
+      <p:ext uri="{BB962C8B-B14F-4D97-AF65-F5344CB8AC3E}">
+        <p14:creationId xmlns:p14="http://schemas.microsoft.com/office/powerpoint/2010/main" val="334259979"/>
+      </p:ext>
+    </p:extLst>
   </p:cSld>
   <p:clrMapOvr>
     <a:masterClrMapping/>
@@ -2163,7 +2045,7 @@
 </file>
 
 <file path=ppt/slideLayouts/slideLayout8.xml><?xml version="1.0" encoding="utf-8"?>
-<p:sldLayout xmlns:a="http://schemas.openxmlformats.org/drawingml/2006/main" xmlns:r="http://schemas.openxmlformats.org/officeDocument/2006/relationships" xmlns:p="http://schemas.openxmlformats.org/presentationml/2006/main" showMasterSp="0" type="objTx" preserve="1">
+<p:sldLayout xmlns:a="http://schemas.openxmlformats.org/drawingml/2006/main" xmlns:r="http://schemas.openxmlformats.org/officeDocument/2006/relationships" xmlns:p="http://schemas.openxmlformats.org/presentationml/2006/main" type="objTx" preserve="1">
   <p:cSld name="Content with Caption">
     <p:spTree>
       <p:nvGrpSpPr>
@@ -2181,115 +2063,181 @@
       </p:grpSpPr>
       <p:sp>
         <p:nvSpPr>
-          <p:cNvPr id="29" name="Content Placeholder 28"/>
-          <p:cNvSpPr>
-            <a:spLocks noGrp="1"/>
-          </p:cNvSpPr>
-          <p:nvPr>
-            <p:ph sz="quarter" idx="1"/>
+          <p:cNvPr id="2" name="Title 1"/>
+          <p:cNvSpPr>
+            <a:spLocks noGrp="1"/>
+          </p:cNvSpPr>
+          <p:nvPr>
+            <p:ph type="title"/>
           </p:nvPr>
         </p:nvSpPr>
         <p:spPr>
           <a:xfrm>
-            <a:off x="457200" y="457200"/>
-            <a:ext cx="6248400" cy="5715000"/>
+            <a:off x="457200" y="273050"/>
+            <a:ext cx="3008313" cy="1162050"/>
           </a:xfrm>
         </p:spPr>
         <p:txBody>
-          <a:bodyPr/>
-          <a:lstStyle/>
-          <a:p>
-            <a:pPr lvl="0" eaLnBrk="1" latinLnBrk="0" hangingPunct="1"/>
-            <a:r>
-              <a:rPr lang="en-US" smtClean="0"/>
-              <a:t>Click to edit Master text styles</a:t>
-            </a:r>
-          </a:p>
-          <a:p>
-            <a:pPr lvl="1" eaLnBrk="1" latinLnBrk="0" hangingPunct="1"/>
-            <a:r>
-              <a:rPr lang="en-US" smtClean="0"/>
-              <a:t>Second level</a:t>
-            </a:r>
-          </a:p>
-          <a:p>
-            <a:pPr lvl="2" eaLnBrk="1" latinLnBrk="0" hangingPunct="1"/>
-            <a:r>
-              <a:rPr lang="en-US" smtClean="0"/>
-              <a:t>Third level</a:t>
-            </a:r>
-          </a:p>
-          <a:p>
-            <a:pPr lvl="3" eaLnBrk="1" latinLnBrk="0" hangingPunct="1"/>
-            <a:r>
-              <a:rPr lang="en-US" smtClean="0"/>
-              <a:t>Fourth level</a:t>
-            </a:r>
-          </a:p>
-          <a:p>
-            <a:pPr lvl="4" eaLnBrk="1" latinLnBrk="0" hangingPunct="1"/>
-            <a:r>
-              <a:rPr lang="en-US" smtClean="0"/>
-              <a:t>Fifth level</a:t>
-            </a:r>
-            <a:endParaRPr kumimoji="0" lang="en-US"/>
-          </a:p>
-        </p:txBody>
-      </p:sp>
-      <p:sp>
-        <p:nvSpPr>
-          <p:cNvPr id="3" name="Text Placeholder 2"/>
-          <p:cNvSpPr>
-            <a:spLocks noGrp="1"/>
-          </p:cNvSpPr>
-          <p:nvPr>
-            <p:ph type="body" idx="2"/>
+          <a:bodyPr anchor="b"/>
+          <a:lstStyle>
+            <a:lvl1pPr algn="l">
+              <a:defRPr sz="2000" b="1"/>
+            </a:lvl1pPr>
+          </a:lstStyle>
+          <a:p>
+            <a:r>
+              <a:rPr lang="en-US" smtClean="0"/>
+              <a:t>Click to edit Master title style</a:t>
+            </a:r>
+            <a:endParaRPr lang="en-US"/>
+          </a:p>
+        </p:txBody>
+      </p:sp>
+      <p:sp>
+        <p:nvSpPr>
+          <p:cNvPr id="3" name="Content Placeholder 2"/>
+          <p:cNvSpPr>
+            <a:spLocks noGrp="1"/>
+          </p:cNvSpPr>
+          <p:nvPr>
+            <p:ph idx="1"/>
           </p:nvPr>
         </p:nvSpPr>
         <p:spPr>
           <a:xfrm>
-            <a:off x="6781800" y="1600200"/>
-            <a:ext cx="1984248" cy="3733800"/>
+            <a:off x="3575050" y="273050"/>
+            <a:ext cx="5111750" cy="5853113"/>
           </a:xfrm>
         </p:spPr>
         <p:txBody>
-          <a:bodyPr tIns="45720" bIns="45720" anchor="t" anchorCtr="0"/>
+          <a:bodyPr/>
+          <a:lstStyle>
+            <a:lvl1pPr>
+              <a:defRPr sz="3200"/>
+            </a:lvl1pPr>
+            <a:lvl2pPr>
+              <a:defRPr sz="2800"/>
+            </a:lvl2pPr>
+            <a:lvl3pPr>
+              <a:defRPr sz="2400"/>
+            </a:lvl3pPr>
+            <a:lvl4pPr>
+              <a:defRPr sz="2000"/>
+            </a:lvl4pPr>
+            <a:lvl5pPr>
+              <a:defRPr sz="2000"/>
+            </a:lvl5pPr>
+            <a:lvl6pPr>
+              <a:defRPr sz="2000"/>
+            </a:lvl6pPr>
+            <a:lvl7pPr>
+              <a:defRPr sz="2000"/>
+            </a:lvl7pPr>
+            <a:lvl8pPr>
+              <a:defRPr sz="2000"/>
+            </a:lvl8pPr>
+            <a:lvl9pPr>
+              <a:defRPr sz="2000"/>
+            </a:lvl9pPr>
+          </a:lstStyle>
+          <a:p>
+            <a:pPr lvl="0"/>
+            <a:r>
+              <a:rPr lang="en-US" smtClean="0"/>
+              <a:t>Click to edit Master text styles</a:t>
+            </a:r>
+          </a:p>
+          <a:p>
+            <a:pPr lvl="1"/>
+            <a:r>
+              <a:rPr lang="en-US" smtClean="0"/>
+              <a:t>Second level</a:t>
+            </a:r>
+          </a:p>
+          <a:p>
+            <a:pPr lvl="2"/>
+            <a:r>
+              <a:rPr lang="en-US" smtClean="0"/>
+              <a:t>Third level</a:t>
+            </a:r>
+          </a:p>
+          <a:p>
+            <a:pPr lvl="3"/>
+            <a:r>
+              <a:rPr lang="en-US" smtClean="0"/>
+              <a:t>Fourth level</a:t>
+            </a:r>
+          </a:p>
+          <a:p>
+            <a:pPr lvl="4"/>
+            <a:r>
+              <a:rPr lang="en-US" smtClean="0"/>
+              <a:t>Fifth level</a:t>
+            </a:r>
+            <a:endParaRPr lang="en-US"/>
+          </a:p>
+        </p:txBody>
+      </p:sp>
+      <p:sp>
+        <p:nvSpPr>
+          <p:cNvPr id="4" name="Text Placeholder 3"/>
+          <p:cNvSpPr>
+            <a:spLocks noGrp="1"/>
+          </p:cNvSpPr>
+          <p:nvPr>
+            <p:ph type="body" sz="half" idx="2"/>
+          </p:nvPr>
+        </p:nvSpPr>
+        <p:spPr>
+          <a:xfrm>
+            <a:off x="457200" y="1435100"/>
+            <a:ext cx="3008313" cy="4691063"/>
+          </a:xfrm>
+        </p:spPr>
+        <p:txBody>
+          <a:bodyPr/>
           <a:lstStyle>
             <a:lvl1pPr marL="0" indent="0">
-              <a:lnSpc>
-                <a:spcPct val="125000"/>
-              </a:lnSpc>
-              <a:spcAft>
-                <a:spcPts val="1000"/>
-              </a:spcAft>
-              <a:buNone/>
-              <a:defRPr sz="1600">
-                <a:solidFill>
-                  <a:schemeClr val="tx2"/>
-                </a:solidFill>
-              </a:defRPr>
+              <a:buNone/>
+              <a:defRPr sz="1400"/>
             </a:lvl1pPr>
-            <a:lvl2pPr>
+            <a:lvl2pPr marL="457200" indent="0">
               <a:buNone/>
               <a:defRPr sz="1200"/>
             </a:lvl2pPr>
-            <a:lvl3pPr>
+            <a:lvl3pPr marL="914400" indent="0">
               <a:buNone/>
               <a:defRPr sz="1000"/>
             </a:lvl3pPr>
-            <a:lvl4pPr>
+            <a:lvl4pPr marL="1371600" indent="0">
               <a:buNone/>
               <a:defRPr sz="900"/>
             </a:lvl4pPr>
-            <a:lvl5pPr>
+            <a:lvl5pPr marL="1828800" indent="0">
               <a:buNone/>
               <a:defRPr sz="900"/>
             </a:lvl5pPr>
+            <a:lvl6pPr marL="2286000" indent="0">
+              <a:buNone/>
+              <a:defRPr sz="900"/>
+            </a:lvl6pPr>
+            <a:lvl7pPr marL="2743200" indent="0">
+              <a:buNone/>
+              <a:defRPr sz="900"/>
+            </a:lvl7pPr>
+            <a:lvl8pPr marL="3200400" indent="0">
+              <a:buNone/>
+              <a:defRPr sz="900"/>
+            </a:lvl8pPr>
+            <a:lvl9pPr marL="3657600" indent="0">
+              <a:buNone/>
+              <a:defRPr sz="900"/>
+            </a:lvl9pPr>
           </a:lstStyle>
           <a:p>
-            <a:pPr lvl="0" eaLnBrk="1" latinLnBrk="0" hangingPunct="1"/>
-            <a:r>
-              <a:rPr kumimoji="0" lang="en-US" smtClean="0"/>
+            <a:pPr lvl="0"/>
+            <a:r>
+              <a:rPr lang="en-US" smtClean="0"/>
               <a:t>Click to edit Master text styles</a:t>
             </a:r>
           </a:p>
@@ -2297,56 +2245,12 @@
       </p:sp>
       <p:sp>
         <p:nvSpPr>
-          <p:cNvPr id="31" name="Title 30"/>
-          <p:cNvSpPr>
-            <a:spLocks noGrp="1"/>
-          </p:cNvSpPr>
-          <p:nvPr>
-            <p:ph type="title"/>
-          </p:nvPr>
-        </p:nvSpPr>
-        <p:spPr>
-          <a:xfrm>
-            <a:off x="6781800" y="457200"/>
-            <a:ext cx="1981200" cy="1066800"/>
-          </a:xfrm>
-        </p:spPr>
-        <p:txBody>
-          <a:bodyPr lIns="91440" tIns="91440" anchor="b" anchorCtr="0"/>
-          <a:lstStyle>
-            <a:lvl1pPr algn="l">
-              <a:buNone/>
-              <a:defRPr sz="1800" b="1" spc="-50" baseline="0">
-                <a:ln w="3175">
-                  <a:noFill/>
-                </a:ln>
-                <a:solidFill>
-                  <a:schemeClr val="tx2"/>
-                </a:solidFill>
-                <a:effectLst/>
-                <a:latin typeface="+mn-lt"/>
-                <a:ea typeface="+mn-ea"/>
-                <a:cs typeface="+mn-cs"/>
-              </a:defRPr>
-            </a:lvl1pPr>
-          </a:lstStyle>
-          <a:p>
-            <a:r>
-              <a:rPr kumimoji="0" lang="en-US" smtClean="0"/>
-              <a:t>Click to edit Master title style</a:t>
-            </a:r>
-            <a:endParaRPr kumimoji="0" lang="en-US"/>
-          </a:p>
-        </p:txBody>
-      </p:sp>
-      <p:sp>
-        <p:nvSpPr>
-          <p:cNvPr id="8" name="Date Placeholder 7"/>
-          <p:cNvSpPr>
-            <a:spLocks noGrp="1"/>
-          </p:cNvSpPr>
-          <p:nvPr>
-            <p:ph type="dt" sz="half" idx="14"/>
+          <p:cNvPr id="5" name="Date Placeholder 4"/>
+          <p:cNvSpPr>
+            <a:spLocks noGrp="1"/>
+          </p:cNvSpPr>
+          <p:nvPr>
+            <p:ph type="dt" sz="half" idx="10"/>
           </p:nvPr>
         </p:nvSpPr>
         <p:spPr/>
@@ -2356,7 +2260,7 @@
           <a:p>
             <a:fld id="{DBE87E32-EAB1-466E-96FF-E88AF3478657}" type="datetimeFigureOut">
               <a:rPr lang="en-US" smtClean="0"/>
-              <a:t>4/5/2012</a:t>
+              <a:t>4/10/2012</a:t>
             </a:fld>
             <a:endParaRPr lang="en-US" dirty="0"/>
           </a:p>
@@ -2364,12 +2268,31 @@
       </p:sp>
       <p:sp>
         <p:nvSpPr>
-          <p:cNvPr id="9" name="Slide Number Placeholder 8"/>
-          <p:cNvSpPr>
-            <a:spLocks noGrp="1"/>
-          </p:cNvSpPr>
-          <p:nvPr>
-            <p:ph type="sldNum" sz="quarter" idx="15"/>
+          <p:cNvPr id="6" name="Footer Placeholder 5"/>
+          <p:cNvSpPr>
+            <a:spLocks noGrp="1"/>
+          </p:cNvSpPr>
+          <p:nvPr>
+            <p:ph type="ftr" sz="quarter" idx="11"/>
+          </p:nvPr>
+        </p:nvSpPr>
+        <p:spPr/>
+        <p:txBody>
+          <a:bodyPr/>
+          <a:lstStyle/>
+          <a:p>
+            <a:endParaRPr lang="en-US" dirty="0"/>
+          </a:p>
+        </p:txBody>
+      </p:sp>
+      <p:sp>
+        <p:nvSpPr>
+          <p:cNvPr id="7" name="Slide Number Placeholder 6"/>
+          <p:cNvSpPr>
+            <a:spLocks noGrp="1"/>
+          </p:cNvSpPr>
+          <p:nvPr>
+            <p:ph type="sldNum" sz="quarter" idx="12"/>
           </p:nvPr>
         </p:nvSpPr>
         <p:spPr/>
@@ -2385,26 +2308,12 @@
           </a:p>
         </p:txBody>
       </p:sp>
-      <p:sp>
-        <p:nvSpPr>
-          <p:cNvPr id="10" name="Footer Placeholder 9"/>
-          <p:cNvSpPr>
-            <a:spLocks noGrp="1"/>
-          </p:cNvSpPr>
-          <p:nvPr>
-            <p:ph type="ftr" sz="quarter" idx="16"/>
-          </p:nvPr>
-        </p:nvSpPr>
-        <p:spPr/>
-        <p:txBody>
-          <a:bodyPr/>
-          <a:lstStyle/>
-          <a:p>
-            <a:endParaRPr lang="en-US" dirty="0"/>
-          </a:p>
-        </p:txBody>
-      </p:sp>
     </p:spTree>
+    <p:extLst>
+      <p:ext uri="{BB962C8B-B14F-4D97-AF65-F5344CB8AC3E}">
+        <p14:creationId xmlns:p14="http://schemas.microsoft.com/office/powerpoint/2010/main" val="3728727832"/>
+      </p:ext>
+    </p:extLst>
   </p:cSld>
   <p:clrMapOvr>
     <a:masterClrMapping/>
@@ -2413,7 +2322,7 @@
 </file>
 
 <file path=ppt/slideLayouts/slideLayout9.xml><?xml version="1.0" encoding="utf-8"?>
-<p:sldLayout xmlns:a="http://schemas.openxmlformats.org/drawingml/2006/main" xmlns:r="http://schemas.openxmlformats.org/officeDocument/2006/relationships" xmlns:p="http://schemas.openxmlformats.org/presentationml/2006/main" showMasterSp="0" type="picTx" preserve="1">
+<p:sldLayout xmlns:a="http://schemas.openxmlformats.org/drawingml/2006/main" xmlns:r="http://schemas.openxmlformats.org/officeDocument/2006/relationships" xmlns:p="http://schemas.openxmlformats.org/presentationml/2006/main" type="picTx" preserve="1">
   <p:cSld name="Picture with Caption">
     <p:spTree>
       <p:nvGrpSpPr>
@@ -2441,35 +2350,23 @@
         </p:nvSpPr>
         <p:spPr>
           <a:xfrm>
-            <a:off x="6629400" y="457200"/>
-            <a:ext cx="2057400" cy="1066800"/>
+            <a:off x="1792288" y="4800600"/>
+            <a:ext cx="5486400" cy="566738"/>
           </a:xfrm>
         </p:spPr>
         <p:txBody>
-          <a:bodyPr lIns="91440" tIns="91440" anchor="b" anchorCtr="0"/>
+          <a:bodyPr anchor="b"/>
           <a:lstStyle>
             <a:lvl1pPr algn="l">
-              <a:buNone/>
-              <a:defRPr sz="1800" b="1" spc="-50" baseline="0">
-                <a:ln w="3175">
-                  <a:noFill/>
-                </a:ln>
-                <a:solidFill>
-                  <a:schemeClr val="tx2"/>
-                </a:solidFill>
-                <a:effectLst/>
-                <a:latin typeface="+mn-lt"/>
-                <a:ea typeface="+mn-ea"/>
-                <a:cs typeface="+mn-cs"/>
-              </a:defRPr>
+              <a:defRPr sz="2000" b="1"/>
             </a:lvl1pPr>
           </a:lstStyle>
           <a:p>
             <a:r>
-              <a:rPr kumimoji="0" lang="en-US" smtClean="0"/>
+              <a:rPr lang="en-US" smtClean="0"/>
               <a:t>Click to edit Master title style</a:t>
             </a:r>
-            <a:endParaRPr kumimoji="0" lang="en-US"/>
+            <a:endParaRPr lang="en-US"/>
           </a:p>
         </p:txBody>
       </p:sp>
@@ -2485,41 +2382,52 @@
         </p:nvSpPr>
         <p:spPr>
           <a:xfrm>
-            <a:off x="457200" y="457200"/>
-            <a:ext cx="6019800" cy="5562600"/>
+            <a:off x="1792288" y="612775"/>
+            <a:ext cx="5486400" cy="4114800"/>
           </a:xfrm>
-          <a:solidFill>
-            <a:schemeClr val="tx2">
-              <a:tint val="40000"/>
-            </a:schemeClr>
-          </a:solidFill>
-          <a:effectLst>
-            <a:outerShdw blurRad="88900" sx="103000" sy="103000" algn="ctr" rotWithShape="0">
-              <a:prstClr val="black">
-                <a:alpha val="32000"/>
-              </a:prstClr>
-            </a:outerShdw>
-            <a:softEdge rad="127000"/>
-          </a:effectLst>
         </p:spPr>
         <p:txBody>
           <a:bodyPr/>
           <a:lstStyle>
             <a:lvl1pPr marL="0" indent="0">
               <a:buNone/>
-              <a:defRPr sz="3200">
-                <a:solidFill>
-                  <a:schemeClr val="bg1"/>
-                </a:solidFill>
-              </a:defRPr>
+              <a:defRPr sz="3200"/>
             </a:lvl1pPr>
+            <a:lvl2pPr marL="457200" indent="0">
+              <a:buNone/>
+              <a:defRPr sz="2800"/>
+            </a:lvl2pPr>
+            <a:lvl3pPr marL="914400" indent="0">
+              <a:buNone/>
+              <a:defRPr sz="2400"/>
+            </a:lvl3pPr>
+            <a:lvl4pPr marL="1371600" indent="0">
+              <a:buNone/>
+              <a:defRPr sz="2000"/>
+            </a:lvl4pPr>
+            <a:lvl5pPr marL="1828800" indent="0">
+              <a:buNone/>
+              <a:defRPr sz="2000"/>
+            </a:lvl5pPr>
+            <a:lvl6pPr marL="2286000" indent="0">
+              <a:buNone/>
+              <a:defRPr sz="2000"/>
+            </a:lvl6pPr>
+            <a:lvl7pPr marL="2743200" indent="0">
+              <a:buNone/>
+              <a:defRPr sz="2000"/>
+            </a:lvl7pPr>
+            <a:lvl8pPr marL="3200400" indent="0">
+              <a:buNone/>
+              <a:defRPr sz="2000"/>
+            </a:lvl8pPr>
+            <a:lvl9pPr marL="3657600" indent="0">
+              <a:buNone/>
+              <a:defRPr sz="2000"/>
+            </a:lvl9pPr>
           </a:lstStyle>
           <a:p>
-            <a:r>
-              <a:rPr kumimoji="0" lang="en-US" dirty="0" smtClean="0"/>
-              <a:t>Click icon to add picture</a:t>
-            </a:r>
-            <a:endParaRPr kumimoji="0" lang="en-US" dirty="0"/>
+            <a:endParaRPr lang="en-US"/>
           </a:p>
         </p:txBody>
       </p:sp>
@@ -2535,45 +2443,54 @@
         </p:nvSpPr>
         <p:spPr>
           <a:xfrm>
-            <a:off x="6629400" y="1600200"/>
-            <a:ext cx="2057400" cy="4419600"/>
+            <a:off x="1792288" y="5367338"/>
+            <a:ext cx="5486400" cy="804862"/>
           </a:xfrm>
         </p:spPr>
         <p:txBody>
-          <a:bodyPr anchor="t" anchorCtr="0"/>
+          <a:bodyPr/>
           <a:lstStyle>
             <a:lvl1pPr marL="0" indent="0">
-              <a:lnSpc>
-                <a:spcPct val="125000"/>
-              </a:lnSpc>
-              <a:spcAft>
-                <a:spcPts val="1000"/>
-              </a:spcAft>
-              <a:buFontTx/>
-              <a:buNone/>
-              <a:defRPr sz="1600" b="0">
-                <a:solidFill>
-                  <a:schemeClr val="tx2"/>
-                </a:solidFill>
-              </a:defRPr>
+              <a:buNone/>
+              <a:defRPr sz="1400"/>
             </a:lvl1pPr>
-            <a:lvl2pPr>
+            <a:lvl2pPr marL="457200" indent="0">
+              <a:buNone/>
               <a:defRPr sz="1200"/>
             </a:lvl2pPr>
-            <a:lvl3pPr>
+            <a:lvl3pPr marL="914400" indent="0">
+              <a:buNone/>
               <a:defRPr sz="1000"/>
             </a:lvl3pPr>
-            <a:lvl4pPr>
+            <a:lvl4pPr marL="1371600" indent="0">
+              <a:buNone/>
               <a:defRPr sz="900"/>
             </a:lvl4pPr>
-            <a:lvl5pPr>
+            <a:lvl5pPr marL="1828800" indent="0">
+              <a:buNone/>
               <a:defRPr sz="900"/>
             </a:lvl5pPr>
+            <a:lvl6pPr marL="2286000" indent="0">
+              <a:buNone/>
+              <a:defRPr sz="900"/>
+            </a:lvl6pPr>
+            <a:lvl7pPr marL="2743200" indent="0">
+              <a:buNone/>
+              <a:defRPr sz="900"/>
+            </a:lvl7pPr>
+            <a:lvl8pPr marL="3200400" indent="0">
+              <a:buNone/>
+              <a:defRPr sz="900"/>
+            </a:lvl8pPr>
+            <a:lvl9pPr marL="3657600" indent="0">
+              <a:buNone/>
+              <a:defRPr sz="900"/>
+            </a:lvl9pPr>
           </a:lstStyle>
           <a:p>
-            <a:pPr lvl="0" eaLnBrk="1" latinLnBrk="0" hangingPunct="1"/>
-            <a:r>
-              <a:rPr kumimoji="0" lang="en-US" smtClean="0"/>
+            <a:pPr lvl="0"/>
+            <a:r>
+              <a:rPr lang="en-US" smtClean="0"/>
               <a:t>Click to edit Master text styles</a:t>
             </a:r>
           </a:p>
@@ -2581,7 +2498,7 @@
       </p:sp>
       <p:sp>
         <p:nvSpPr>
-          <p:cNvPr id="8" name="Date Placeholder 7"/>
+          <p:cNvPr id="5" name="Date Placeholder 4"/>
           <p:cNvSpPr>
             <a:spLocks noGrp="1"/>
           </p:cNvSpPr>
@@ -2596,7 +2513,7 @@
           <a:p>
             <a:fld id="{DBE87E32-EAB1-466E-96FF-E88AF3478657}" type="datetimeFigureOut">
               <a:rPr lang="en-US" smtClean="0"/>
-              <a:t>4/5/2012</a:t>
+              <a:t>4/10/2012</a:t>
             </a:fld>
             <a:endParaRPr lang="en-US" dirty="0"/>
           </a:p>
@@ -2604,12 +2521,31 @@
       </p:sp>
       <p:sp>
         <p:nvSpPr>
-          <p:cNvPr id="9" name="Slide Number Placeholder 8"/>
-          <p:cNvSpPr>
-            <a:spLocks noGrp="1"/>
-          </p:cNvSpPr>
-          <p:nvPr>
-            <p:ph type="sldNum" sz="quarter" idx="11"/>
+          <p:cNvPr id="6" name="Footer Placeholder 5"/>
+          <p:cNvSpPr>
+            <a:spLocks noGrp="1"/>
+          </p:cNvSpPr>
+          <p:nvPr>
+            <p:ph type="ftr" sz="quarter" idx="11"/>
+          </p:nvPr>
+        </p:nvSpPr>
+        <p:spPr/>
+        <p:txBody>
+          <a:bodyPr/>
+          <a:lstStyle/>
+          <a:p>
+            <a:endParaRPr lang="en-US" dirty="0"/>
+          </a:p>
+        </p:txBody>
+      </p:sp>
+      <p:sp>
+        <p:nvSpPr>
+          <p:cNvPr id="7" name="Slide Number Placeholder 6"/>
+          <p:cNvSpPr>
+            <a:spLocks noGrp="1"/>
+          </p:cNvSpPr>
+          <p:nvPr>
+            <p:ph type="sldNum" sz="quarter" idx="12"/>
           </p:nvPr>
         </p:nvSpPr>
         <p:spPr/>
@@ -2625,26 +2561,12 @@
           </a:p>
         </p:txBody>
       </p:sp>
-      <p:sp>
-        <p:nvSpPr>
-          <p:cNvPr id="10" name="Footer Placeholder 9"/>
-          <p:cNvSpPr>
-            <a:spLocks noGrp="1"/>
-          </p:cNvSpPr>
-          <p:nvPr>
-            <p:ph type="ftr" sz="quarter" idx="12"/>
-          </p:nvPr>
-        </p:nvSpPr>
-        <p:spPr/>
-        <p:txBody>
-          <a:bodyPr/>
-          <a:lstStyle/>
-          <a:p>
-            <a:endParaRPr lang="en-US" dirty="0"/>
-          </a:p>
-        </p:txBody>
-      </p:sp>
     </p:spTree>
+    <p:extLst>
+      <p:ext uri="{BB962C8B-B14F-4D97-AF65-F5344CB8AC3E}">
+        <p14:creationId xmlns:p14="http://schemas.microsoft.com/office/powerpoint/2010/main" val="3269488946"/>
+      </p:ext>
+    </p:extLst>
   </p:cSld>
   <p:clrMapOvr>
     <a:masterClrMapping/>
@@ -2656,9 +2578,12 @@
 <p:sldMaster xmlns:a="http://schemas.openxmlformats.org/drawingml/2006/main" xmlns:r="http://schemas.openxmlformats.org/officeDocument/2006/relationships" xmlns:p="http://schemas.openxmlformats.org/presentationml/2006/main">
   <p:cSld>
     <p:bg>
-      <p:bgRef idx="1003">
-        <a:schemeClr val="bg2"/>
-      </p:bgRef>
+      <p:bgPr>
+        <a:solidFill>
+          <a:schemeClr val="tx1"/>
+        </a:solidFill>
+        <a:effectLst/>
+      </p:bgPr>
     </p:bg>
     <p:spTree>
       <p:nvGrpSpPr>
@@ -2676,262 +2601,250 @@
       </p:grpSpPr>
       <p:sp>
         <p:nvSpPr>
-          <p:cNvPr id="9" name="Text Placeholder 8"/>
-          <p:cNvSpPr>
-            <a:spLocks noGrp="1"/>
-          </p:cNvSpPr>
-          <p:nvPr>
-            <p:ph type="body" idx="1"/>
+          <p:cNvPr id="2" name="Title Placeholder 1"/>
+          <p:cNvSpPr>
+            <a:spLocks noGrp="1"/>
+          </p:cNvSpPr>
+          <p:nvPr>
+            <p:ph type="title"/>
           </p:nvPr>
         </p:nvSpPr>
         <p:spPr>
           <a:xfrm>
-            <a:off x="457200" y="1447800"/>
-            <a:ext cx="8229600" cy="4678363"/>
+            <a:off x="457200" y="274638"/>
+            <a:ext cx="8229600" cy="1143000"/>
           </a:xfrm>
           <a:prstGeom prst="rect">
             <a:avLst/>
           </a:prstGeom>
         </p:spPr>
         <p:txBody>
-          <a:bodyPr vert="horz">
+          <a:bodyPr vert="horz" lIns="91440" tIns="45720" rIns="91440" bIns="45720" rtlCol="0" anchor="ctr">
             <a:normAutofit/>
           </a:bodyPr>
           <a:lstStyle/>
           <a:p>
-            <a:pPr lvl="0" eaLnBrk="1" latinLnBrk="0" hangingPunct="1"/>
-            <a:r>
-              <a:rPr kumimoji="0" lang="en-US" smtClean="0"/>
-              <a:t>Click to edit Master text styles</a:t>
-            </a:r>
-          </a:p>
-          <a:p>
-            <a:pPr lvl="1" eaLnBrk="1" latinLnBrk="0" hangingPunct="1"/>
-            <a:r>
-              <a:rPr kumimoji="0" lang="en-US" smtClean="0"/>
-              <a:t>Second level</a:t>
-            </a:r>
-          </a:p>
-          <a:p>
-            <a:pPr lvl="2" eaLnBrk="1" latinLnBrk="0" hangingPunct="1"/>
-            <a:r>
-              <a:rPr kumimoji="0" lang="en-US" smtClean="0"/>
-              <a:t>Third level</a:t>
-            </a:r>
-          </a:p>
-          <a:p>
-            <a:pPr lvl="3" eaLnBrk="1" latinLnBrk="0" hangingPunct="1"/>
-            <a:r>
-              <a:rPr kumimoji="0" lang="en-US" smtClean="0"/>
-              <a:t>Fourth level</a:t>
-            </a:r>
-          </a:p>
-          <a:p>
-            <a:pPr lvl="4" eaLnBrk="1" latinLnBrk="0" hangingPunct="1"/>
-            <a:r>
-              <a:rPr kumimoji="0" lang="en-US" smtClean="0"/>
-              <a:t>Fifth level</a:t>
-            </a:r>
-            <a:endParaRPr kumimoji="0" lang="en-US"/>
-          </a:p>
-        </p:txBody>
-      </p:sp>
-      <p:sp>
-        <p:nvSpPr>
-          <p:cNvPr id="24" name="Date Placeholder 23"/>
-          <p:cNvSpPr>
-            <a:spLocks noGrp="1"/>
-          </p:cNvSpPr>
-          <p:nvPr>
-            <p:ph type="dt" sz="half" idx="2"/>
+            <a:r>
+              <a:rPr lang="en-US" smtClean="0"/>
+              <a:t>Click to edit Master title style</a:t>
+            </a:r>
+            <a:endParaRPr lang="en-US"/>
+          </a:p>
+        </p:txBody>
+      </p:sp>
+      <p:sp>
+        <p:nvSpPr>
+          <p:cNvPr id="3" name="Text Placeholder 2"/>
+          <p:cNvSpPr>
+            <a:spLocks noGrp="1"/>
+          </p:cNvSpPr>
+          <p:nvPr>
+            <p:ph type="body" idx="1"/>
           </p:nvPr>
         </p:nvSpPr>
         <p:spPr>
           <a:xfrm>
-            <a:off x="5791200" y="6203667"/>
-            <a:ext cx="2590800" cy="384048"/>
+            <a:off x="457200" y="1600200"/>
+            <a:ext cx="8229600" cy="4525963"/>
           </a:xfrm>
           <a:prstGeom prst="rect">
             <a:avLst/>
           </a:prstGeom>
         </p:spPr>
         <p:txBody>
-          <a:bodyPr vert="horz" anchor="ctr" anchorCtr="0"/>
-          <a:lstStyle>
-            <a:lvl1pPr algn="l" eaLnBrk="1" latinLnBrk="0" hangingPunct="1">
-              <a:defRPr kumimoji="0" sz="1200">
-                <a:solidFill>
-                  <a:schemeClr val="tx2"/>
-                </a:solidFill>
-              </a:defRPr>
-            </a:lvl1pPr>
-          </a:lstStyle>
-          <a:p>
-            <a:fld id="{DBE87E32-EAB1-466E-96FF-E88AF3478657}" type="datetimeFigureOut">
-              <a:rPr lang="en-US" smtClean="0"/>
-              <a:t>4/5/2012</a:t>
-            </a:fld>
-            <a:endParaRPr lang="en-US" dirty="0"/>
-          </a:p>
-        </p:txBody>
-      </p:sp>
-      <p:sp>
-        <p:nvSpPr>
-          <p:cNvPr id="10" name="Footer Placeholder 9"/>
-          <p:cNvSpPr>
-            <a:spLocks noGrp="1"/>
-          </p:cNvSpPr>
-          <p:nvPr>
-            <p:ph type="ftr" sz="quarter" idx="3"/>
+          <a:bodyPr vert="horz" lIns="91440" tIns="45720" rIns="91440" bIns="45720" rtlCol="0">
+            <a:normAutofit/>
+          </a:bodyPr>
+          <a:lstStyle/>
+          <a:p>
+            <a:pPr lvl="0"/>
+            <a:r>
+              <a:rPr lang="en-US" smtClean="0"/>
+              <a:t>Click to edit Master text styles</a:t>
+            </a:r>
+          </a:p>
+          <a:p>
+            <a:pPr lvl="1"/>
+            <a:r>
+              <a:rPr lang="en-US" smtClean="0"/>
+              <a:t>Second level</a:t>
+            </a:r>
+          </a:p>
+          <a:p>
+            <a:pPr lvl="2"/>
+            <a:r>
+              <a:rPr lang="en-US" smtClean="0"/>
+              <a:t>Third level</a:t>
+            </a:r>
+          </a:p>
+          <a:p>
+            <a:pPr lvl="3"/>
+            <a:r>
+              <a:rPr lang="en-US" smtClean="0"/>
+              <a:t>Fourth level</a:t>
+            </a:r>
+          </a:p>
+          <a:p>
+            <a:pPr lvl="4"/>
+            <a:r>
+              <a:rPr lang="en-US" smtClean="0"/>
+              <a:t>Fifth level</a:t>
+            </a:r>
+            <a:endParaRPr lang="en-US"/>
+          </a:p>
+        </p:txBody>
+      </p:sp>
+      <p:sp>
+        <p:nvSpPr>
+          <p:cNvPr id="4" name="Date Placeholder 3"/>
+          <p:cNvSpPr>
+            <a:spLocks noGrp="1"/>
+          </p:cNvSpPr>
+          <p:nvPr>
+            <p:ph type="dt" sz="half" idx="2"/>
           </p:nvPr>
         </p:nvSpPr>
         <p:spPr>
           <a:xfrm>
-            <a:off x="2133600" y="6203667"/>
-            <a:ext cx="3581400" cy="384048"/>
+            <a:off x="457200" y="6356350"/>
+            <a:ext cx="2133600" cy="365125"/>
           </a:xfrm>
           <a:prstGeom prst="rect">
             <a:avLst/>
           </a:prstGeom>
         </p:spPr>
         <p:txBody>
-          <a:bodyPr vert="horz" anchor="ctr" anchorCtr="0"/>
+          <a:bodyPr vert="horz" lIns="91440" tIns="45720" rIns="91440" bIns="45720" rtlCol="0" anchor="ctr"/>
           <a:lstStyle>
-            <a:lvl1pPr algn="r" eaLnBrk="1" latinLnBrk="0" hangingPunct="1">
-              <a:defRPr kumimoji="0" sz="1200">
-                <a:solidFill>
-                  <a:schemeClr val="tx2"/>
+            <a:lvl1pPr algn="l">
+              <a:defRPr sz="1200">
+                <a:solidFill>
+                  <a:schemeClr val="tx1">
+                    <a:tint val="75000"/>
+                  </a:schemeClr>
                 </a:solidFill>
               </a:defRPr>
             </a:lvl1pPr>
           </a:lstStyle>
           <a:p>
+            <a:fld id="{DBE87E32-EAB1-466E-96FF-E88AF3478657}" type="datetimeFigureOut">
+              <a:rPr lang="en-US" smtClean="0"/>
+              <a:t>4/10/2012</a:t>
+            </a:fld>
             <a:endParaRPr lang="en-US" dirty="0"/>
           </a:p>
         </p:txBody>
       </p:sp>
       <p:sp>
         <p:nvSpPr>
-          <p:cNvPr id="22" name="Slide Number Placeholder 21"/>
-          <p:cNvSpPr>
-            <a:spLocks noGrp="1"/>
-          </p:cNvSpPr>
-          <p:nvPr>
-            <p:ph type="sldNum" sz="quarter" idx="4"/>
+          <p:cNvPr id="5" name="Footer Placeholder 4"/>
+          <p:cNvSpPr>
+            <a:spLocks noGrp="1"/>
+          </p:cNvSpPr>
+          <p:nvPr>
+            <p:ph type="ftr" sz="quarter" idx="3"/>
           </p:nvPr>
         </p:nvSpPr>
         <p:spPr>
           <a:xfrm>
-            <a:off x="8410575" y="6181531"/>
-            <a:ext cx="609600" cy="457200"/>
+            <a:off x="3124200" y="6356350"/>
+            <a:ext cx="2895600" cy="365125"/>
           </a:xfrm>
           <a:prstGeom prst="rect">
             <a:avLst/>
           </a:prstGeom>
-          <a:noFill/>
         </p:spPr>
         <p:txBody>
-          <a:bodyPr vert="horz" lIns="0" tIns="0" rIns="0" bIns="0" anchor="ctr" anchorCtr="0">
-            <a:noAutofit/>
-          </a:bodyPr>
+          <a:bodyPr vert="horz" lIns="91440" tIns="45720" rIns="91440" bIns="45720" rtlCol="0" anchor="ctr"/>
           <a:lstStyle>
-            <a:lvl1pPr algn="ctr" eaLnBrk="1" latinLnBrk="0" hangingPunct="1">
-              <a:defRPr kumimoji="0" sz="1600" baseline="0">
-                <a:solidFill>
-                  <a:schemeClr val="tx2"/>
+            <a:lvl1pPr algn="ctr">
+              <a:defRPr sz="1200">
+                <a:solidFill>
+                  <a:schemeClr val="tx1">
+                    <a:tint val="75000"/>
+                  </a:schemeClr>
                 </a:solidFill>
               </a:defRPr>
             </a:lvl1pPr>
           </a:lstStyle>
           <a:p>
-            <a:fld id="{33C9DC26-1A2E-4803-9211-DBDD926138A4}" type="slidenum">
-              <a:rPr lang="en-US" smtClean="0"/>
-              <a:t>‹#›</a:t>
-            </a:fld>
             <a:endParaRPr lang="en-US" dirty="0"/>
           </a:p>
         </p:txBody>
       </p:sp>
       <p:sp>
         <p:nvSpPr>
-          <p:cNvPr id="5" name="Title Placeholder 4"/>
-          <p:cNvSpPr>
-            <a:spLocks noGrp="1"/>
-          </p:cNvSpPr>
-          <p:nvPr>
-            <p:ph type="title"/>
+          <p:cNvPr id="6" name="Slide Number Placeholder 5"/>
+          <p:cNvSpPr>
+            <a:spLocks noGrp="1"/>
+          </p:cNvSpPr>
+          <p:nvPr>
+            <p:ph type="sldNum" sz="quarter" idx="4"/>
           </p:nvPr>
         </p:nvSpPr>
         <p:spPr>
           <a:xfrm>
-            <a:off x="457200" y="152400"/>
-            <a:ext cx="8229600" cy="1219200"/>
+            <a:off x="6553200" y="6356350"/>
+            <a:ext cx="2133600" cy="365125"/>
           </a:xfrm>
           <a:prstGeom prst="rect">
             <a:avLst/>
           </a:prstGeom>
-          <a:ln w="6350" cap="rnd">
-            <a:noFill/>
-          </a:ln>
         </p:spPr>
         <p:txBody>
-          <a:bodyPr vert="horz" anchor="b" anchorCtr="0">
-            <a:normAutofit/>
-          </a:bodyPr>
-          <a:lstStyle/>
-          <a:p>
-            <a:r>
-              <a:rPr kumimoji="0" lang="en-US" smtClean="0"/>
-              <a:t>Click to edit Master title style</a:t>
-            </a:r>
-            <a:endParaRPr kumimoji="0" lang="en-US"/>
+          <a:bodyPr vert="horz" lIns="91440" tIns="45720" rIns="91440" bIns="45720" rtlCol="0" anchor="ctr"/>
+          <a:lstStyle>
+            <a:lvl1pPr algn="r">
+              <a:defRPr sz="1200">
+                <a:solidFill>
+                  <a:schemeClr val="tx1">
+                    <a:tint val="75000"/>
+                  </a:schemeClr>
+                </a:solidFill>
+              </a:defRPr>
+            </a:lvl1pPr>
+          </a:lstStyle>
+          <a:p>
+            <a:fld id="{33C9DC26-1A2E-4803-9211-DBDD926138A4}" type="slidenum">
+              <a:rPr lang="en-US" smtClean="0"/>
+              <a:t>‹#›</a:t>
+            </a:fld>
+            <a:endParaRPr lang="en-US" dirty="0"/>
           </a:p>
         </p:txBody>
       </p:sp>
     </p:spTree>
+    <p:extLst>
+      <p:ext uri="{BB962C8B-B14F-4D97-AF65-F5344CB8AC3E}">
+        <p14:creationId xmlns:p14="http://schemas.microsoft.com/office/powerpoint/2010/main" val="719082857"/>
+      </p:ext>
+    </p:extLst>
   </p:cSld>
-  <p:clrMap bg1="dk1" tx1="lt1" bg2="dk2" tx2="lt2" accent1="accent1" accent2="accent2" accent3="accent3" accent4="accent4" accent5="accent5" accent6="accent6" hlink="hlink" folHlink="folHlink"/>
+  <p:clrMap bg1="lt1" tx1="dk1" bg2="lt2" tx2="dk2" accent1="accent1" accent2="accent2" accent3="accent3" accent4="accent4" accent5="accent5" accent6="accent6" hlink="hlink" folHlink="folHlink"/>
   <p:sldLayoutIdLst>
-    <p:sldLayoutId id="2147483721" r:id="rId1"/>
-    <p:sldLayoutId id="2147483722" r:id="rId2"/>
-    <p:sldLayoutId id="2147483723" r:id="rId3"/>
-    <p:sldLayoutId id="2147483724" r:id="rId4"/>
-    <p:sldLayoutId id="2147483725" r:id="rId5"/>
-    <p:sldLayoutId id="2147483726" r:id="rId6"/>
-    <p:sldLayoutId id="2147483727" r:id="rId7"/>
-    <p:sldLayoutId id="2147483728" r:id="rId8"/>
-    <p:sldLayoutId id="2147483729" r:id="rId9"/>
-    <p:sldLayoutId id="2147483730" r:id="rId10"/>
-    <p:sldLayoutId id="2147483731" r:id="rId11"/>
+    <p:sldLayoutId id="2147483757" r:id="rId1"/>
+    <p:sldLayoutId id="2147483758" r:id="rId2"/>
+    <p:sldLayoutId id="2147483759" r:id="rId3"/>
+    <p:sldLayoutId id="2147483760" r:id="rId4"/>
+    <p:sldLayoutId id="2147483761" r:id="rId5"/>
+    <p:sldLayoutId id="2147483762" r:id="rId6"/>
+    <p:sldLayoutId id="2147483763" r:id="rId7"/>
+    <p:sldLayoutId id="2147483764" r:id="rId8"/>
+    <p:sldLayoutId id="2147483765" r:id="rId9"/>
+    <p:sldLayoutId id="2147483766" r:id="rId10"/>
+    <p:sldLayoutId id="2147483767" r:id="rId11"/>
   </p:sldLayoutIdLst>
   <p:txStyles>
     <p:titleStyle>
-      <a:lvl1pPr algn="l" rtl="0" eaLnBrk="1" latinLnBrk="0" hangingPunct="1">
+      <a:lvl1pPr algn="ctr" defTabSz="914400" rtl="0" eaLnBrk="1" latinLnBrk="0" hangingPunct="1">
         <a:spcBef>
           <a:spcPct val="0"/>
         </a:spcBef>
         <a:buNone/>
-        <a:defRPr kumimoji="0" lang="en-US" sz="4200" b="0" kern="1200" spc="-100" baseline="0" dirty="0">
-          <a:ln w="3200">
-            <a:solidFill>
-              <a:schemeClr val="bg2">
-                <a:shade val="75000"/>
-                <a:alpha val="25000"/>
-              </a:schemeClr>
-            </a:solidFill>
-            <a:prstDash val="solid"/>
-            <a:round/>
-          </a:ln>
+        <a:defRPr sz="4400" kern="1200">
           <a:solidFill>
-            <a:srgbClr val="F9F9F9"/>
+            <a:schemeClr val="tx1"/>
           </a:solidFill>
-          <a:effectLst>
-            <a:innerShdw blurRad="50800" dist="25400" dir="13500000">
-              <a:prstClr val="black">
-                <a:alpha val="70000"/>
-              </a:prstClr>
-            </a:innerShdw>
-          </a:effectLst>
           <a:latin typeface="+mj-lt"/>
           <a:ea typeface="+mj-ea"/>
           <a:cs typeface="+mj-cs"/>
@@ -2939,17 +2852,13 @@
       </a:lvl1pPr>
     </p:titleStyle>
     <p:bodyStyle>
-      <a:lvl1pPr marL="274320" indent="-274320" algn="l" rtl="0" eaLnBrk="1" latinLnBrk="0" hangingPunct="1">
+      <a:lvl1pPr marL="342900" indent="-342900" algn="l" defTabSz="914400" rtl="0" eaLnBrk="1" latinLnBrk="0" hangingPunct="1">
         <a:spcBef>
-          <a:spcPts val="600"/>
+          <a:spcPct val="20000"/>
         </a:spcBef>
-        <a:buClr>
-          <a:schemeClr val="accent2"/>
-        </a:buClr>
-        <a:buSzPct val="85000"/>
-        <a:buFont typeface="Wingdings 2"/>
-        <a:buChar char=""/>
-        <a:defRPr kumimoji="0" sz="2600" kern="1200">
+        <a:buFont typeface="Arial" pitchFamily="34" charset="0"/>
+        <a:buChar char="•"/>
+        <a:defRPr sz="3200" kern="1200">
           <a:solidFill>
             <a:schemeClr val="tx1"/>
           </a:solidFill>
@@ -2958,40 +2867,28 @@
           <a:cs typeface="+mn-cs"/>
         </a:defRPr>
       </a:lvl1pPr>
-      <a:lvl2pPr marL="640080" indent="-274320" algn="l" rtl="0" eaLnBrk="1" latinLnBrk="0" hangingPunct="1">
+      <a:lvl2pPr marL="742950" indent="-285750" algn="l" defTabSz="914400" rtl="0" eaLnBrk="1" latinLnBrk="0" hangingPunct="1">
         <a:spcBef>
-          <a:spcPts val="300"/>
+          <a:spcPct val="20000"/>
         </a:spcBef>
-        <a:buClr>
-          <a:schemeClr val="accent2">
-            <a:shade val="75000"/>
-          </a:schemeClr>
-        </a:buClr>
-        <a:buSzPct val="85000"/>
-        <a:buFont typeface="Wingdings 2"/>
-        <a:buChar char=""/>
-        <a:defRPr kumimoji="0" sz="2400" kern="1200">
+        <a:buFont typeface="Arial" pitchFamily="34" charset="0"/>
+        <a:buChar char="–"/>
+        <a:defRPr sz="2800" kern="1200">
           <a:solidFill>
-            <a:schemeClr val="tx2"/>
+            <a:schemeClr val="tx1"/>
           </a:solidFill>
           <a:latin typeface="+mn-lt"/>
           <a:ea typeface="+mn-ea"/>
           <a:cs typeface="+mn-cs"/>
         </a:defRPr>
       </a:lvl2pPr>
-      <a:lvl3pPr marL="1005840" indent="-228600" algn="l" rtl="0" eaLnBrk="1" latinLnBrk="0" hangingPunct="1">
+      <a:lvl3pPr marL="1143000" indent="-228600" algn="l" defTabSz="914400" rtl="0" eaLnBrk="1" latinLnBrk="0" hangingPunct="1">
         <a:spcBef>
-          <a:spcPts val="300"/>
+          <a:spcPct val="20000"/>
         </a:spcBef>
-        <a:buClr>
-          <a:schemeClr val="accent2">
-            <a:shade val="50000"/>
-          </a:schemeClr>
-        </a:buClr>
-        <a:buSzPct val="85000"/>
-        <a:buFont typeface="Wingdings 2"/>
-        <a:buChar char=""/>
-        <a:defRPr kumimoji="0" sz="2100" kern="1200">
+        <a:buFont typeface="Arial" pitchFamily="34" charset="0"/>
+        <a:buChar char="•"/>
+        <a:defRPr sz="2400" kern="1200">
           <a:solidFill>
             <a:schemeClr val="tx1"/>
           </a:solidFill>
@@ -3000,19 +2897,13 @@
           <a:cs typeface="+mn-cs"/>
         </a:defRPr>
       </a:lvl3pPr>
-      <a:lvl4pPr marL="1280160" indent="-228600" algn="l" rtl="0" eaLnBrk="1" latinLnBrk="0" hangingPunct="1">
+      <a:lvl4pPr marL="1600200" indent="-228600" algn="l" defTabSz="914400" rtl="0" eaLnBrk="1" latinLnBrk="0" hangingPunct="1">
         <a:spcBef>
-          <a:spcPts val="300"/>
+          <a:spcPct val="20000"/>
         </a:spcBef>
-        <a:buClr>
-          <a:schemeClr val="accent2">
-            <a:shade val="75000"/>
-          </a:schemeClr>
-        </a:buClr>
-        <a:buSzPct val="85000"/>
-        <a:buFont typeface="Wingdings 2" pitchFamily="18" charset="2"/>
-        <a:buChar char=""/>
-        <a:defRPr kumimoji="0" sz="1900" kern="1200">
+        <a:buFont typeface="Arial" pitchFamily="34" charset="0"/>
+        <a:buChar char="–"/>
+        <a:defRPr sz="2000" kern="1200">
           <a:solidFill>
             <a:schemeClr val="tx1"/>
           </a:solidFill>
@@ -3021,19 +2912,13 @@
           <a:cs typeface="+mn-cs"/>
         </a:defRPr>
       </a:lvl4pPr>
-      <a:lvl5pPr marL="1554480" indent="-228600" algn="l" rtl="0" eaLnBrk="1" latinLnBrk="0" hangingPunct="1">
+      <a:lvl5pPr marL="2057400" indent="-228600" algn="l" defTabSz="914400" rtl="0" eaLnBrk="1" latinLnBrk="0" hangingPunct="1">
         <a:spcBef>
-          <a:spcPts val="340"/>
+          <a:spcPct val="20000"/>
         </a:spcBef>
-        <a:buClr>
-          <a:schemeClr val="accent2">
-            <a:shade val="75000"/>
-          </a:schemeClr>
-        </a:buClr>
-        <a:buSzPct val="85000"/>
-        <a:buFont typeface="Wingdings 2" pitchFamily="18" charset="2"/>
-        <a:buChar char=""/>
-        <a:defRPr kumimoji="0" sz="1600" kern="1200">
+        <a:buFont typeface="Arial" pitchFamily="34" charset="0"/>
+        <a:buChar char="»"/>
+        <a:defRPr sz="2000" kern="1200">
           <a:solidFill>
             <a:schemeClr val="tx1"/>
           </a:solidFill>
@@ -3042,19 +2927,13 @@
           <a:cs typeface="+mn-cs"/>
         </a:defRPr>
       </a:lvl5pPr>
-      <a:lvl6pPr marL="1828800" indent="-228600" algn="l" rtl="0" eaLnBrk="1" latinLnBrk="0" hangingPunct="1">
+      <a:lvl6pPr marL="2514600" indent="-228600" algn="l" defTabSz="914400" rtl="0" eaLnBrk="1" latinLnBrk="0" hangingPunct="1">
         <a:spcBef>
-          <a:spcPts val="340"/>
+          <a:spcPct val="20000"/>
         </a:spcBef>
-        <a:buClr>
-          <a:schemeClr val="accent2">
-            <a:shade val="75000"/>
-          </a:schemeClr>
-        </a:buClr>
-        <a:buSzPct val="85000"/>
-        <a:buFont typeface="Wingdings 2" pitchFamily="18" charset="2"/>
-        <a:buChar char="?"/>
-        <a:defRPr kumimoji="0" sz="1700" kern="1200">
+        <a:buFont typeface="Arial" pitchFamily="34" charset="0"/>
+        <a:buChar char="•"/>
+        <a:defRPr sz="2000" kern="1200">
           <a:solidFill>
             <a:schemeClr val="tx1"/>
           </a:solidFill>
@@ -3063,19 +2942,13 @@
           <a:cs typeface="+mn-cs"/>
         </a:defRPr>
       </a:lvl6pPr>
-      <a:lvl7pPr marL="2011680" indent="-182880" algn="l" rtl="0" eaLnBrk="1" latinLnBrk="0" hangingPunct="1">
+      <a:lvl7pPr marL="2971800" indent="-228600" algn="l" defTabSz="914400" rtl="0" eaLnBrk="1" latinLnBrk="0" hangingPunct="1">
         <a:spcBef>
-          <a:spcPts val="340"/>
+          <a:spcPct val="20000"/>
         </a:spcBef>
-        <a:buClr>
-          <a:schemeClr val="accent2">
-            <a:shade val="75000"/>
-          </a:schemeClr>
-        </a:buClr>
-        <a:buSzPct val="85000"/>
-        <a:buFont typeface="Wingdings 2" pitchFamily="18" charset="2"/>
-        <a:buChar char="?"/>
-        <a:defRPr kumimoji="0" sz="1600" kern="1200" baseline="0">
+        <a:buFont typeface="Arial" pitchFamily="34" charset="0"/>
+        <a:buChar char="•"/>
+        <a:defRPr sz="2000" kern="1200">
           <a:solidFill>
             <a:schemeClr val="tx1"/>
           </a:solidFill>
@@ -3084,19 +2957,13 @@
           <a:cs typeface="+mn-cs"/>
         </a:defRPr>
       </a:lvl7pPr>
-      <a:lvl8pPr marL="2286000" indent="-182880" algn="l" rtl="0" eaLnBrk="1" latinLnBrk="0" hangingPunct="1">
+      <a:lvl8pPr marL="3429000" indent="-228600" algn="l" defTabSz="914400" rtl="0" eaLnBrk="1" latinLnBrk="0" hangingPunct="1">
         <a:spcBef>
-          <a:spcPts val="340"/>
+          <a:spcPct val="20000"/>
         </a:spcBef>
-        <a:buClr>
-          <a:schemeClr val="accent2">
-            <a:shade val="75000"/>
-          </a:schemeClr>
-        </a:buClr>
-        <a:buSzPct val="85000"/>
-        <a:buFont typeface="Wingdings 2" pitchFamily="18" charset="2"/>
-        <a:buChar char="?"/>
-        <a:defRPr kumimoji="0" sz="1500" kern="1200">
+        <a:buFont typeface="Arial" pitchFamily="34" charset="0"/>
+        <a:buChar char="•"/>
+        <a:defRPr sz="2000" kern="1200">
           <a:solidFill>
             <a:schemeClr val="tx1"/>
           </a:solidFill>
@@ -3105,19 +2972,13 @@
           <a:cs typeface="+mn-cs"/>
         </a:defRPr>
       </a:lvl8pPr>
-      <a:lvl9pPr marL="2560320" indent="-182880" algn="l" rtl="0" eaLnBrk="1" latinLnBrk="0" hangingPunct="1">
+      <a:lvl9pPr marL="3886200" indent="-228600" algn="l" defTabSz="914400" rtl="0" eaLnBrk="1" latinLnBrk="0" hangingPunct="1">
         <a:spcBef>
-          <a:spcPts val="340"/>
+          <a:spcPct val="20000"/>
         </a:spcBef>
-        <a:buClr>
-          <a:schemeClr val="accent2">
-            <a:shade val="75000"/>
-          </a:schemeClr>
-        </a:buClr>
-        <a:buSzPct val="85000"/>
-        <a:buFont typeface="Wingdings 2" pitchFamily="18" charset="2"/>
-        <a:buChar char="?"/>
-        <a:defRPr kumimoji="0" sz="1500" kern="1200">
+        <a:buFont typeface="Arial" pitchFamily="34" charset="0"/>
+        <a:buChar char="•"/>
+        <a:defRPr sz="2000" kern="1200">
           <a:solidFill>
             <a:schemeClr val="tx1"/>
           </a:solidFill>
@@ -3128,8 +2989,11 @@
       </a:lvl9pPr>
     </p:bodyStyle>
     <p:otherStyle>
-      <a:lvl1pPr marL="0" algn="l" rtl="0" eaLnBrk="1" latinLnBrk="0" hangingPunct="1">
-        <a:defRPr kumimoji="0" kern="1200">
+      <a:defPPr>
+        <a:defRPr lang="en-US"/>
+      </a:defPPr>
+      <a:lvl1pPr marL="0" algn="l" defTabSz="914400" rtl="0" eaLnBrk="1" latinLnBrk="0" hangingPunct="1">
+        <a:defRPr sz="1800" kern="1200">
           <a:solidFill>
             <a:schemeClr val="tx1"/>
           </a:solidFill>
@@ -3138,8 +3002,8 @@
           <a:cs typeface="+mn-cs"/>
         </a:defRPr>
       </a:lvl1pPr>
-      <a:lvl2pPr marL="457200" algn="l" rtl="0" eaLnBrk="1" latinLnBrk="0" hangingPunct="1">
-        <a:defRPr kumimoji="0" kern="1200">
+      <a:lvl2pPr marL="457200" algn="l" defTabSz="914400" rtl="0" eaLnBrk="1" latinLnBrk="0" hangingPunct="1">
+        <a:defRPr sz="1800" kern="1200">
           <a:solidFill>
             <a:schemeClr val="tx1"/>
           </a:solidFill>
@@ -3148,8 +3012,8 @@
           <a:cs typeface="+mn-cs"/>
         </a:defRPr>
       </a:lvl2pPr>
-      <a:lvl3pPr marL="914400" algn="l" rtl="0" eaLnBrk="1" latinLnBrk="0" hangingPunct="1">
-        <a:defRPr kumimoji="0" kern="1200">
+      <a:lvl3pPr marL="914400" algn="l" defTabSz="914400" rtl="0" eaLnBrk="1" latinLnBrk="0" hangingPunct="1">
+        <a:defRPr sz="1800" kern="1200">
           <a:solidFill>
             <a:schemeClr val="tx1"/>
           </a:solidFill>
@@ -3158,8 +3022,8 @@
           <a:cs typeface="+mn-cs"/>
         </a:defRPr>
       </a:lvl3pPr>
-      <a:lvl4pPr marL="1371600" algn="l" rtl="0" eaLnBrk="1" latinLnBrk="0" hangingPunct="1">
-        <a:defRPr kumimoji="0" kern="1200">
+      <a:lvl4pPr marL="1371600" algn="l" defTabSz="914400" rtl="0" eaLnBrk="1" latinLnBrk="0" hangingPunct="1">
+        <a:defRPr sz="1800" kern="1200">
           <a:solidFill>
             <a:schemeClr val="tx1"/>
           </a:solidFill>
@@ -3168,8 +3032,8 @@
           <a:cs typeface="+mn-cs"/>
         </a:defRPr>
       </a:lvl4pPr>
-      <a:lvl5pPr marL="1828800" algn="l" rtl="0" eaLnBrk="1" latinLnBrk="0" hangingPunct="1">
-        <a:defRPr kumimoji="0" kern="1200">
+      <a:lvl5pPr marL="1828800" algn="l" defTabSz="914400" rtl="0" eaLnBrk="1" latinLnBrk="0" hangingPunct="1">
+        <a:defRPr sz="1800" kern="1200">
           <a:solidFill>
             <a:schemeClr val="tx1"/>
           </a:solidFill>
@@ -3178,8 +3042,8 @@
           <a:cs typeface="+mn-cs"/>
         </a:defRPr>
       </a:lvl5pPr>
-      <a:lvl6pPr marL="2286000" algn="l" rtl="0" eaLnBrk="1" latinLnBrk="0" hangingPunct="1">
-        <a:defRPr kumimoji="0" kern="1200">
+      <a:lvl6pPr marL="2286000" algn="l" defTabSz="914400" rtl="0" eaLnBrk="1" latinLnBrk="0" hangingPunct="1">
+        <a:defRPr sz="1800" kern="1200">
           <a:solidFill>
             <a:schemeClr val="tx1"/>
           </a:solidFill>
@@ -3188,8 +3052,8 @@
           <a:cs typeface="+mn-cs"/>
         </a:defRPr>
       </a:lvl6pPr>
-      <a:lvl7pPr marL="2743200" algn="l" rtl="0" eaLnBrk="1" latinLnBrk="0" hangingPunct="1">
-        <a:defRPr kumimoji="0" kern="1200">
+      <a:lvl7pPr marL="2743200" algn="l" defTabSz="914400" rtl="0" eaLnBrk="1" latinLnBrk="0" hangingPunct="1">
+        <a:defRPr sz="1800" kern="1200">
           <a:solidFill>
             <a:schemeClr val="tx1"/>
           </a:solidFill>
@@ -3198,8 +3062,8 @@
           <a:cs typeface="+mn-cs"/>
         </a:defRPr>
       </a:lvl7pPr>
-      <a:lvl8pPr marL="3200400" algn="l" rtl="0" eaLnBrk="1" latinLnBrk="0" hangingPunct="1">
-        <a:defRPr kumimoji="0" kern="1200">
+      <a:lvl8pPr marL="3200400" algn="l" defTabSz="914400" rtl="0" eaLnBrk="1" latinLnBrk="0" hangingPunct="1">
+        <a:defRPr sz="1800" kern="1200">
           <a:solidFill>
             <a:schemeClr val="tx1"/>
           </a:solidFill>
@@ -3208,8 +3072,8 @@
           <a:cs typeface="+mn-cs"/>
         </a:defRPr>
       </a:lvl8pPr>
-      <a:lvl9pPr marL="3657600" algn="l" rtl="0" eaLnBrk="1" latinLnBrk="0" hangingPunct="1">
-        <a:defRPr kumimoji="0" kern="1200">
+      <a:lvl9pPr marL="3657600" algn="l" defTabSz="914400" rtl="0" eaLnBrk="1" latinLnBrk="0" hangingPunct="1">
+        <a:defRPr sz="1800" kern="1200">
           <a:solidFill>
             <a:schemeClr val="tx1"/>
           </a:solidFill>
@@ -3242,17 +3106,77 @@
       </p:grpSpPr>
       <p:sp>
         <p:nvSpPr>
-          <p:cNvPr id="3" name="Subtitle 2"/>
-          <p:cNvSpPr>
-            <a:spLocks noGrp="1"/>
-          </p:cNvSpPr>
-          <p:nvPr>
-            <p:ph type="subTitle" idx="1"/>
+          <p:cNvPr id="2" name="Title 1"/>
+          <p:cNvSpPr>
+            <a:spLocks noGrp="1"/>
+          </p:cNvSpPr>
+          <p:nvPr>
+            <p:ph type="ctrTitle"/>
           </p:nvPr>
         </p:nvSpPr>
         <p:spPr>
           <a:xfrm>
-            <a:off x="457200" y="3699804"/>
+            <a:off x="609600" y="1600200"/>
+            <a:ext cx="8305800" cy="1975104"/>
+          </a:xfrm>
+        </p:spPr>
+        <p:txBody>
+          <a:bodyPr/>
+          <a:lstStyle/>
+          <a:p>
+            <a:pPr algn="ctr"/>
+            <a:r>
+              <a:rPr lang="en-US" b="0" cap="none" dirty="0" smtClean="0">
+                <a:solidFill>
+                  <a:schemeClr val="bg1"/>
+                </a:solidFill>
+                <a:effectLst/>
+                <a:latin typeface="+mn-lt"/>
+              </a:rPr>
+              <a:t>Java Petri Network Simulator</a:t>
+            </a:r>
+            <a:br>
+              <a:rPr lang="en-US" b="0" cap="none" dirty="0" smtClean="0">
+                <a:solidFill>
+                  <a:schemeClr val="bg1"/>
+                </a:solidFill>
+                <a:effectLst/>
+                <a:latin typeface="+mn-lt"/>
+              </a:rPr>
+            </a:br>
+            <a:r>
+              <a:rPr lang="en-US" b="0" cap="none" dirty="0" smtClean="0">
+                <a:solidFill>
+                  <a:schemeClr val="bg1"/>
+                </a:solidFill>
+                <a:effectLst/>
+                <a:latin typeface="+mn-lt"/>
+              </a:rPr>
+              <a:t>(JPeNS)</a:t>
+            </a:r>
+            <a:endParaRPr lang="en-US" b="0" cap="none" dirty="0">
+              <a:solidFill>
+                <a:schemeClr val="bg1"/>
+              </a:solidFill>
+              <a:effectLst/>
+              <a:latin typeface="+mn-lt"/>
+            </a:endParaRPr>
+          </a:p>
+        </p:txBody>
+      </p:sp>
+      <p:sp>
+        <p:nvSpPr>
+          <p:cNvPr id="3" name="Subtitle 2"/>
+          <p:cNvSpPr>
+            <a:spLocks noGrp="1"/>
+          </p:cNvSpPr>
+          <p:nvPr>
+            <p:ph type="subTitle" idx="1"/>
+          </p:nvPr>
+        </p:nvSpPr>
+        <p:spPr>
+          <a:xfrm>
+            <a:off x="609600" y="3581400"/>
             <a:ext cx="8305800" cy="2015196"/>
           </a:xfrm>
         </p:spPr>
@@ -3260,63 +3184,60 @@
           <a:bodyPr/>
           <a:lstStyle/>
           <a:p>
-            <a:r>
-              <a:rPr lang="en-US" sz="2400" dirty="0" smtClean="0"/>
-              <a:t>Team 5</a:t>
-            </a:r>
-            <a:endParaRPr lang="en-US" sz="900" dirty="0" smtClean="0"/>
-          </a:p>
-          <a:p>
-            <a:endParaRPr lang="en-US" sz="2400" dirty="0" smtClean="0"/>
-          </a:p>
-          <a:p>
-            <a:r>
-              <a:rPr lang="en-US" sz="1600" dirty="0" smtClean="0"/>
-              <a:t>Jonathan Babbitt </a:t>
-            </a:r>
-          </a:p>
-          <a:p>
-            <a:r>
-              <a:rPr lang="en-US" sz="1600" dirty="0" smtClean="0"/>
-              <a:t>&amp; </a:t>
-            </a:r>
-          </a:p>
-          <a:p>
-            <a:r>
-              <a:rPr lang="en-US" sz="1600" dirty="0" smtClean="0"/>
-              <a:t>Chris Hobbs</a:t>
-            </a:r>
-            <a:endParaRPr lang="en-US" sz="1600" dirty="0"/>
-          </a:p>
-        </p:txBody>
-      </p:sp>
-      <p:sp>
-        <p:nvSpPr>
-          <p:cNvPr id="2" name="Title 1"/>
-          <p:cNvSpPr>
-            <a:spLocks noGrp="1"/>
-          </p:cNvSpPr>
-          <p:nvPr>
-            <p:ph type="ctrTitle"/>
-          </p:nvPr>
-        </p:nvSpPr>
-        <p:spPr/>
-        <p:txBody>
-          <a:bodyPr/>
-          <a:lstStyle/>
-          <a:p>
-            <a:r>
-              <a:rPr lang="en-US" dirty="0" smtClean="0"/>
-              <a:t>Java Petri Network Simulator</a:t>
-            </a:r>
-            <a:br>
-              <a:rPr lang="en-US" dirty="0" smtClean="0"/>
-            </a:br>
-            <a:r>
-              <a:rPr lang="en-US" dirty="0" smtClean="0"/>
-              <a:t>(JPeNS)</a:t>
-            </a:r>
-            <a:endParaRPr lang="en-US" dirty="0"/>
+            <a:pPr algn="ctr"/>
+            <a:r>
+              <a:rPr lang="en-US" sz="2400" dirty="0" smtClean="0">
+                <a:solidFill>
+                  <a:schemeClr val="bg1"/>
+                </a:solidFill>
+              </a:rPr>
+              <a:t>Team </a:t>
+            </a:r>
+            <a:r>
+              <a:rPr lang="en-US" sz="2400" dirty="0" smtClean="0">
+                <a:solidFill>
+                  <a:schemeClr val="bg1"/>
+                </a:solidFill>
+              </a:rPr>
+              <a:t>5</a:t>
+            </a:r>
+            <a:endParaRPr lang="en-US" sz="2400" dirty="0" smtClean="0">
+              <a:solidFill>
+                <a:schemeClr val="bg1"/>
+              </a:solidFill>
+            </a:endParaRPr>
+          </a:p>
+          <a:p>
+            <a:pPr algn="ctr"/>
+            <a:r>
+              <a:rPr lang="en-US" sz="1600" dirty="0" smtClean="0">
+                <a:solidFill>
+                  <a:schemeClr val="bg1"/>
+                </a:solidFill>
+              </a:rPr>
+              <a:t>Jonathan </a:t>
+            </a:r>
+            <a:r>
+              <a:rPr lang="en-US" sz="1600" dirty="0" smtClean="0">
+                <a:solidFill>
+                  <a:schemeClr val="bg1"/>
+                </a:solidFill>
+              </a:rPr>
+              <a:t>Babbitt &amp; Chris </a:t>
+            </a:r>
+            <a:r>
+              <a:rPr lang="en-US" sz="1600" dirty="0" smtClean="0">
+                <a:solidFill>
+                  <a:schemeClr val="bg1"/>
+                </a:solidFill>
+              </a:rPr>
+              <a:t>Hobbs</a:t>
+            </a:r>
+            <a:endParaRPr lang="en-US" sz="1600" dirty="0">
+              <a:solidFill>
+                <a:schemeClr val="bg1"/>
+              </a:solidFill>
+            </a:endParaRPr>
           </a:p>
         </p:txBody>
       </p:sp>
@@ -3359,6 +3280,61 @@
       </p:grpSpPr>
       <p:sp>
         <p:nvSpPr>
+          <p:cNvPr id="3" name="Title 2"/>
+          <p:cNvSpPr>
+            <a:spLocks noGrp="1"/>
+          </p:cNvSpPr>
+          <p:nvPr>
+            <p:ph type="title"/>
+          </p:nvPr>
+        </p:nvSpPr>
+        <p:spPr/>
+        <p:txBody>
+          <a:bodyPr/>
+          <a:lstStyle/>
+          <a:p>
+            <a:r>
+              <a:rPr lang="en-US" dirty="0" smtClean="0">
+                <a:solidFill>
+                  <a:schemeClr val="bg1"/>
+                </a:solidFill>
+                <a:latin typeface="Calibri" pitchFamily="34" charset="0"/>
+                <a:cs typeface="Calibri" pitchFamily="34" charset="0"/>
+              </a:rPr>
+              <a:t>What </a:t>
+            </a:r>
+            <a:r>
+              <a:rPr lang="en-US" i="1" dirty="0" smtClean="0">
+                <a:solidFill>
+                  <a:schemeClr val="bg1"/>
+                </a:solidFill>
+                <a:latin typeface="Calibri" pitchFamily="34" charset="0"/>
+                <a:cs typeface="Calibri" pitchFamily="34" charset="0"/>
+              </a:rPr>
+              <a:t>is</a:t>
+            </a:r>
+            <a:r>
+              <a:rPr lang="en-US" dirty="0" smtClean="0">
+                <a:solidFill>
+                  <a:schemeClr val="bg1"/>
+                </a:solidFill>
+                <a:latin typeface="Calibri" pitchFamily="34" charset="0"/>
+                <a:cs typeface="Calibri" pitchFamily="34" charset="0"/>
+              </a:rPr>
+              <a:t> JPeNS?</a:t>
+            </a:r>
+            <a:endParaRPr lang="en-US" dirty="0">
+              <a:solidFill>
+                <a:schemeClr val="bg1"/>
+              </a:solidFill>
+              <a:latin typeface="Calibri" pitchFamily="34" charset="0"/>
+              <a:cs typeface="Calibri" pitchFamily="34" charset="0"/>
+            </a:endParaRPr>
+          </a:p>
+        </p:txBody>
+      </p:sp>
+      <p:sp>
+        <p:nvSpPr>
           <p:cNvPr id="2" name="Content Placeholder 1"/>
           <p:cNvSpPr>
             <a:spLocks noGrp="1"/>
@@ -3369,63 +3345,98 @@
         </p:nvSpPr>
         <p:spPr/>
         <p:txBody>
-          <a:bodyPr/>
-          <a:lstStyle/>
-          <a:p>
-            <a:r>
-              <a:rPr lang="en-US" dirty="0" smtClean="0"/>
-              <a:t>Designed to aid in comprehension of Petri Networks</a:t>
-            </a:r>
-          </a:p>
-          <a:p>
-            <a:r>
-              <a:rPr lang="en-US" dirty="0" smtClean="0"/>
-              <a:t>Displays the network along with buttons allowing the user to fire each transition one by one so they can step through  and understand the network at their own pace</a:t>
-            </a:r>
-          </a:p>
-          <a:p>
-            <a:r>
-              <a:rPr lang="en-US" dirty="0" smtClean="0"/>
-              <a:t>Supports the importing of premade networks from XML files so instructors can send XML files to students to load up and view</a:t>
-            </a:r>
-          </a:p>
-          <a:p>
-            <a:r>
-              <a:rPr lang="en-US" dirty="0" smtClean="0"/>
-              <a:t>Color coded interface for more intuitive controls</a:t>
-            </a:r>
-            <a:endParaRPr lang="en-US" dirty="0"/>
-          </a:p>
-        </p:txBody>
-      </p:sp>
-      <p:sp>
-        <p:nvSpPr>
-          <p:cNvPr id="3" name="Title 2"/>
-          <p:cNvSpPr>
-            <a:spLocks noGrp="1"/>
-          </p:cNvSpPr>
-          <p:nvPr>
-            <p:ph type="title"/>
-          </p:nvPr>
-        </p:nvSpPr>
-        <p:spPr/>
-        <p:txBody>
-          <a:bodyPr/>
-          <a:lstStyle/>
-          <a:p>
-            <a:r>
-              <a:rPr lang="en-US" dirty="0" smtClean="0"/>
-              <a:t>What </a:t>
-            </a:r>
-            <a:r>
-              <a:rPr lang="en-US" i="1" dirty="0" smtClean="0"/>
-              <a:t>is</a:t>
-            </a:r>
-            <a:r>
-              <a:rPr lang="en-US" dirty="0" smtClean="0"/>
-              <a:t> JPeNS?</a:t>
-            </a:r>
-            <a:endParaRPr lang="en-US" dirty="0"/>
+          <a:bodyPr>
+            <a:normAutofit/>
+          </a:bodyPr>
+          <a:lstStyle/>
+          <a:p>
+            <a:r>
+              <a:rPr lang="en-US" dirty="0" smtClean="0">
+                <a:solidFill>
+                  <a:schemeClr val="bg1"/>
+                </a:solidFill>
+                <a:latin typeface="Calibri" pitchFamily="34" charset="0"/>
+                <a:cs typeface="Calibri" pitchFamily="34" charset="0"/>
+              </a:rPr>
+              <a:t>Aid </a:t>
+            </a:r>
+            <a:r>
+              <a:rPr lang="en-US" dirty="0" smtClean="0">
+                <a:solidFill>
+                  <a:schemeClr val="bg1"/>
+                </a:solidFill>
+                <a:latin typeface="Calibri" pitchFamily="34" charset="0"/>
+                <a:cs typeface="Calibri" pitchFamily="34" charset="0"/>
+              </a:rPr>
+              <a:t>in comprehension of Petri Networks</a:t>
+            </a:r>
+          </a:p>
+          <a:p>
+            <a:r>
+              <a:rPr lang="en-US" dirty="0" smtClean="0">
+                <a:solidFill>
+                  <a:schemeClr val="bg1"/>
+                </a:solidFill>
+                <a:latin typeface="Calibri" pitchFamily="34" charset="0"/>
+                <a:cs typeface="Calibri" pitchFamily="34" charset="0"/>
+              </a:rPr>
+              <a:t>Visual representation of networks</a:t>
+            </a:r>
+            <a:endParaRPr lang="en-US" dirty="0" smtClean="0">
+              <a:solidFill>
+                <a:schemeClr val="bg1"/>
+              </a:solidFill>
+              <a:latin typeface="Calibri" pitchFamily="34" charset="0"/>
+              <a:cs typeface="Calibri" pitchFamily="34" charset="0"/>
+            </a:endParaRPr>
+          </a:p>
+          <a:p>
+            <a:r>
+              <a:rPr lang="en-US" dirty="0" smtClean="0">
+                <a:solidFill>
+                  <a:schemeClr val="bg1"/>
+                </a:solidFill>
+                <a:latin typeface="Calibri" pitchFamily="34" charset="0"/>
+                <a:cs typeface="Calibri" pitchFamily="34" charset="0"/>
+              </a:rPr>
+              <a:t>XML based file I/O</a:t>
+            </a:r>
+            <a:endParaRPr lang="en-US" dirty="0" smtClean="0">
+              <a:solidFill>
+                <a:schemeClr val="bg1"/>
+              </a:solidFill>
+              <a:latin typeface="Calibri" pitchFamily="34" charset="0"/>
+              <a:cs typeface="Calibri" pitchFamily="34" charset="0"/>
+            </a:endParaRPr>
+          </a:p>
+          <a:p>
+            <a:r>
+              <a:rPr lang="en-US" dirty="0" smtClean="0">
+                <a:solidFill>
+                  <a:schemeClr val="bg1"/>
+                </a:solidFill>
+                <a:latin typeface="Calibri" pitchFamily="34" charset="0"/>
+                <a:cs typeface="Calibri" pitchFamily="34" charset="0"/>
+              </a:rPr>
+              <a:t>Color coded </a:t>
+            </a:r>
+            <a:r>
+              <a:rPr lang="en-US" dirty="0" smtClean="0">
+                <a:solidFill>
+                  <a:schemeClr val="bg1"/>
+                </a:solidFill>
+                <a:latin typeface="Calibri" pitchFamily="34" charset="0"/>
+                <a:cs typeface="Calibri" pitchFamily="34" charset="0"/>
+              </a:rPr>
+              <a:t>interface</a:t>
+            </a:r>
+            <a:endParaRPr lang="en-US" dirty="0">
+              <a:solidFill>
+                <a:schemeClr val="bg1"/>
+              </a:solidFill>
+              <a:latin typeface="Calibri" pitchFamily="34" charset="0"/>
+              <a:cs typeface="Calibri" pitchFamily="34" charset="0"/>
+            </a:endParaRPr>
           </a:p>
         </p:txBody>
       </p:sp>
@@ -3468,6 +3479,41 @@
       </p:grpSpPr>
       <p:sp>
         <p:nvSpPr>
+          <p:cNvPr id="3" name="Title 2"/>
+          <p:cNvSpPr>
+            <a:spLocks noGrp="1"/>
+          </p:cNvSpPr>
+          <p:nvPr>
+            <p:ph type="title"/>
+          </p:nvPr>
+        </p:nvSpPr>
+        <p:spPr/>
+        <p:txBody>
+          <a:bodyPr/>
+          <a:lstStyle/>
+          <a:p>
+            <a:r>
+              <a:rPr lang="en-US" dirty="0" smtClean="0">
+                <a:solidFill>
+                  <a:schemeClr val="bg1"/>
+                </a:solidFill>
+                <a:latin typeface="Calibri" pitchFamily="34" charset="0"/>
+                <a:cs typeface="Calibri" pitchFamily="34" charset="0"/>
+              </a:rPr>
+              <a:t>Why We Chose Petri Networks?</a:t>
+            </a:r>
+            <a:endParaRPr lang="en-US" dirty="0">
+              <a:solidFill>
+                <a:schemeClr val="bg1"/>
+              </a:solidFill>
+              <a:latin typeface="Calibri" pitchFamily="34" charset="0"/>
+              <a:cs typeface="Calibri" pitchFamily="34" charset="0"/>
+            </a:endParaRPr>
+          </a:p>
+        </p:txBody>
+      </p:sp>
+      <p:sp>
+        <p:nvSpPr>
           <p:cNvPr id="2" name="Content Placeholder 1"/>
           <p:cNvSpPr>
             <a:spLocks noGrp="1"/>
@@ -3476,7 +3522,12 @@
             <p:ph idx="1"/>
           </p:nvPr>
         </p:nvSpPr>
-        <p:spPr/>
+        <p:spPr>
+          <a:xfrm>
+            <a:off x="914400" y="1676400"/>
+            <a:ext cx="7772400" cy="4572000"/>
+          </a:xfrm>
+        </p:spPr>
         <p:txBody>
           <a:bodyPr>
             <a:normAutofit/>
@@ -3484,55 +3535,125 @@
           <a:lstStyle/>
           <a:p>
             <a:r>
-              <a:rPr lang="en-US" dirty="0" smtClean="0"/>
-              <a:t>They are an interesting topic</a:t>
-            </a:r>
-          </a:p>
-          <a:p>
-            <a:r>
-              <a:rPr lang="en-US" dirty="0" smtClean="0"/>
-              <a:t>Sometimes a difficult topic to learn for people without a computing or engineering background </a:t>
-            </a:r>
-          </a:p>
-          <a:p>
-            <a:r>
-              <a:rPr lang="en-US" dirty="0" smtClean="0"/>
-              <a:t>Could be taught at various levels of the education system given the right tools</a:t>
-            </a:r>
-          </a:p>
-          <a:p>
-            <a:r>
-              <a:rPr lang="en-US" dirty="0" smtClean="0"/>
-              <a:t>Useful for mapping a broad range of trigger </a:t>
-            </a:r>
-            <a:r>
-              <a:rPr lang="en-US" dirty="0"/>
+              <a:rPr lang="en-US" dirty="0" smtClean="0">
+                <a:solidFill>
+                  <a:schemeClr val="bg1"/>
+                </a:solidFill>
+                <a:latin typeface="Calibri" pitchFamily="34" charset="0"/>
+                <a:cs typeface="Calibri" pitchFamily="34" charset="0"/>
+              </a:rPr>
+              <a:t>Interesting </a:t>
+            </a:r>
+            <a:r>
+              <a:rPr lang="en-US" dirty="0" smtClean="0">
+                <a:solidFill>
+                  <a:schemeClr val="bg1"/>
+                </a:solidFill>
+                <a:latin typeface="Calibri" pitchFamily="34" charset="0"/>
+                <a:cs typeface="Calibri" pitchFamily="34" charset="0"/>
+              </a:rPr>
+              <a:t>topic</a:t>
+            </a:r>
+          </a:p>
+          <a:p>
+            <a:r>
+              <a:rPr lang="en-US" dirty="0" smtClean="0">
+                <a:solidFill>
+                  <a:schemeClr val="bg1"/>
+                </a:solidFill>
+                <a:latin typeface="Calibri" pitchFamily="34" charset="0"/>
+                <a:cs typeface="Calibri" pitchFamily="34" charset="0"/>
+              </a:rPr>
+              <a:t>Difficult </a:t>
+            </a:r>
+            <a:r>
+              <a:rPr lang="en-US" dirty="0" smtClean="0">
+                <a:solidFill>
+                  <a:schemeClr val="bg1"/>
+                </a:solidFill>
+                <a:latin typeface="Calibri" pitchFamily="34" charset="0"/>
+                <a:cs typeface="Calibri" pitchFamily="34" charset="0"/>
+              </a:rPr>
+              <a:t>topic to learn </a:t>
+            </a:r>
+            <a:endParaRPr lang="en-US" dirty="0" smtClean="0">
+              <a:solidFill>
+                <a:schemeClr val="bg1"/>
+              </a:solidFill>
+              <a:latin typeface="Calibri" pitchFamily="34" charset="0"/>
+              <a:cs typeface="Calibri" pitchFamily="34" charset="0"/>
+            </a:endParaRPr>
+          </a:p>
+          <a:p>
+            <a:r>
+              <a:rPr lang="en-US" dirty="0" smtClean="0">
+                <a:solidFill>
+                  <a:schemeClr val="bg1"/>
+                </a:solidFill>
+                <a:latin typeface="Calibri" pitchFamily="34" charset="0"/>
+                <a:cs typeface="Calibri" pitchFamily="34" charset="0"/>
+              </a:rPr>
+              <a:t>Taught </a:t>
+            </a:r>
+            <a:r>
+              <a:rPr lang="en-US" dirty="0" smtClean="0">
+                <a:solidFill>
+                  <a:schemeClr val="bg1"/>
+                </a:solidFill>
+                <a:latin typeface="Calibri" pitchFamily="34" charset="0"/>
+                <a:cs typeface="Calibri" pitchFamily="34" charset="0"/>
+              </a:rPr>
+              <a:t>at various levels of the </a:t>
+            </a:r>
+            <a:r>
+              <a:rPr lang="en-US" dirty="0" smtClean="0">
+                <a:solidFill>
+                  <a:schemeClr val="bg1"/>
+                </a:solidFill>
+                <a:latin typeface="Calibri" pitchFamily="34" charset="0"/>
+                <a:cs typeface="Calibri" pitchFamily="34" charset="0"/>
+              </a:rPr>
+              <a:t>education</a:t>
+            </a:r>
+          </a:p>
+          <a:p>
+            <a:r>
+              <a:rPr lang="en-US" dirty="0" smtClean="0">
+                <a:solidFill>
+                  <a:schemeClr val="bg1"/>
+                </a:solidFill>
+                <a:latin typeface="Calibri" pitchFamily="34" charset="0"/>
+                <a:cs typeface="Calibri" pitchFamily="34" charset="0"/>
+              </a:rPr>
+              <a:t>Useful </a:t>
+            </a:r>
+            <a:r>
+              <a:rPr lang="en-US" dirty="0" smtClean="0">
+                <a:solidFill>
+                  <a:schemeClr val="bg1"/>
+                </a:solidFill>
+                <a:latin typeface="Calibri" pitchFamily="34" charset="0"/>
+                <a:cs typeface="Calibri" pitchFamily="34" charset="0"/>
+              </a:rPr>
+              <a:t>for mapping a broad range of trigger </a:t>
+            </a:r>
+            <a:r>
+              <a:rPr lang="en-US" dirty="0">
+                <a:solidFill>
+                  <a:schemeClr val="bg1"/>
+                </a:solidFill>
+                <a:latin typeface="Calibri" pitchFamily="34" charset="0"/>
+                <a:cs typeface="Calibri" pitchFamily="34" charset="0"/>
+              </a:rPr>
               <a:t>based systems </a:t>
             </a:r>
-            <a:endParaRPr lang="en-US" dirty="0" smtClean="0"/>
-          </a:p>
-        </p:txBody>
-      </p:sp>
-      <p:sp>
-        <p:nvSpPr>
-          <p:cNvPr id="3" name="Title 2"/>
-          <p:cNvSpPr>
-            <a:spLocks noGrp="1"/>
-          </p:cNvSpPr>
-          <p:nvPr>
-            <p:ph type="title"/>
-          </p:nvPr>
-        </p:nvSpPr>
-        <p:spPr/>
-        <p:txBody>
-          <a:bodyPr/>
-          <a:lstStyle/>
-          <a:p>
-            <a:r>
-              <a:rPr lang="en-US" dirty="0" smtClean="0"/>
-              <a:t>Why We Chose Petri Networks?</a:t>
-            </a:r>
-            <a:endParaRPr lang="en-US" dirty="0"/>
+            <a:endParaRPr lang="en-US" dirty="0" smtClean="0">
+              <a:solidFill>
+                <a:schemeClr val="bg1"/>
+              </a:solidFill>
+              <a:latin typeface="Calibri" pitchFamily="34" charset="0"/>
+              <a:cs typeface="Calibri" pitchFamily="34" charset="0"/>
+            </a:endParaRPr>
           </a:p>
         </p:txBody>
       </p:sp>
@@ -3545,14 +3666,14 @@
           <p:nvPr>
             <p:extLst>
               <p:ext uri="{D42A27DB-BD31-4B8C-83A1-F6EECF244321}">
-                <p14:modId xmlns:p14="http://schemas.microsoft.com/office/powerpoint/2010/main" val="890361308"/>
+                <p14:modId xmlns:p14="http://schemas.microsoft.com/office/powerpoint/2010/main" val="1253659241"/>
               </p:ext>
             </p:extLst>
           </p:nvPr>
         </p:nvGraphicFramePr>
         <p:xfrm>
-          <a:off x="-152400" y="4724400"/>
-          <a:ext cx="8686800" cy="1188720"/>
+          <a:off x="152400" y="4495800"/>
+          <a:ext cx="8686800" cy="1280160"/>
         </p:xfrm>
         <a:graphic>
           <a:graphicData uri="http://schemas.openxmlformats.org/drawingml/2006/table">
@@ -3561,8 +3682,8 @@
                 <a:tableStyleId>{2D5ABB26-0587-4C30-8999-92F81FD0307C}</a:tableStyleId>
               </a:tblPr>
               <a:tblGrid>
-                <a:gridCol w="4267200"/>
-                <a:gridCol w="4419600"/>
+                <a:gridCol w="4343400"/>
+                <a:gridCol w="4343400"/>
               </a:tblGrid>
               <a:tr h="939800">
                 <a:tc>
@@ -3575,7 +3696,7 @@
                         <a:buChar char="•"/>
                       </a:pPr>
                       <a:r>
-                        <a:rPr lang="en-US" dirty="0" smtClean="0"/>
+                        <a:rPr lang="en-US" sz="2000" dirty="0" smtClean="0"/>
                         <a:t>Software design</a:t>
                       </a:r>
                     </a:p>
@@ -3585,7 +3706,7 @@
                         <a:buChar char="•"/>
                       </a:pPr>
                       <a:r>
-                        <a:rPr lang="en-US" dirty="0" smtClean="0"/>
+                        <a:rPr lang="en-US" sz="2000" dirty="0" smtClean="0"/>
                         <a:t>Workflow management </a:t>
                       </a:r>
                     </a:p>
@@ -3595,7 +3716,7 @@
                         <a:buChar char="•"/>
                       </a:pPr>
                       <a:r>
-                        <a:rPr lang="en-US" dirty="0" smtClean="0"/>
+                        <a:rPr lang="en-US" sz="2000" dirty="0" smtClean="0"/>
                         <a:t>Process Modeling </a:t>
                       </a:r>
                     </a:p>
@@ -3636,7 +3757,7 @@
                         <a:buChar char="•"/>
                       </a:pPr>
                       <a:r>
-                        <a:rPr lang="en-US" dirty="0" smtClean="0"/>
+                        <a:rPr lang="en-US" sz="2000" dirty="0" smtClean="0"/>
                         <a:t>Data analysis </a:t>
                       </a:r>
                     </a:p>
@@ -3646,7 +3767,7 @@
                         <a:buChar char="•"/>
                       </a:pPr>
                       <a:r>
-                        <a:rPr lang="en-US" dirty="0" smtClean="0"/>
+                        <a:rPr lang="en-US" sz="2000" dirty="0" smtClean="0"/>
                         <a:t>Diagnosis</a:t>
                       </a:r>
                     </a:p>
@@ -3656,7 +3777,7 @@
                         <a:buChar char="•"/>
                       </a:pPr>
                       <a:r>
-                        <a:rPr lang="en-US" dirty="0" smtClean="0"/>
+                        <a:rPr lang="en-US" sz="2000" dirty="0" smtClean="0"/>
                         <a:t>Simulation</a:t>
                       </a:r>
                     </a:p>
@@ -3728,10 +3849,18 @@
           <a:lstStyle/>
           <a:p>
             <a:r>
-              <a:rPr lang="en-US" dirty="0" smtClean="0"/>
+              <a:rPr lang="en-US" dirty="0" smtClean="0">
+                <a:solidFill>
+                  <a:schemeClr val="bg1"/>
+                </a:solidFill>
+              </a:rPr>
               <a:t>JPeNS System Description</a:t>
             </a:r>
-            <a:endParaRPr lang="en-US" dirty="0"/>
+            <a:endParaRPr lang="en-US" dirty="0">
+              <a:solidFill>
+                <a:schemeClr val="bg1"/>
+              </a:solidFill>
+            </a:endParaRPr>
           </a:p>
         </p:txBody>
       </p:sp>
@@ -3747,52 +3876,129 @@
         </p:nvSpPr>
         <p:spPr/>
         <p:txBody>
-          <a:bodyPr/>
-          <a:lstStyle/>
-          <a:p>
-            <a:r>
-              <a:rPr lang="en-US" dirty="0" smtClean="0"/>
-              <a:t>Loads up XML file and parses the nodes into lists</a:t>
-            </a:r>
-          </a:p>
-          <a:p>
-            <a:r>
-              <a:rPr lang="en-US" dirty="0" smtClean="0"/>
-              <a:t>Goes through the various lists and creates buttons and labels for the transitions and places</a:t>
-            </a:r>
-          </a:p>
-          <a:p>
-            <a:r>
-              <a:rPr lang="en-US" dirty="0" smtClean="0"/>
-              <a:t>Creates </a:t>
-            </a:r>
-            <a:r>
-              <a:rPr lang="en-US" dirty="0" err="1" smtClean="0"/>
+          <a:bodyPr>
+            <a:normAutofit/>
+          </a:bodyPr>
+          <a:lstStyle/>
+          <a:p>
+            <a:r>
+              <a:rPr lang="en-US" dirty="0" smtClean="0">
+                <a:solidFill>
+                  <a:schemeClr val="bg1"/>
+                </a:solidFill>
+              </a:rPr>
+              <a:t>Utilizes XML files </a:t>
+            </a:r>
+            <a:endParaRPr lang="en-US" dirty="0" smtClean="0">
+              <a:solidFill>
+                <a:schemeClr val="bg1"/>
+              </a:solidFill>
+            </a:endParaRPr>
+          </a:p>
+          <a:p>
+            <a:r>
+              <a:rPr lang="en-US" dirty="0" smtClean="0">
+                <a:solidFill>
+                  <a:schemeClr val="bg1"/>
+                </a:solidFill>
+              </a:rPr>
+              <a:t>Generates lists for transitions, places, </a:t>
+            </a:r>
+            <a:r>
+              <a:rPr lang="en-US" dirty="0" err="1" smtClean="0">
+                <a:solidFill>
+                  <a:schemeClr val="bg1"/>
+                </a:solidFill>
+              </a:rPr>
+              <a:t>etc</a:t>
+            </a:r>
+            <a:endParaRPr lang="en-US" dirty="0" smtClean="0">
+              <a:solidFill>
+                <a:schemeClr val="bg1"/>
+              </a:solidFill>
+            </a:endParaRPr>
+          </a:p>
+          <a:p>
+            <a:r>
+              <a:rPr lang="en-US" dirty="0" smtClean="0">
+                <a:solidFill>
+                  <a:schemeClr val="bg1"/>
+                </a:solidFill>
+              </a:rPr>
+              <a:t>Generates GUI objects and </a:t>
+            </a:r>
+            <a:r>
+              <a:rPr lang="en-US" dirty="0" err="1" smtClean="0">
+                <a:solidFill>
+                  <a:schemeClr val="bg1"/>
+                </a:solidFill>
+              </a:rPr>
               <a:t>mxGraph</a:t>
             </a:r>
-            <a:r>
-              <a:rPr lang="en-US" dirty="0" smtClean="0"/>
-              <a:t> objects for the various items of the network</a:t>
-            </a:r>
-          </a:p>
-          <a:p>
-            <a:r>
-              <a:rPr lang="en-US" dirty="0" smtClean="0"/>
-              <a:t>Displays the graph in the main window</a:t>
-            </a:r>
-          </a:p>
-          <a:p>
-            <a:r>
-              <a:rPr lang="en-US" dirty="0" smtClean="0"/>
-              <a:t>Gives you the ability to fire transitions in any order you like</a:t>
-            </a:r>
-          </a:p>
-          <a:p>
-            <a:r>
-              <a:rPr lang="en-US" dirty="0" smtClean="0"/>
-              <a:t>Automatically updates the color coding each firing</a:t>
-            </a:r>
-            <a:endParaRPr lang="en-US" dirty="0"/>
+            <a:endParaRPr lang="en-US" dirty="0" smtClean="0">
+              <a:solidFill>
+                <a:schemeClr val="bg1"/>
+              </a:solidFill>
+            </a:endParaRPr>
+          </a:p>
+          <a:p>
+            <a:r>
+              <a:rPr lang="en-US" dirty="0" smtClean="0">
+                <a:solidFill>
+                  <a:schemeClr val="bg1"/>
+                </a:solidFill>
+              </a:rPr>
+              <a:t>Displays the main </a:t>
+            </a:r>
+            <a:r>
+              <a:rPr lang="en-US" dirty="0" smtClean="0">
+                <a:solidFill>
+                  <a:schemeClr val="bg1"/>
+                </a:solidFill>
+              </a:rPr>
+              <a:t>window</a:t>
+            </a:r>
+          </a:p>
+          <a:p>
+            <a:r>
+              <a:rPr lang="en-US" dirty="0" smtClean="0">
+                <a:solidFill>
+                  <a:schemeClr val="bg1"/>
+                </a:solidFill>
+              </a:rPr>
+              <a:t>Fire </a:t>
+            </a:r>
+            <a:r>
+              <a:rPr lang="en-US" dirty="0" smtClean="0">
+                <a:solidFill>
+                  <a:schemeClr val="bg1"/>
+                </a:solidFill>
+              </a:rPr>
+              <a:t>transitions in any order you like</a:t>
+            </a:r>
+          </a:p>
+          <a:p>
+            <a:r>
+              <a:rPr lang="en-US" dirty="0" smtClean="0">
+                <a:solidFill>
+                  <a:schemeClr val="bg1"/>
+                </a:solidFill>
+              </a:rPr>
+              <a:t>Updates </a:t>
+            </a:r>
+            <a:r>
+              <a:rPr lang="en-US" dirty="0" smtClean="0">
+                <a:solidFill>
+                  <a:schemeClr val="bg1"/>
+                </a:solidFill>
+              </a:rPr>
+              <a:t>the color coding each firing</a:t>
+            </a:r>
+            <a:endParaRPr lang="en-US" dirty="0">
+              <a:solidFill>
+                <a:schemeClr val="bg1"/>
+              </a:solidFill>
+            </a:endParaRPr>
           </a:p>
         </p:txBody>
       </p:sp>
@@ -3835,31 +4041,31 @@
       </p:grpSpPr>
       <p:sp>
         <p:nvSpPr>
+          <p:cNvPr id="3" name="Title 2"/>
+          <p:cNvSpPr>
+            <a:spLocks noGrp="1"/>
+          </p:cNvSpPr>
+          <p:nvPr>
+            <p:ph type="title"/>
+          </p:nvPr>
+        </p:nvSpPr>
+        <p:spPr/>
+        <p:txBody>
+          <a:bodyPr/>
+          <a:lstStyle/>
+          <a:p>
+            <a:endParaRPr lang="en-US"/>
+          </a:p>
+        </p:txBody>
+      </p:sp>
+      <p:sp>
+        <p:nvSpPr>
           <p:cNvPr id="2" name="Content Placeholder 1"/>
           <p:cNvSpPr>
             <a:spLocks noGrp="1"/>
           </p:cNvSpPr>
           <p:nvPr>
             <p:ph idx="1"/>
-          </p:nvPr>
-        </p:nvSpPr>
-        <p:spPr/>
-        <p:txBody>
-          <a:bodyPr/>
-          <a:lstStyle/>
-          <a:p>
-            <a:endParaRPr lang="en-US"/>
-          </a:p>
-        </p:txBody>
-      </p:sp>
-      <p:sp>
-        <p:nvSpPr>
-          <p:cNvPr id="3" name="Title 2"/>
-          <p:cNvSpPr>
-            <a:spLocks noGrp="1"/>
-          </p:cNvSpPr>
-          <p:nvPr>
-            <p:ph type="title"/>
           </p:nvPr>
         </p:nvSpPr>
         <p:spPr/>
@@ -3974,6 +4180,37 @@
       </p:grpSpPr>
       <p:sp>
         <p:nvSpPr>
+          <p:cNvPr id="3" name="Title 2"/>
+          <p:cNvSpPr>
+            <a:spLocks noGrp="1"/>
+          </p:cNvSpPr>
+          <p:nvPr>
+            <p:ph type="title"/>
+          </p:nvPr>
+        </p:nvSpPr>
+        <p:spPr/>
+        <p:txBody>
+          <a:bodyPr/>
+          <a:lstStyle/>
+          <a:p>
+            <a:r>
+              <a:rPr lang="en-US" dirty="0" smtClean="0">
+                <a:solidFill>
+                  <a:schemeClr val="bg1"/>
+                </a:solidFill>
+              </a:rPr>
+              <a:t>Results</a:t>
+            </a:r>
+            <a:endParaRPr lang="en-US" dirty="0">
+              <a:solidFill>
+                <a:schemeClr val="bg1"/>
+              </a:solidFill>
+            </a:endParaRPr>
+          </a:p>
+        </p:txBody>
+      </p:sp>
+      <p:sp>
+        <p:nvSpPr>
           <p:cNvPr id="2" name="Content Placeholder 1"/>
           <p:cNvSpPr>
             <a:spLocks noGrp="1"/>
@@ -3991,37 +4228,26 @@
               <a:buNone/>
             </a:pPr>
             <a:r>
-              <a:rPr lang="en-US" dirty="0" smtClean="0"/>
-              <a:t>Our final project came out very satisfying. It has a great intuitive feel and looks exactly how we imagined it. It is super easy to use and very easy to understa</a:t>
-            </a:r>
-            <a:r>
-              <a:rPr lang="en-US" dirty="0" smtClean="0"/>
-              <a:t>nd how the given networks function.</a:t>
-            </a:r>
-            <a:endParaRPr lang="en-US" dirty="0"/>
-          </a:p>
-        </p:txBody>
-      </p:sp>
-      <p:sp>
-        <p:nvSpPr>
-          <p:cNvPr id="3" name="Title 2"/>
-          <p:cNvSpPr>
-            <a:spLocks noGrp="1"/>
-          </p:cNvSpPr>
-          <p:nvPr>
-            <p:ph type="title"/>
-          </p:nvPr>
-        </p:nvSpPr>
-        <p:spPr/>
-        <p:txBody>
-          <a:bodyPr/>
-          <a:lstStyle/>
-          <a:p>
-            <a:r>
-              <a:rPr lang="en-US" dirty="0" smtClean="0"/>
-              <a:t>Results</a:t>
-            </a:r>
-            <a:endParaRPr lang="en-US" dirty="0"/>
+              <a:rPr lang="en-US" dirty="0" err="1" smtClean="0">
+                <a:solidFill>
+                  <a:schemeClr val="bg1"/>
+                </a:solidFill>
+              </a:rPr>
+              <a:t>Postive</a:t>
+            </a:r>
+            <a:r>
+              <a:rPr lang="en-US" smtClean="0">
+                <a:solidFill>
+                  <a:schemeClr val="bg1"/>
+                </a:solidFill>
+              </a:rPr>
+              <a:t>?</a:t>
+            </a:r>
+            <a:endParaRPr lang="en-US" dirty="0">
+              <a:solidFill>
+                <a:schemeClr val="bg1"/>
+              </a:solidFill>
+            </a:endParaRPr>
           </a:p>
         </p:txBody>
       </p:sp>
@@ -4128,6 +4354,37 @@
       </p:grpSpPr>
       <p:sp>
         <p:nvSpPr>
+          <p:cNvPr id="3" name="Title 2"/>
+          <p:cNvSpPr>
+            <a:spLocks noGrp="1"/>
+          </p:cNvSpPr>
+          <p:nvPr>
+            <p:ph type="title"/>
+          </p:nvPr>
+        </p:nvSpPr>
+        <p:spPr/>
+        <p:txBody>
+          <a:bodyPr/>
+          <a:lstStyle/>
+          <a:p>
+            <a:r>
+              <a:rPr lang="en-US" dirty="0" smtClean="0">
+                <a:solidFill>
+                  <a:schemeClr val="bg1"/>
+                </a:solidFill>
+              </a:rPr>
+              <a:t>Conclusion</a:t>
+            </a:r>
+            <a:endParaRPr lang="en-US" dirty="0">
+              <a:solidFill>
+                <a:schemeClr val="bg1"/>
+              </a:solidFill>
+            </a:endParaRPr>
+          </a:p>
+        </p:txBody>
+      </p:sp>
+      <p:sp>
+        <p:nvSpPr>
           <p:cNvPr id="2" name="Content Placeholder 1"/>
           <p:cNvSpPr>
             <a:spLocks noGrp="1"/>
@@ -4141,29 +4398,6 @@
           <a:bodyPr/>
           <a:lstStyle/>
           <a:p>
-            <a:endParaRPr lang="en-US" dirty="0"/>
-          </a:p>
-        </p:txBody>
-      </p:sp>
-      <p:sp>
-        <p:nvSpPr>
-          <p:cNvPr id="3" name="Title 2"/>
-          <p:cNvSpPr>
-            <a:spLocks noGrp="1"/>
-          </p:cNvSpPr>
-          <p:nvPr>
-            <p:ph type="title"/>
-          </p:nvPr>
-        </p:nvSpPr>
-        <p:spPr/>
-        <p:txBody>
-          <a:bodyPr/>
-          <a:lstStyle/>
-          <a:p>
-            <a:r>
-              <a:rPr lang="en-US" dirty="0" smtClean="0"/>
-              <a:t>Conclusion</a:t>
-            </a:r>
             <a:endParaRPr lang="en-US" dirty="0"/>
           </a:p>
         </p:txBody>
@@ -4189,9 +4423,9 @@
 </file>
 
 <file path=ppt/theme/theme1.xml><?xml version="1.0" encoding="utf-8"?>
-<a:theme xmlns:a="http://schemas.openxmlformats.org/drawingml/2006/main" name="Paper">
+<a:theme xmlns:a="http://schemas.openxmlformats.org/drawingml/2006/main" name="Office Theme">
   <a:themeElements>
-    <a:clrScheme name="Paper">
+    <a:clrScheme name="Office">
       <a:dk1>
         <a:sysClr val="windowText" lastClr="000000"/>
       </a:dk1>
@@ -4199,48 +4433,48 @@
         <a:sysClr val="window" lastClr="FFFFFF"/>
       </a:lt1>
       <a:dk2>
-        <a:srgbClr val="444D26"/>
+        <a:srgbClr val="1F497D"/>
       </a:dk2>
       <a:lt2>
-        <a:srgbClr val="FEFAC9"/>
+        <a:srgbClr val="EEECE1"/>
       </a:lt2>
       <a:accent1>
-        <a:srgbClr val="A5B592"/>
+        <a:srgbClr val="4F81BD"/>
       </a:accent1>
       <a:accent2>
-        <a:srgbClr val="F3A447"/>
+        <a:srgbClr val="C0504D"/>
       </a:accent2>
       <a:accent3>
-        <a:srgbClr val="E7BC29"/>
+        <a:srgbClr val="9BBB59"/>
       </a:accent3>
       <a:accent4>
-        <a:srgbClr val="D092A7"/>
+        <a:srgbClr val="8064A2"/>
       </a:accent4>
       <a:accent5>
-        <a:srgbClr val="9C85C0"/>
+        <a:srgbClr val="4BACC6"/>
       </a:accent5>
       <a:accent6>
-        <a:srgbClr val="809EC2"/>
+        <a:srgbClr val="F79646"/>
       </a:accent6>
       <a:hlink>
-        <a:srgbClr val="8E58B6"/>
+        <a:srgbClr val="0000FF"/>
       </a:hlink>
       <a:folHlink>
-        <a:srgbClr val="7F6F6F"/>
+        <a:srgbClr val="800080"/>
       </a:folHlink>
     </a:clrScheme>
-    <a:fontScheme name="Paper">
+    <a:fontScheme name="Office">
       <a:majorFont>
-        <a:latin typeface="Constantia"/>
+        <a:latin typeface="Calibri"/>
         <a:ea typeface=""/>
         <a:cs typeface=""/>
-        <a:font script="Jpan" typeface="HG明朝E"/>
-        <a:font script="Hang" typeface="궁서"/>
-        <a:font script="Hans" typeface="华文新魏"/>
-        <a:font script="Hant" typeface="標楷體"/>
+        <a:font script="Jpan" typeface="ＭＳ Ｐゴシック"/>
+        <a:font script="Hang" typeface="맑은 고딕"/>
+        <a:font script="Hans" typeface="宋体"/>
+        <a:font script="Hant" typeface="新細明體"/>
         <a:font script="Arab" typeface="Times New Roman"/>
         <a:font script="Hebr" typeface="Times New Roman"/>
-        <a:font script="Thai" typeface="Browallia New"/>
+        <a:font script="Thai" typeface="Angsana New"/>
         <a:font script="Ethi" typeface="Nyala"/>
         <a:font script="Beng" typeface="Vrinda"/>
         <a:font script="Gujr" typeface="Shruti"/>
@@ -4266,20 +4500,20 @@
         <a:font script="Geor" typeface="Sylfaen"/>
       </a:majorFont>
       <a:minorFont>
-        <a:latin typeface="Constantia"/>
+        <a:latin typeface="Calibri"/>
         <a:ea typeface=""/>
         <a:cs typeface=""/>
-        <a:font script="Jpan" typeface="HG明朝E"/>
-        <a:font script="Hang" typeface="궁서"/>
-        <a:font script="Hans" typeface="华文新魏"/>
-        <a:font script="Hant" typeface="標楷體"/>
-        <a:font script="Arab" typeface="Times New Roman"/>
-        <a:font script="Hebr" typeface="Times New Roman"/>
-        <a:font script="Thai" typeface="Browallia New"/>
+        <a:font script="Jpan" typeface="ＭＳ Ｐゴシック"/>
+        <a:font script="Hang" typeface="맑은 고딕"/>
+        <a:font script="Hans" typeface="宋体"/>
+        <a:font script="Hant" typeface="新細明體"/>
+        <a:font script="Arab" typeface="Arial"/>
+        <a:font script="Hebr" typeface="Arial"/>
+        <a:font script="Thai" typeface="Cordia New"/>
         <a:font script="Ethi" typeface="Nyala"/>
         <a:font script="Beng" typeface="Vrinda"/>
         <a:font script="Gujr" typeface="Shruti"/>
-        <a:font script="Khmr" typeface="MoolBoran"/>
+        <a:font script="Khmr" typeface="DaunPenh"/>
         <a:font script="Knda" typeface="Tunga"/>
         <a:font script="Guru" typeface="Raavi"/>
         <a:font script="Cans" typeface="Euphemia"/>
@@ -4296,47 +4530,74 @@
         <a:font script="Laoo" typeface="DokChampa"/>
         <a:font script="Sinh" typeface="Iskoola Pota"/>
         <a:font script="Mong" typeface="Mongolian Baiti"/>
-        <a:font script="Viet" typeface="Times New Roman"/>
+        <a:font script="Viet" typeface="Arial"/>
         <a:font script="Uigh" typeface="Microsoft Uighur"/>
         <a:font script="Geor" typeface="Sylfaen"/>
       </a:minorFont>
     </a:fontScheme>
-    <a:fmtScheme name="Paper">
+    <a:fmtScheme name="Office">
       <a:fillStyleLst>
         <a:solidFill>
           <a:schemeClr val="phClr"/>
         </a:solidFill>
-        <a:blipFill>
-          <a:blip xmlns:r="http://schemas.openxmlformats.org/officeDocument/2006/relationships" r:embed="rId1">
-            <a:duotone>
+        <a:gradFill rotWithShape="1">
+          <a:gsLst>
+            <a:gs pos="0">
               <a:schemeClr val="phClr">
-                <a:shade val="63000"/>
-                <a:tint val="82000"/>
+                <a:tint val="50000"/>
+                <a:satMod val="300000"/>
               </a:schemeClr>
+            </a:gs>
+            <a:gs pos="35000">
               <a:schemeClr val="phClr">
-                <a:tint val="10000"/>
-                <a:satMod val="400000"/>
+                <a:tint val="37000"/>
+                <a:satMod val="300000"/>
               </a:schemeClr>
-            </a:duotone>
-          </a:blip>
-          <a:tile tx="0" ty="0" sx="40000" sy="40000" flip="none" algn="tl"/>
-        </a:blipFill>
-        <a:blipFill>
-          <a:blip xmlns:r="http://schemas.openxmlformats.org/officeDocument/2006/relationships" r:embed="rId1">
-            <a:duotone>
+            </a:gs>
+            <a:gs pos="100000">
               <a:schemeClr val="phClr">
-                <a:shade val="40000"/>
+                <a:tint val="15000"/>
+                <a:satMod val="350000"/>
               </a:schemeClr>
+            </a:gs>
+          </a:gsLst>
+          <a:lin ang="16200000" scaled="1"/>
+        </a:gradFill>
+        <a:gradFill rotWithShape="1">
+          <a:gsLst>
+            <a:gs pos="0">
               <a:schemeClr val="phClr">
-                <a:tint val="42000"/>
+                <a:shade val="51000"/>
+                <a:satMod val="130000"/>
               </a:schemeClr>
-            </a:duotone>
-          </a:blip>
-          <a:tile tx="0" ty="0" sx="40000" sy="40000" flip="none" algn="tl"/>
-        </a:blipFill>
+            </a:gs>
+            <a:gs pos="80000">
+              <a:schemeClr val="phClr">
+                <a:shade val="93000"/>
+                <a:satMod val="130000"/>
+              </a:schemeClr>
+            </a:gs>
+            <a:gs pos="100000">
+              <a:schemeClr val="phClr">
+                <a:shade val="94000"/>
+                <a:satMod val="135000"/>
+              </a:schemeClr>
+            </a:gs>
+          </a:gsLst>
+          <a:lin ang="16200000" scaled="0"/>
+        </a:gradFill>
       </a:fillStyleLst>
       <a:lnStyleLst>
-        <a:ln w="12700" cap="flat" cmpd="sng" algn="ctr">
+        <a:ln w="9525" cap="flat" cmpd="sng" algn="ctr">
+          <a:solidFill>
+            <a:schemeClr val="phClr">
+              <a:shade val="95000"/>
+              <a:satMod val="105000"/>
+            </a:schemeClr>
+          </a:solidFill>
+          <a:prstDash val="solid"/>
+        </a:ln>
+        <a:ln w="25400" cap="flat" cmpd="sng" algn="ctr">
           <a:solidFill>
             <a:schemeClr val="phClr"/>
           </a:solidFill>
@@ -4348,50 +4609,44 @@
           </a:solidFill>
           <a:prstDash val="solid"/>
         </a:ln>
-        <a:ln w="63500" cap="flat" cmpd="sng" algn="ctr">
-          <a:solidFill>
-            <a:schemeClr val="phClr"/>
-          </a:solidFill>
-          <a:prstDash val="solid"/>
-        </a:ln>
       </a:lnStyleLst>
       <a:effectStyleLst>
         <a:effectStyle>
           <a:effectLst>
-            <a:outerShdw blurRad="95000" rotWithShape="0">
+            <a:outerShdw blurRad="40000" dist="20000" dir="5400000" rotWithShape="0">
               <a:srgbClr val="000000">
-                <a:alpha val="50000"/>
+                <a:alpha val="38000"/>
               </a:srgbClr>
             </a:outerShdw>
-            <a:softEdge rad="12700"/>
           </a:effectLst>
         </a:effectStyle>
         <a:effectStyle>
           <a:effectLst>
-            <a:outerShdw blurRad="95000" rotWithShape="0">
+            <a:outerShdw blurRad="40000" dist="23000" dir="5400000" rotWithShape="0">
               <a:srgbClr val="000000">
-                <a:alpha val="50000"/>
+                <a:alpha val="35000"/>
               </a:srgbClr>
             </a:outerShdw>
-            <a:softEdge rad="12700"/>
           </a:effectLst>
         </a:effectStyle>
         <a:effectStyle>
           <a:effectLst>
-            <a:outerShdw blurRad="95000" algn="tl" rotWithShape="0">
+            <a:outerShdw blurRad="40000" dist="23000" dir="5400000" rotWithShape="0">
               <a:srgbClr val="000000">
-                <a:alpha val="50000"/>
+                <a:alpha val="35000"/>
               </a:srgbClr>
             </a:outerShdw>
           </a:effectLst>
           <a:scene3d>
-            <a:camera prst="orthographicFront"/>
-            <a:lightRig rig="soft" dir="t">
-              <a:rot lat="0" lon="0" rev="18000000"/>
+            <a:camera prst="orthographicFront">
+              <a:rot lat="0" lon="0" rev="0"/>
+            </a:camera>
+            <a:lightRig rig="threePt" dir="t">
+              <a:rot lat="0" lon="0" rev="1200000"/>
             </a:lightRig>
           </a:scene3d>
-          <a:sp3d prstMaterial="dkEdge">
-            <a:bevelT w="73660" h="44450" prst="riblet"/>
+          <a:sp3d>
+            <a:bevelT w="63500" h="25400"/>
           </a:sp3d>
         </a:effectStyle>
       </a:effectStyleLst>
@@ -4399,39 +4654,51 @@
         <a:solidFill>
           <a:schemeClr val="phClr"/>
         </a:solidFill>
-        <a:blipFill>
-          <a:blip xmlns:r="http://schemas.openxmlformats.org/officeDocument/2006/relationships" r:embed="rId1">
-            <a:duotone>
-              <a:schemeClr val="phClr">
-                <a:shade val="55000"/>
-                <a:alpha val="20000"/>
-              </a:schemeClr>
+        <a:gradFill rotWithShape="1">
+          <a:gsLst>
+            <a:gs pos="0">
               <a:schemeClr val="phClr">
                 <a:tint val="40000"/>
-                <a:shade val="90000"/>
-                <a:satMod val="60000"/>
-                <a:alpha val="20000"/>
+                <a:satMod val="350000"/>
               </a:schemeClr>
-            </a:duotone>
-          </a:blip>
-          <a:tile tx="0" ty="0" sx="58000" sy="38000" flip="none" algn="tl"/>
-        </a:blipFill>
-        <a:blipFill>
-          <a:blip xmlns:r="http://schemas.openxmlformats.org/officeDocument/2006/relationships" r:embed="rId2">
-            <a:duotone>
+            </a:gs>
+            <a:gs pos="40000">
               <a:schemeClr val="phClr">
-                <a:shade val="12000"/>
-                <a:satMod val="240000"/>
+                <a:tint val="45000"/>
+                <a:shade val="99000"/>
+                <a:satMod val="350000"/>
               </a:schemeClr>
+            </a:gs>
+            <a:gs pos="100000">
               <a:schemeClr val="phClr">
-                <a:tint val="65000"/>
+                <a:shade val="20000"/>
+                <a:satMod val="255000"/>
               </a:schemeClr>
-            </a:duotone>
-          </a:blip>
-          <a:stretch>
-            <a:fillRect/>
-          </a:stretch>
-        </a:blipFill>
+            </a:gs>
+          </a:gsLst>
+          <a:path path="circle">
+            <a:fillToRect l="50000" t="-80000" r="50000" b="180000"/>
+          </a:path>
+        </a:gradFill>
+        <a:gradFill rotWithShape="1">
+          <a:gsLst>
+            <a:gs pos="0">
+              <a:schemeClr val="phClr">
+                <a:tint val="80000"/>
+                <a:satMod val="300000"/>
+              </a:schemeClr>
+            </a:gs>
+            <a:gs pos="100000">
+              <a:schemeClr val="phClr">
+                <a:shade val="30000"/>
+                <a:satMod val="200000"/>
+              </a:schemeClr>
+            </a:gs>
+          </a:gsLst>
+          <a:path path="circle">
+            <a:fillToRect l="50000" t="50000" r="50000" b="50000"/>
+          </a:path>
+        </a:gradFill>
       </a:bgFillStyleLst>
     </a:fmtScheme>
   </a:themeElements>

--- a/JPeNS_Presentation.pptx
+++ b/JPeNS_Presentation.pptx
@@ -11,7 +11,6 @@
     <p:sldId id="259" r:id="rId5"/>
     <p:sldId id="262" r:id="rId6"/>
     <p:sldId id="261" r:id="rId7"/>
-    <p:sldId id="260" r:id="rId8"/>
   </p:sldIdLst>
   <p:sldSz cx="9144000" cy="6858000" type="screen4x3"/>
   <p:notesSz cx="6858000" cy="9144000"/>
@@ -3191,47 +3190,18 @@
                   <a:schemeClr val="bg1"/>
                 </a:solidFill>
               </a:rPr>
-              <a:t>Team </a:t>
-            </a:r>
-            <a:r>
-              <a:rPr lang="en-US" sz="2400" dirty="0" smtClean="0">
+              <a:t>Team 5</a:t>
+            </a:r>
+          </a:p>
+          <a:p>
+            <a:pPr algn="ctr"/>
+            <a:r>
+              <a:rPr lang="en-US" sz="1600" dirty="0" smtClean="0">
                 <a:solidFill>
                   <a:schemeClr val="bg1"/>
                 </a:solidFill>
               </a:rPr>
-              <a:t>5</a:t>
-            </a:r>
-            <a:endParaRPr lang="en-US" sz="2400" dirty="0" smtClean="0">
-              <a:solidFill>
-                <a:schemeClr val="bg1"/>
-              </a:solidFill>
-            </a:endParaRPr>
-          </a:p>
-          <a:p>
-            <a:pPr algn="ctr"/>
-            <a:r>
-              <a:rPr lang="en-US" sz="1600" dirty="0" smtClean="0">
-                <a:solidFill>
-                  <a:schemeClr val="bg1"/>
-                </a:solidFill>
-              </a:rPr>
-              <a:t>Jonathan </a:t>
-            </a:r>
-            <a:r>
-              <a:rPr lang="en-US" sz="1600" dirty="0" smtClean="0">
-                <a:solidFill>
-                  <a:schemeClr val="bg1"/>
-                </a:solidFill>
-              </a:rPr>
-              <a:t>Babbitt &amp; Chris </a:t>
-            </a:r>
-            <a:r>
-              <a:rPr lang="en-US" sz="1600" dirty="0" smtClean="0">
-                <a:solidFill>
-                  <a:schemeClr val="bg1"/>
-                </a:solidFill>
-              </a:rPr>
-              <a:t>Hobbs</a:t>
+              <a:t>Jonathan Babbitt &amp; Chris Hobbs</a:t>
             </a:r>
             <a:endParaRPr lang="en-US" sz="1600" dirty="0">
               <a:solidFill>
@@ -3358,17 +3328,7 @@
                 <a:latin typeface="Calibri" pitchFamily="34" charset="0"/>
                 <a:cs typeface="Calibri" pitchFamily="34" charset="0"/>
               </a:rPr>
-              <a:t>Aid </a:t>
-            </a:r>
-            <a:r>
-              <a:rPr lang="en-US" dirty="0" smtClean="0">
-                <a:solidFill>
-                  <a:schemeClr val="bg1"/>
-                </a:solidFill>
-                <a:latin typeface="Calibri" pitchFamily="34" charset="0"/>
-                <a:cs typeface="Calibri" pitchFamily="34" charset="0"/>
-              </a:rPr>
-              <a:t>in comprehension of Petri Networks</a:t>
+              <a:t>Aid in comprehension of Petri Networks</a:t>
             </a:r>
           </a:p>
           <a:p>
@@ -3382,13 +3342,6 @@
               </a:rPr>
               <a:t>Visual representation of networks</a:t>
             </a:r>
-            <a:endParaRPr lang="en-US" dirty="0" smtClean="0">
-              <a:solidFill>
-                <a:schemeClr val="bg1"/>
-              </a:solidFill>
-              <a:latin typeface="Calibri" pitchFamily="34" charset="0"/>
-              <a:cs typeface="Calibri" pitchFamily="34" charset="0"/>
-            </a:endParaRPr>
           </a:p>
           <a:p>
             <a:r>
@@ -3401,13 +3354,6 @@
               </a:rPr>
               <a:t>XML based file I/O</a:t>
             </a:r>
-            <a:endParaRPr lang="en-US" dirty="0" smtClean="0">
-              <a:solidFill>
-                <a:schemeClr val="bg1"/>
-              </a:solidFill>
-              <a:latin typeface="Calibri" pitchFamily="34" charset="0"/>
-              <a:cs typeface="Calibri" pitchFamily="34" charset="0"/>
-            </a:endParaRPr>
           </a:p>
           <a:p>
             <a:r>
@@ -3418,17 +3364,7 @@
                 <a:latin typeface="Calibri" pitchFamily="34" charset="0"/>
                 <a:cs typeface="Calibri" pitchFamily="34" charset="0"/>
               </a:rPr>
-              <a:t>Color coded </a:t>
-            </a:r>
-            <a:r>
-              <a:rPr lang="en-US" dirty="0" smtClean="0">
-                <a:solidFill>
-                  <a:schemeClr val="bg1"/>
-                </a:solidFill>
-                <a:latin typeface="Calibri" pitchFamily="34" charset="0"/>
-                <a:cs typeface="Calibri" pitchFamily="34" charset="0"/>
-              </a:rPr>
-              <a:t>interface</a:t>
+              <a:t>Color coded interface</a:t>
             </a:r>
             <a:endParaRPr lang="en-US" dirty="0">
               <a:solidFill>
@@ -3524,8 +3460,8 @@
         </p:nvSpPr>
         <p:spPr>
           <a:xfrm>
-            <a:off x="914400" y="1676400"/>
-            <a:ext cx="7772400" cy="4572000"/>
+            <a:off x="457200" y="1600200"/>
+            <a:ext cx="8229600" cy="4648200"/>
           </a:xfrm>
         </p:spPr>
         <p:txBody>
@@ -3542,8 +3478,10 @@
                 <a:latin typeface="Calibri" pitchFamily="34" charset="0"/>
                 <a:cs typeface="Calibri" pitchFamily="34" charset="0"/>
               </a:rPr>
-              <a:t>Interesting </a:t>
-            </a:r>
+              <a:t>Interesting topic</a:t>
+            </a:r>
+          </a:p>
+          <a:p>
             <a:r>
               <a:rPr lang="en-US" dirty="0" smtClean="0">
                 <a:solidFill>
@@ -3552,7 +3490,7 @@
                 <a:latin typeface="Calibri" pitchFamily="34" charset="0"/>
                 <a:cs typeface="Calibri" pitchFamily="34" charset="0"/>
               </a:rPr>
-              <a:t>topic</a:t>
+              <a:t>Difficult topic to learn </a:t>
             </a:r>
           </a:p>
           <a:p>
@@ -3564,8 +3502,10 @@
                 <a:latin typeface="Calibri" pitchFamily="34" charset="0"/>
                 <a:cs typeface="Calibri" pitchFamily="34" charset="0"/>
               </a:rPr>
-              <a:t>Difficult </a:t>
-            </a:r>
+              <a:t>Taught at various levels of the education</a:t>
+            </a:r>
+          </a:p>
+          <a:p>
             <a:r>
               <a:rPr lang="en-US" dirty="0" smtClean="0">
                 <a:solidFill>
@@ -3574,68 +3514,7 @@
                 <a:latin typeface="Calibri" pitchFamily="34" charset="0"/>
                 <a:cs typeface="Calibri" pitchFamily="34" charset="0"/>
               </a:rPr>
-              <a:t>topic to learn </a:t>
-            </a:r>
-            <a:endParaRPr lang="en-US" dirty="0" smtClean="0">
-              <a:solidFill>
-                <a:schemeClr val="bg1"/>
-              </a:solidFill>
-              <a:latin typeface="Calibri" pitchFamily="34" charset="0"/>
-              <a:cs typeface="Calibri" pitchFamily="34" charset="0"/>
-            </a:endParaRPr>
-          </a:p>
-          <a:p>
-            <a:r>
-              <a:rPr lang="en-US" dirty="0" smtClean="0">
-                <a:solidFill>
-                  <a:schemeClr val="bg1"/>
-                </a:solidFill>
-                <a:latin typeface="Calibri" pitchFamily="34" charset="0"/>
-                <a:cs typeface="Calibri" pitchFamily="34" charset="0"/>
-              </a:rPr>
-              <a:t>Taught </a:t>
-            </a:r>
-            <a:r>
-              <a:rPr lang="en-US" dirty="0" smtClean="0">
-                <a:solidFill>
-                  <a:schemeClr val="bg1"/>
-                </a:solidFill>
-                <a:latin typeface="Calibri" pitchFamily="34" charset="0"/>
-                <a:cs typeface="Calibri" pitchFamily="34" charset="0"/>
-              </a:rPr>
-              <a:t>at various levels of the </a:t>
-            </a:r>
-            <a:r>
-              <a:rPr lang="en-US" dirty="0" smtClean="0">
-                <a:solidFill>
-                  <a:schemeClr val="bg1"/>
-                </a:solidFill>
-                <a:latin typeface="Calibri" pitchFamily="34" charset="0"/>
-                <a:cs typeface="Calibri" pitchFamily="34" charset="0"/>
-              </a:rPr>
-              <a:t>education</a:t>
-            </a:r>
-          </a:p>
-          <a:p>
-            <a:r>
-              <a:rPr lang="en-US" dirty="0" smtClean="0">
-                <a:solidFill>
-                  <a:schemeClr val="bg1"/>
-                </a:solidFill>
-                <a:latin typeface="Calibri" pitchFamily="34" charset="0"/>
-                <a:cs typeface="Calibri" pitchFamily="34" charset="0"/>
-              </a:rPr>
-              <a:t>Useful </a:t>
-            </a:r>
-            <a:r>
-              <a:rPr lang="en-US" dirty="0" smtClean="0">
-                <a:solidFill>
-                  <a:schemeClr val="bg1"/>
-                </a:solidFill>
-                <a:latin typeface="Calibri" pitchFamily="34" charset="0"/>
-                <a:cs typeface="Calibri" pitchFamily="34" charset="0"/>
-              </a:rPr>
-              <a:t>for mapping a broad range of trigger </a:t>
+              <a:t>Useful for mapping a broad range of trigger </a:t>
             </a:r>
             <a:r>
               <a:rPr lang="en-US" dirty="0">
@@ -3889,6 +3768,24 @@
               </a:rPr>
               <a:t>Utilizes XML files </a:t>
             </a:r>
+          </a:p>
+          <a:p>
+            <a:r>
+              <a:rPr lang="en-US" dirty="0" smtClean="0">
+                <a:solidFill>
+                  <a:schemeClr val="bg1"/>
+                </a:solidFill>
+              </a:rPr>
+              <a:t>Generates lists for transitions, places, </a:t>
+            </a:r>
+            <a:r>
+              <a:rPr lang="en-US" dirty="0" err="1" smtClean="0">
+                <a:solidFill>
+                  <a:schemeClr val="bg1"/>
+                </a:solidFill>
+              </a:rPr>
+              <a:t>etc</a:t>
+            </a:r>
             <a:endParaRPr lang="en-US" dirty="0" smtClean="0">
               <a:solidFill>
                 <a:schemeClr val="bg1"/>
@@ -3902,7 +3799,7 @@
                   <a:schemeClr val="bg1"/>
                 </a:solidFill>
               </a:rPr>
-              <a:t>Generates lists for transitions, places, </a:t>
+              <a:t>Generates GUI objects and </a:t>
             </a:r>
             <a:r>
               <a:rPr lang="en-US" dirty="0" err="1" smtClean="0">
@@ -3910,7 +3807,7 @@
                   <a:schemeClr val="bg1"/>
                 </a:solidFill>
               </a:rPr>
-              <a:t>etc</a:t>
+              <a:t>mxGraph</a:t>
             </a:r>
             <a:endParaRPr lang="en-US" dirty="0" smtClean="0">
               <a:solidFill>
@@ -3925,21 +3822,18 @@
                   <a:schemeClr val="bg1"/>
                 </a:solidFill>
               </a:rPr>
-              <a:t>Generates GUI objects and </a:t>
-            </a:r>
-            <a:r>
-              <a:rPr lang="en-US" dirty="0" err="1" smtClean="0">
+              <a:t>Displays the main window</a:t>
+            </a:r>
+          </a:p>
+          <a:p>
+            <a:r>
+              <a:rPr lang="en-US" dirty="0" smtClean="0">
                 <a:solidFill>
                   <a:schemeClr val="bg1"/>
                 </a:solidFill>
               </a:rPr>
-              <a:t>mxGraph</a:t>
-            </a:r>
-            <a:endParaRPr lang="en-US" dirty="0" smtClean="0">
-              <a:solidFill>
-                <a:schemeClr val="bg1"/>
-              </a:solidFill>
-            </a:endParaRPr>
+              <a:t>Fire transitions in any order you like</a:t>
+            </a:r>
           </a:p>
           <a:p>
             <a:r>
@@ -3948,51 +3842,7 @@
                   <a:schemeClr val="bg1"/>
                 </a:solidFill>
               </a:rPr>
-              <a:t>Displays the main </a:t>
-            </a:r>
-            <a:r>
-              <a:rPr lang="en-US" dirty="0" smtClean="0">
-                <a:solidFill>
-                  <a:schemeClr val="bg1"/>
-                </a:solidFill>
-              </a:rPr>
-              <a:t>window</a:t>
-            </a:r>
-          </a:p>
-          <a:p>
-            <a:r>
-              <a:rPr lang="en-US" dirty="0" smtClean="0">
-                <a:solidFill>
-                  <a:schemeClr val="bg1"/>
-                </a:solidFill>
-              </a:rPr>
-              <a:t>Fire </a:t>
-            </a:r>
-            <a:r>
-              <a:rPr lang="en-US" dirty="0" smtClean="0">
-                <a:solidFill>
-                  <a:schemeClr val="bg1"/>
-                </a:solidFill>
-              </a:rPr>
-              <a:t>transitions in any order you like</a:t>
-            </a:r>
-          </a:p>
-          <a:p>
-            <a:r>
-              <a:rPr lang="en-US" dirty="0" smtClean="0">
-                <a:solidFill>
-                  <a:schemeClr val="bg1"/>
-                </a:solidFill>
-              </a:rPr>
-              <a:t>Updates </a:t>
-            </a:r>
-            <a:r>
-              <a:rPr lang="en-US" dirty="0" smtClean="0">
-                <a:solidFill>
-                  <a:schemeClr val="bg1"/>
-                </a:solidFill>
-              </a:rPr>
-              <a:t>the color coding each firing</a:t>
+              <a:t>Updates the color coding each firing</a:t>
             </a:r>
             <a:endParaRPr lang="en-US" dirty="0">
               <a:solidFill>
@@ -4058,32 +3908,15 @@
           </a:p>
         </p:txBody>
       </p:sp>
-      <p:sp>
-        <p:nvSpPr>
-          <p:cNvPr id="2" name="Content Placeholder 1"/>
-          <p:cNvSpPr>
-            <a:spLocks noGrp="1"/>
-          </p:cNvSpPr>
-          <p:nvPr>
-            <p:ph idx="1"/>
-          </p:nvPr>
-        </p:nvSpPr>
-        <p:spPr/>
-        <p:txBody>
-          <a:bodyPr/>
-          <a:lstStyle/>
-          <a:p>
-            <a:endParaRPr lang="en-US"/>
-          </a:p>
-        </p:txBody>
-      </p:sp>
       <p:pic>
         <p:nvPicPr>
-          <p:cNvPr id="1026" name="Picture 2"/>
+          <p:cNvPr id="4" name="Content Placeholder 3"/>
           <p:cNvPicPr>
-            <a:picLocks noChangeAspect="1" noChangeArrowheads="1"/>
+            <a:picLocks noGrp="1" noChangeAspect="1"/>
           </p:cNvPicPr>
-          <p:nvPr/>
+          <p:nvPr>
+            <p:ph idx="1"/>
+          </p:nvPr>
         </p:nvPicPr>
         <p:blipFill>
           <a:blip r:embed="rId2">
@@ -4093,52 +3926,15 @@
               </a:ext>
             </a:extLst>
           </a:blip>
-          <a:srcRect/>
           <a:stretch>
             <a:fillRect/>
           </a:stretch>
         </p:blipFill>
-        <p:spPr bwMode="auto">
+        <p:spPr>
           <a:xfrm>
-            <a:off x="-932" y="0"/>
-            <a:ext cx="9146599" cy="6858000"/>
+            <a:off x="1" y="0"/>
+            <a:ext cx="9144000" cy="6858000"/>
           </a:xfrm>
-          <a:prstGeom prst="rect">
-            <a:avLst/>
-          </a:prstGeom>
-          <a:noFill/>
-          <a:ln>
-            <a:noFill/>
-          </a:ln>
-          <a:effectLst/>
-          <a:extLst>
-            <a:ext uri="{909E8E84-426E-40DD-AFC4-6F175D3DCCD1}">
-              <a14:hiddenFill xmlns:a14="http://schemas.microsoft.com/office/drawing/2010/main">
-                <a:solidFill>
-                  <a:schemeClr val="accent1"/>
-                </a:solidFill>
-              </a14:hiddenFill>
-            </a:ext>
-            <a:ext uri="{91240B29-F687-4F45-9708-019B960494DF}">
-              <a14:hiddenLine xmlns:a14="http://schemas.microsoft.com/office/drawing/2010/main" w="9525">
-                <a:solidFill>
-                  <a:schemeClr val="tx1"/>
-                </a:solidFill>
-                <a:miter lim="800000"/>
-                <a:headEnd/>
-                <a:tailEnd/>
-              </a14:hiddenLine>
-            </a:ext>
-            <a:ext uri="{AF507438-7753-43E0-B8FC-AC1667EBCBE1}">
-              <a14:hiddenEffects xmlns:a14="http://schemas.microsoft.com/office/drawing/2010/main">
-                <a:effectLst>
-                  <a:outerShdw dist="35921" dir="2700000" algn="ctr" rotWithShape="0">
-                    <a:schemeClr val="bg2"/>
-                  </a:outerShdw>
-                </a:effectLst>
-              </a14:hiddenEffects>
-            </a:ext>
-          </a:extLst>
         </p:spPr>
       </p:pic>
     </p:spTree>
@@ -4219,7 +4015,12 @@
             <p:ph idx="1"/>
           </p:nvPr>
         </p:nvSpPr>
-        <p:spPr/>
+        <p:spPr>
+          <a:xfrm>
+            <a:off x="2743200" y="3124200"/>
+            <a:ext cx="3657600" cy="3001963"/>
+          </a:xfrm>
+        </p:spPr>
         <p:txBody>
           <a:bodyPr/>
           <a:lstStyle/>
@@ -4227,22 +4028,6 @@
             <a:pPr marL="0" indent="0">
               <a:buNone/>
             </a:pPr>
-            <a:r>
-              <a:rPr lang="en-US" dirty="0" err="1" smtClean="0">
-                <a:solidFill>
-                  <a:schemeClr val="bg1"/>
-                </a:solidFill>
-              </a:rPr>
-              <a:t>Postive</a:t>
-            </a:r>
-            <a:r>
-              <a:rPr lang="en-US" smtClean="0">
-                <a:solidFill>
-                  <a:schemeClr val="bg1"/>
-                </a:solidFill>
-              </a:rPr>
-              <a:t>?</a:t>
-            </a:r>
             <a:endParaRPr lang="en-US" dirty="0">
               <a:solidFill>
                 <a:schemeClr val="bg1"/>
@@ -4253,9 +4038,9 @@
       </p:sp>
       <p:pic>
         <p:nvPicPr>
-          <p:cNvPr id="2050" name="Picture 2"/>
+          <p:cNvPr id="4" name="Picture 3"/>
           <p:cNvPicPr>
-            <a:picLocks noChangeAspect="1" noChangeArrowheads="1"/>
+            <a:picLocks noChangeAspect="1"/>
           </p:cNvPicPr>
           <p:nvPr/>
         </p:nvPicPr>
@@ -4267,145 +4052,24 @@
               </a:ext>
             </a:extLst>
           </a:blip>
-          <a:srcRect/>
           <a:stretch>
             <a:fillRect/>
           </a:stretch>
         </p:blipFill>
-        <p:spPr bwMode="auto">
+        <p:spPr>
           <a:xfrm>
-            <a:off x="2667000" y="3352800"/>
-            <a:ext cx="3810000" cy="2857500"/>
+            <a:off x="1143000" y="1440872"/>
+            <a:ext cx="6858000" cy="5244353"/>
           </a:xfrm>
           <a:prstGeom prst="rect">
             <a:avLst/>
           </a:prstGeom>
-          <a:noFill/>
-          <a:ln>
-            <a:noFill/>
-          </a:ln>
-          <a:effectLst/>
-          <a:extLst>
-            <a:ext uri="{909E8E84-426E-40DD-AFC4-6F175D3DCCD1}">
-              <a14:hiddenFill xmlns:a14="http://schemas.microsoft.com/office/drawing/2010/main">
-                <a:solidFill>
-                  <a:schemeClr val="accent1"/>
-                </a:solidFill>
-              </a14:hiddenFill>
-            </a:ext>
-            <a:ext uri="{91240B29-F687-4F45-9708-019B960494DF}">
-              <a14:hiddenLine xmlns:a14="http://schemas.microsoft.com/office/drawing/2010/main" w="9525">
-                <a:solidFill>
-                  <a:schemeClr val="tx1"/>
-                </a:solidFill>
-                <a:miter lim="800000"/>
-                <a:headEnd/>
-                <a:tailEnd/>
-              </a14:hiddenLine>
-            </a:ext>
-            <a:ext uri="{AF507438-7753-43E0-B8FC-AC1667EBCBE1}">
-              <a14:hiddenEffects xmlns:a14="http://schemas.microsoft.com/office/drawing/2010/main">
-                <a:effectLst>
-                  <a:outerShdw dist="35921" dir="2700000" algn="ctr" rotWithShape="0">
-                    <a:schemeClr val="bg2"/>
-                  </a:outerShdw>
-                </a:effectLst>
-              </a14:hiddenEffects>
-            </a:ext>
-          </a:extLst>
         </p:spPr>
       </p:pic>
     </p:spTree>
     <p:extLst>
       <p:ext uri="{BB962C8B-B14F-4D97-AF65-F5344CB8AC3E}">
         <p14:creationId xmlns:p14="http://schemas.microsoft.com/office/powerpoint/2010/main" val="1981994058"/>
-      </p:ext>
-    </p:extLst>
-  </p:cSld>
-  <p:clrMapOvr>
-    <a:masterClrMapping/>
-  </p:clrMapOvr>
-  <p:timing>
-    <p:tnLst>
-      <p:par>
-        <p:cTn id="1" dur="indefinite" restart="never" nodeType="tmRoot"/>
-      </p:par>
-    </p:tnLst>
-  </p:timing>
-</p:sld>
-</file>
-
-<file path=ppt/slides/slide7.xml><?xml version="1.0" encoding="utf-8"?>
-<p:sld xmlns:a="http://schemas.openxmlformats.org/drawingml/2006/main" xmlns:r="http://schemas.openxmlformats.org/officeDocument/2006/relationships" xmlns:p="http://schemas.openxmlformats.org/presentationml/2006/main">
-  <p:cSld>
-    <p:spTree>
-      <p:nvGrpSpPr>
-        <p:cNvPr id="1" name=""/>
-        <p:cNvGrpSpPr/>
-        <p:nvPr/>
-      </p:nvGrpSpPr>
-      <p:grpSpPr>
-        <a:xfrm>
-          <a:off x="0" y="0"/>
-          <a:ext cx="0" cy="0"/>
-          <a:chOff x="0" y="0"/>
-          <a:chExt cx="0" cy="0"/>
-        </a:xfrm>
-      </p:grpSpPr>
-      <p:sp>
-        <p:nvSpPr>
-          <p:cNvPr id="3" name="Title 2"/>
-          <p:cNvSpPr>
-            <a:spLocks noGrp="1"/>
-          </p:cNvSpPr>
-          <p:nvPr>
-            <p:ph type="title"/>
-          </p:nvPr>
-        </p:nvSpPr>
-        <p:spPr/>
-        <p:txBody>
-          <a:bodyPr/>
-          <a:lstStyle/>
-          <a:p>
-            <a:r>
-              <a:rPr lang="en-US" dirty="0" smtClean="0">
-                <a:solidFill>
-                  <a:schemeClr val="bg1"/>
-                </a:solidFill>
-              </a:rPr>
-              <a:t>Conclusion</a:t>
-            </a:r>
-            <a:endParaRPr lang="en-US" dirty="0">
-              <a:solidFill>
-                <a:schemeClr val="bg1"/>
-              </a:solidFill>
-            </a:endParaRPr>
-          </a:p>
-        </p:txBody>
-      </p:sp>
-      <p:sp>
-        <p:nvSpPr>
-          <p:cNvPr id="2" name="Content Placeholder 1"/>
-          <p:cNvSpPr>
-            <a:spLocks noGrp="1"/>
-          </p:cNvSpPr>
-          <p:nvPr>
-            <p:ph idx="1"/>
-          </p:nvPr>
-        </p:nvSpPr>
-        <p:spPr/>
-        <p:txBody>
-          <a:bodyPr/>
-          <a:lstStyle/>
-          <a:p>
-            <a:endParaRPr lang="en-US" dirty="0"/>
-          </a:p>
-        </p:txBody>
-      </p:sp>
-    </p:spTree>
-    <p:extLst>
-      <p:ext uri="{BB962C8B-B14F-4D97-AF65-F5344CB8AC3E}">
-        <p14:creationId xmlns:p14="http://schemas.microsoft.com/office/powerpoint/2010/main" val="1884522462"/>
       </p:ext>
     </p:extLst>
   </p:cSld>

--- a/JPeNS_Presentation.pptx
+++ b/JPeNS_Presentation.pptx
@@ -293,7 +293,7 @@
           <a:p>
             <a:fld id="{DBE87E32-EAB1-466E-96FF-E88AF3478657}" type="datetimeFigureOut">
               <a:rPr lang="en-US" smtClean="0"/>
-              <a:t>4/10/2012</a:t>
+              <a:t>4/11/2012</a:t>
             </a:fld>
             <a:endParaRPr lang="en-US" dirty="0"/>
           </a:p>
@@ -463,7 +463,7 @@
           <a:p>
             <a:fld id="{DBE87E32-EAB1-466E-96FF-E88AF3478657}" type="datetimeFigureOut">
               <a:rPr lang="en-US" smtClean="0"/>
-              <a:t>4/10/2012</a:t>
+              <a:t>4/11/2012</a:t>
             </a:fld>
             <a:endParaRPr lang="en-US" dirty="0"/>
           </a:p>
@@ -643,7 +643,7 @@
           <a:p>
             <a:fld id="{DBE87E32-EAB1-466E-96FF-E88AF3478657}" type="datetimeFigureOut">
               <a:rPr lang="en-US" smtClean="0"/>
-              <a:t>4/10/2012</a:t>
+              <a:t>4/11/2012</a:t>
             </a:fld>
             <a:endParaRPr lang="en-US" dirty="0"/>
           </a:p>
@@ -813,7 +813,7 @@
           <a:p>
             <a:fld id="{DBE87E32-EAB1-466E-96FF-E88AF3478657}" type="datetimeFigureOut">
               <a:rPr lang="en-US" smtClean="0"/>
-              <a:t>4/10/2012</a:t>
+              <a:t>4/11/2012</a:t>
             </a:fld>
             <a:endParaRPr lang="en-US" dirty="0"/>
           </a:p>
@@ -1059,7 +1059,7 @@
           <a:p>
             <a:fld id="{DBE87E32-EAB1-466E-96FF-E88AF3478657}" type="datetimeFigureOut">
               <a:rPr lang="en-US" smtClean="0"/>
-              <a:t>4/10/2012</a:t>
+              <a:t>4/11/2012</a:t>
             </a:fld>
             <a:endParaRPr lang="en-US" dirty="0"/>
           </a:p>
@@ -1347,7 +1347,7 @@
           <a:p>
             <a:fld id="{DBE87E32-EAB1-466E-96FF-E88AF3478657}" type="datetimeFigureOut">
               <a:rPr lang="en-US" smtClean="0"/>
-              <a:t>4/10/2012</a:t>
+              <a:t>4/11/2012</a:t>
             </a:fld>
             <a:endParaRPr lang="en-US" dirty="0"/>
           </a:p>
@@ -1769,7 +1769,7 @@
           <a:p>
             <a:fld id="{DBE87E32-EAB1-466E-96FF-E88AF3478657}" type="datetimeFigureOut">
               <a:rPr lang="en-US" smtClean="0"/>
-              <a:t>4/10/2012</a:t>
+              <a:t>4/11/2012</a:t>
             </a:fld>
             <a:endParaRPr lang="en-US" dirty="0"/>
           </a:p>
@@ -1887,7 +1887,7 @@
           <a:p>
             <a:fld id="{DBE87E32-EAB1-466E-96FF-E88AF3478657}" type="datetimeFigureOut">
               <a:rPr lang="en-US" smtClean="0"/>
-              <a:t>4/10/2012</a:t>
+              <a:t>4/11/2012</a:t>
             </a:fld>
             <a:endParaRPr lang="en-US" dirty="0"/>
           </a:p>
@@ -1982,7 +1982,7 @@
           <a:p>
             <a:fld id="{DBE87E32-EAB1-466E-96FF-E88AF3478657}" type="datetimeFigureOut">
               <a:rPr lang="en-US" smtClean="0"/>
-              <a:t>4/10/2012</a:t>
+              <a:t>4/11/2012</a:t>
             </a:fld>
             <a:endParaRPr lang="en-US" dirty="0"/>
           </a:p>
@@ -2259,7 +2259,7 @@
           <a:p>
             <a:fld id="{DBE87E32-EAB1-466E-96FF-E88AF3478657}" type="datetimeFigureOut">
               <a:rPr lang="en-US" smtClean="0"/>
-              <a:t>4/10/2012</a:t>
+              <a:t>4/11/2012</a:t>
             </a:fld>
             <a:endParaRPr lang="en-US" dirty="0"/>
           </a:p>
@@ -2512,7 +2512,7 @@
           <a:p>
             <a:fld id="{DBE87E32-EAB1-466E-96FF-E88AF3478657}" type="datetimeFigureOut">
               <a:rPr lang="en-US" smtClean="0"/>
-              <a:t>4/10/2012</a:t>
+              <a:t>4/11/2012</a:t>
             </a:fld>
             <a:endParaRPr lang="en-US" dirty="0"/>
           </a:p>
@@ -2728,7 +2728,7 @@
           <a:p>
             <a:fld id="{DBE87E32-EAB1-466E-96FF-E88AF3478657}" type="datetimeFigureOut">
               <a:rPr lang="en-US" smtClean="0"/>
-              <a:t>4/10/2012</a:t>
+              <a:t>4/11/2012</a:t>
             </a:fld>
             <a:endParaRPr lang="en-US" dirty="0"/>
           </a:p>
@@ -3115,8 +3115,8 @@
         </p:nvSpPr>
         <p:spPr>
           <a:xfrm>
-            <a:off x="609600" y="1600200"/>
-            <a:ext cx="8305800" cy="1975104"/>
+            <a:off x="228600" y="1600200"/>
+            <a:ext cx="8686800" cy="1975104"/>
           </a:xfrm>
         </p:spPr>
         <p:txBody>
@@ -3175,8 +3175,8 @@
         </p:nvSpPr>
         <p:spPr>
           <a:xfrm>
-            <a:off x="609600" y="3581400"/>
-            <a:ext cx="8305800" cy="2015196"/>
+            <a:off x="228600" y="3581400"/>
+            <a:ext cx="8686800" cy="2015196"/>
           </a:xfrm>
         </p:spPr>
         <p:txBody>

--- a/JPeNS_Presentation.pptx
+++ b/JPeNS_Presentation.pptx
@@ -6,11 +6,14 @@
   </p:sldMasterIdLst>
   <p:sldIdLst>
     <p:sldId id="256" r:id="rId2"/>
-    <p:sldId id="257" r:id="rId3"/>
-    <p:sldId id="258" r:id="rId4"/>
-    <p:sldId id="259" r:id="rId5"/>
-    <p:sldId id="262" r:id="rId6"/>
-    <p:sldId id="261" r:id="rId7"/>
+    <p:sldId id="263" r:id="rId3"/>
+    <p:sldId id="264" r:id="rId4"/>
+    <p:sldId id="257" r:id="rId5"/>
+    <p:sldId id="258" r:id="rId6"/>
+    <p:sldId id="259" r:id="rId7"/>
+    <p:sldId id="261" r:id="rId8"/>
+    <p:sldId id="265" r:id="rId9"/>
+    <p:sldId id="262" r:id="rId10"/>
   </p:sldIdLst>
   <p:sldSz cx="9144000" cy="6858000" type="screen4x3"/>
   <p:notesSz cx="6858000" cy="9144000"/>
@@ -293,7 +296,7 @@
           <a:p>
             <a:fld id="{DBE87E32-EAB1-466E-96FF-E88AF3478657}" type="datetimeFigureOut">
               <a:rPr lang="en-US" smtClean="0"/>
-              <a:t>4/11/2012</a:t>
+              <a:t>4/11/12</a:t>
             </a:fld>
             <a:endParaRPr lang="en-US" dirty="0"/>
           </a:p>
@@ -463,7 +466,7 @@
           <a:p>
             <a:fld id="{DBE87E32-EAB1-466E-96FF-E88AF3478657}" type="datetimeFigureOut">
               <a:rPr lang="en-US" smtClean="0"/>
-              <a:t>4/11/2012</a:t>
+              <a:t>4/11/12</a:t>
             </a:fld>
             <a:endParaRPr lang="en-US" dirty="0"/>
           </a:p>
@@ -643,7 +646,7 @@
           <a:p>
             <a:fld id="{DBE87E32-EAB1-466E-96FF-E88AF3478657}" type="datetimeFigureOut">
               <a:rPr lang="en-US" smtClean="0"/>
-              <a:t>4/11/2012</a:t>
+              <a:t>4/11/12</a:t>
             </a:fld>
             <a:endParaRPr lang="en-US" dirty="0"/>
           </a:p>
@@ -813,7 +816,7 @@
           <a:p>
             <a:fld id="{DBE87E32-EAB1-466E-96FF-E88AF3478657}" type="datetimeFigureOut">
               <a:rPr lang="en-US" smtClean="0"/>
-              <a:t>4/11/2012</a:t>
+              <a:t>4/11/12</a:t>
             </a:fld>
             <a:endParaRPr lang="en-US" dirty="0"/>
           </a:p>
@@ -1059,7 +1062,7 @@
           <a:p>
             <a:fld id="{DBE87E32-EAB1-466E-96FF-E88AF3478657}" type="datetimeFigureOut">
               <a:rPr lang="en-US" smtClean="0"/>
-              <a:t>4/11/2012</a:t>
+              <a:t>4/11/12</a:t>
             </a:fld>
             <a:endParaRPr lang="en-US" dirty="0"/>
           </a:p>
@@ -1347,7 +1350,7 @@
           <a:p>
             <a:fld id="{DBE87E32-EAB1-466E-96FF-E88AF3478657}" type="datetimeFigureOut">
               <a:rPr lang="en-US" smtClean="0"/>
-              <a:t>4/11/2012</a:t>
+              <a:t>4/11/12</a:t>
             </a:fld>
             <a:endParaRPr lang="en-US" dirty="0"/>
           </a:p>
@@ -1769,7 +1772,7 @@
           <a:p>
             <a:fld id="{DBE87E32-EAB1-466E-96FF-E88AF3478657}" type="datetimeFigureOut">
               <a:rPr lang="en-US" smtClean="0"/>
-              <a:t>4/11/2012</a:t>
+              <a:t>4/11/12</a:t>
             </a:fld>
             <a:endParaRPr lang="en-US" dirty="0"/>
           </a:p>
@@ -1887,7 +1890,7 @@
           <a:p>
             <a:fld id="{DBE87E32-EAB1-466E-96FF-E88AF3478657}" type="datetimeFigureOut">
               <a:rPr lang="en-US" smtClean="0"/>
-              <a:t>4/11/2012</a:t>
+              <a:t>4/11/12</a:t>
             </a:fld>
             <a:endParaRPr lang="en-US" dirty="0"/>
           </a:p>
@@ -1982,7 +1985,7 @@
           <a:p>
             <a:fld id="{DBE87E32-EAB1-466E-96FF-E88AF3478657}" type="datetimeFigureOut">
               <a:rPr lang="en-US" smtClean="0"/>
-              <a:t>4/11/2012</a:t>
+              <a:t>4/11/12</a:t>
             </a:fld>
             <a:endParaRPr lang="en-US" dirty="0"/>
           </a:p>
@@ -2259,7 +2262,7 @@
           <a:p>
             <a:fld id="{DBE87E32-EAB1-466E-96FF-E88AF3478657}" type="datetimeFigureOut">
               <a:rPr lang="en-US" smtClean="0"/>
-              <a:t>4/11/2012</a:t>
+              <a:t>4/11/12</a:t>
             </a:fld>
             <a:endParaRPr lang="en-US" dirty="0"/>
           </a:p>
@@ -2512,7 +2515,7 @@
           <a:p>
             <a:fld id="{DBE87E32-EAB1-466E-96FF-E88AF3478657}" type="datetimeFigureOut">
               <a:rPr lang="en-US" smtClean="0"/>
-              <a:t>4/11/2012</a:t>
+              <a:t>4/11/12</a:t>
             </a:fld>
             <a:endParaRPr lang="en-US" dirty="0"/>
           </a:p>
@@ -2728,7 +2731,7 @@
           <a:p>
             <a:fld id="{DBE87E32-EAB1-466E-96FF-E88AF3478657}" type="datetimeFigureOut">
               <a:rPr lang="en-US" smtClean="0"/>
-              <a:t>4/11/2012</a:t>
+              <a:t>4/11/12</a:t>
             </a:fld>
             <a:endParaRPr lang="en-US" dirty="0"/>
           </a:p>
@@ -3194,14 +3197,21 @@
             </a:r>
           </a:p>
           <a:p>
-            <a:pPr algn="ctr"/>
+            <a:r>
+              <a:rPr lang="en-US" sz="1600" dirty="0">
+                <a:solidFill>
+                  <a:schemeClr val="bg1"/>
+                </a:solidFill>
+              </a:rPr>
+              <a:t>Chris Hobbs </a:t>
+            </a:r>
             <a:r>
               <a:rPr lang="en-US" sz="1600" dirty="0" smtClean="0">
                 <a:solidFill>
                   <a:schemeClr val="bg1"/>
                 </a:solidFill>
               </a:rPr>
-              <a:t>Jonathan Babbitt &amp; Chris Hobbs</a:t>
+              <a:t>&amp; Jonathan Babbitt</a:t>
             </a:r>
             <a:endParaRPr lang="en-US" sz="1600" dirty="0">
               <a:solidFill>
@@ -3224,7 +3234,7 @@
   <p:timing>
     <p:tnLst>
       <p:par>
-        <p:cTn id="1" dur="indefinite" restart="never" nodeType="tmRoot"/>
+        <p:cTn xmlns:p14="http://schemas.microsoft.com/office/powerpoint/2010/main" id="1" dur="indefinite" restart="never" nodeType="tmRoot"/>
       </p:par>
     </p:tnLst>
   </p:timing>
@@ -3250,6 +3260,871 @@
       </p:grpSpPr>
       <p:sp>
         <p:nvSpPr>
+          <p:cNvPr id="2" name="Title 1"/>
+          <p:cNvSpPr>
+            <a:spLocks noGrp="1"/>
+          </p:cNvSpPr>
+          <p:nvPr>
+            <p:ph type="title"/>
+          </p:nvPr>
+        </p:nvSpPr>
+        <p:spPr/>
+        <p:txBody>
+          <a:bodyPr>
+            <a:normAutofit/>
+          </a:bodyPr>
+          <a:lstStyle/>
+          <a:p>
+            <a:r>
+              <a:rPr lang="en-US" dirty="0" smtClean="0">
+                <a:solidFill>
+                  <a:schemeClr val="bg1"/>
+                </a:solidFill>
+              </a:rPr>
+              <a:t>Petri Networks</a:t>
+            </a:r>
+            <a:endParaRPr lang="en-US" dirty="0">
+              <a:solidFill>
+                <a:schemeClr val="bg1"/>
+              </a:solidFill>
+            </a:endParaRPr>
+          </a:p>
+        </p:txBody>
+      </p:sp>
+      <p:sp>
+        <p:nvSpPr>
+          <p:cNvPr id="3" name="Content Placeholder 2"/>
+          <p:cNvSpPr>
+            <a:spLocks noGrp="1"/>
+          </p:cNvSpPr>
+          <p:nvPr>
+            <p:ph idx="1"/>
+          </p:nvPr>
+        </p:nvSpPr>
+        <p:spPr>
+          <a:xfrm>
+            <a:off x="1447800" y="1905000"/>
+            <a:ext cx="8229600" cy="4525963"/>
+          </a:xfrm>
+        </p:spPr>
+        <p:txBody>
+          <a:bodyPr/>
+          <a:lstStyle/>
+          <a:p>
+            <a:r>
+              <a:rPr lang="en-US" dirty="0" smtClean="0">
+                <a:solidFill>
+                  <a:srgbClr val="FFFFFF"/>
+                </a:solidFill>
+              </a:rPr>
+              <a:t>A directed graph</a:t>
+            </a:r>
+          </a:p>
+          <a:p>
+            <a:r>
+              <a:rPr lang="en-US" dirty="0" smtClean="0">
+                <a:solidFill>
+                  <a:srgbClr val="FFFFFF"/>
+                </a:solidFill>
+              </a:rPr>
+              <a:t>Consists of Places, Transitions, Arcs</a:t>
+            </a:r>
+          </a:p>
+          <a:p>
+            <a:pPr marL="0" indent="0">
+              <a:buNone/>
+            </a:pPr>
+            <a:endParaRPr lang="en-US" dirty="0">
+              <a:solidFill>
+                <a:srgbClr val="FFFFFF"/>
+              </a:solidFill>
+            </a:endParaRPr>
+          </a:p>
+        </p:txBody>
+      </p:sp>
+      <p:pic>
+        <p:nvPicPr>
+          <p:cNvPr id="4" name="Picture 3" descr="Petri_Net_A.jpg"/>
+          <p:cNvPicPr>
+            <a:picLocks noChangeAspect="1"/>
+          </p:cNvPicPr>
+          <p:nvPr/>
+        </p:nvPicPr>
+        <p:blipFill>
+          <a:blip r:embed="rId2">
+            <a:alphaModFix/>
+            <a:extLst>
+              <a:ext uri="{28A0092B-C50C-407E-A947-70E740481C1C}">
+                <a14:useLocalDpi xmlns:a14="http://schemas.microsoft.com/office/drawing/2010/main" val="0"/>
+              </a:ext>
+            </a:extLst>
+          </a:blip>
+          <a:stretch>
+            <a:fillRect/>
+          </a:stretch>
+        </p:blipFill>
+        <p:spPr>
+          <a:xfrm>
+            <a:off x="2209800" y="3581400"/>
+            <a:ext cx="4331293" cy="2122334"/>
+          </a:xfrm>
+          <a:prstGeom prst="rect">
+            <a:avLst/>
+          </a:prstGeom>
+          <a:ln>
+            <a:solidFill>
+              <a:srgbClr val="4F81BD"/>
+            </a:solidFill>
+          </a:ln>
+          <a:effectLst>
+            <a:reflection blurRad="6350" stA="52000" endA="300" endPos="35000" dir="5400000" sy="-100000" algn="bl" rotWithShape="0"/>
+          </a:effectLst>
+        </p:spPr>
+      </p:pic>
+      <p:sp>
+        <p:nvSpPr>
+          <p:cNvPr id="5" name="TextBox 4"/>
+          <p:cNvSpPr txBox="1"/>
+          <p:nvPr/>
+        </p:nvSpPr>
+        <p:spPr>
+          <a:xfrm>
+            <a:off x="5562600" y="6400800"/>
+            <a:ext cx="3429000" cy="276999"/>
+          </a:xfrm>
+          <a:prstGeom prst="rect">
+            <a:avLst/>
+          </a:prstGeom>
+          <a:noFill/>
+        </p:spPr>
+        <p:txBody>
+          <a:bodyPr wrap="square" rtlCol="0">
+            <a:spAutoFit/>
+          </a:bodyPr>
+          <a:lstStyle/>
+          <a:p>
+            <a:r>
+              <a:rPr lang="en-US" sz="1200" dirty="0">
+                <a:solidFill>
+                  <a:schemeClr val="bg1"/>
+                </a:solidFill>
+              </a:rPr>
+              <a:t>http://</a:t>
+            </a:r>
+            <a:r>
+              <a:rPr lang="en-US" sz="1200" dirty="0" err="1">
+                <a:solidFill>
+                  <a:schemeClr val="bg1"/>
+                </a:solidFill>
+              </a:rPr>
+              <a:t>en.wikipedia.org</a:t>
+            </a:r>
+            <a:r>
+              <a:rPr lang="en-US" sz="1200" dirty="0">
+                <a:solidFill>
+                  <a:schemeClr val="bg1"/>
+                </a:solidFill>
+              </a:rPr>
+              <a:t>/wiki/</a:t>
+            </a:r>
+            <a:r>
+              <a:rPr lang="en-US" sz="1200" dirty="0" err="1">
+                <a:solidFill>
+                  <a:schemeClr val="bg1"/>
+                </a:solidFill>
+              </a:rPr>
+              <a:t>File:Petri_Net_A.jpg</a:t>
+            </a:r>
+            <a:endParaRPr lang="en-US" sz="1200" dirty="0">
+              <a:solidFill>
+                <a:schemeClr val="bg1"/>
+              </a:solidFill>
+            </a:endParaRPr>
+          </a:p>
+        </p:txBody>
+      </p:sp>
+    </p:spTree>
+    <p:extLst>
+      <p:ext uri="{BB962C8B-B14F-4D97-AF65-F5344CB8AC3E}">
+        <p14:creationId xmlns:p14="http://schemas.microsoft.com/office/powerpoint/2010/main" val="1815241586"/>
+      </p:ext>
+    </p:extLst>
+  </p:cSld>
+  <p:clrMapOvr>
+    <a:masterClrMapping/>
+  </p:clrMapOvr>
+</p:sld>
+</file>
+
+<file path=ppt/slides/slide3.xml><?xml version="1.0" encoding="utf-8"?>
+<p:sld xmlns:a="http://schemas.openxmlformats.org/drawingml/2006/main" xmlns:r="http://schemas.openxmlformats.org/officeDocument/2006/relationships" xmlns:p="http://schemas.openxmlformats.org/presentationml/2006/main">
+  <p:cSld>
+    <p:spTree>
+      <p:nvGrpSpPr>
+        <p:cNvPr id="1" name=""/>
+        <p:cNvGrpSpPr/>
+        <p:nvPr/>
+      </p:nvGrpSpPr>
+      <p:grpSpPr>
+        <a:xfrm>
+          <a:off x="0" y="0"/>
+          <a:ext cx="0" cy="0"/>
+          <a:chOff x="0" y="0"/>
+          <a:chExt cx="0" cy="0"/>
+        </a:xfrm>
+      </p:grpSpPr>
+      <p:sp>
+        <p:nvSpPr>
+          <p:cNvPr id="2" name="Title 1"/>
+          <p:cNvSpPr>
+            <a:spLocks noGrp="1"/>
+          </p:cNvSpPr>
+          <p:nvPr>
+            <p:ph type="title"/>
+          </p:nvPr>
+        </p:nvSpPr>
+        <p:spPr/>
+        <p:txBody>
+          <a:bodyPr>
+            <a:normAutofit/>
+          </a:bodyPr>
+          <a:lstStyle/>
+          <a:p>
+            <a:r>
+              <a:rPr lang="en-US" dirty="0" smtClean="0">
+                <a:solidFill>
+                  <a:srgbClr val="FFFFFF"/>
+                </a:solidFill>
+              </a:rPr>
+              <a:t>Turning off the lights</a:t>
+            </a:r>
+            <a:endParaRPr lang="en-US" dirty="0">
+              <a:solidFill>
+                <a:srgbClr val="FFFFFF"/>
+              </a:solidFill>
+            </a:endParaRPr>
+          </a:p>
+        </p:txBody>
+      </p:sp>
+      <p:pic>
+        <p:nvPicPr>
+          <p:cNvPr id="4" name="Picture 3" descr="IMG_0743.jpg"/>
+          <p:cNvPicPr>
+            <a:picLocks noChangeAspect="1"/>
+          </p:cNvPicPr>
+          <p:nvPr/>
+        </p:nvPicPr>
+        <p:blipFill>
+          <a:blip r:embed="rId2">
+            <a:extLst>
+              <a:ext uri="{28A0092B-C50C-407E-A947-70E740481C1C}">
+                <a14:useLocalDpi xmlns:a14="http://schemas.microsoft.com/office/drawing/2010/main" val="0"/>
+              </a:ext>
+            </a:extLst>
+          </a:blip>
+          <a:stretch>
+            <a:fillRect/>
+          </a:stretch>
+        </p:blipFill>
+        <p:spPr>
+          <a:xfrm>
+            <a:off x="1371600" y="3200400"/>
+            <a:ext cx="1354873" cy="1600200"/>
+          </a:xfrm>
+          <a:prstGeom prst="rect">
+            <a:avLst/>
+          </a:prstGeom>
+        </p:spPr>
+      </p:pic>
+      <p:pic>
+        <p:nvPicPr>
+          <p:cNvPr id="5" name="Picture 4" descr="IMG_0744.jpg"/>
+          <p:cNvPicPr>
+            <a:picLocks noChangeAspect="1"/>
+          </p:cNvPicPr>
+          <p:nvPr/>
+        </p:nvPicPr>
+        <p:blipFill>
+          <a:blip r:embed="rId3">
+            <a:extLst>
+              <a:ext uri="{28A0092B-C50C-407E-A947-70E740481C1C}">
+                <a14:useLocalDpi xmlns:a14="http://schemas.microsoft.com/office/drawing/2010/main" val="0"/>
+              </a:ext>
+            </a:extLst>
+          </a:blip>
+          <a:stretch>
+            <a:fillRect/>
+          </a:stretch>
+        </p:blipFill>
+        <p:spPr>
+          <a:xfrm>
+            <a:off x="4038600" y="3200400"/>
+            <a:ext cx="1055077" cy="1600200"/>
+          </a:xfrm>
+          <a:prstGeom prst="rect">
+            <a:avLst/>
+          </a:prstGeom>
+        </p:spPr>
+      </p:pic>
+      <p:pic>
+        <p:nvPicPr>
+          <p:cNvPr id="6" name="Picture 5" descr="IMG_0747.jpg"/>
+          <p:cNvPicPr>
+            <a:picLocks noChangeAspect="1"/>
+          </p:cNvPicPr>
+          <p:nvPr/>
+        </p:nvPicPr>
+        <p:blipFill>
+          <a:blip r:embed="rId4">
+            <a:extLst>
+              <a:ext uri="{28A0092B-C50C-407E-A947-70E740481C1C}">
+                <a14:useLocalDpi xmlns:a14="http://schemas.microsoft.com/office/drawing/2010/main" val="0"/>
+              </a:ext>
+            </a:extLst>
+          </a:blip>
+          <a:stretch>
+            <a:fillRect/>
+          </a:stretch>
+        </p:blipFill>
+        <p:spPr>
+          <a:xfrm>
+            <a:off x="6781800" y="3200400"/>
+            <a:ext cx="982040" cy="1600200"/>
+          </a:xfrm>
+          <a:prstGeom prst="rect">
+            <a:avLst/>
+          </a:prstGeom>
+        </p:spPr>
+      </p:pic>
+      <p:sp>
+        <p:nvSpPr>
+          <p:cNvPr id="7" name="Oval 6"/>
+          <p:cNvSpPr/>
+          <p:nvPr/>
+        </p:nvSpPr>
+        <p:spPr>
+          <a:xfrm>
+            <a:off x="381000" y="1524000"/>
+            <a:ext cx="1219200" cy="1219200"/>
+          </a:xfrm>
+          <a:prstGeom prst="ellipse">
+            <a:avLst/>
+          </a:prstGeom>
+        </p:spPr>
+        <p:style>
+          <a:lnRef idx="1">
+            <a:schemeClr val="accent1"/>
+          </a:lnRef>
+          <a:fillRef idx="3">
+            <a:schemeClr val="accent1"/>
+          </a:fillRef>
+          <a:effectRef idx="2">
+            <a:schemeClr val="accent1"/>
+          </a:effectRef>
+          <a:fontRef idx="minor">
+            <a:schemeClr val="lt1"/>
+          </a:fontRef>
+        </p:style>
+        <p:txBody>
+          <a:bodyPr rtlCol="0" anchor="ctr"/>
+          <a:lstStyle/>
+          <a:p>
+            <a:pPr algn="ctr"/>
+            <a:r>
+              <a:rPr lang="en-US" dirty="0" smtClean="0"/>
+              <a:t>3 doors open</a:t>
+            </a:r>
+            <a:endParaRPr lang="en-US" dirty="0"/>
+          </a:p>
+        </p:txBody>
+      </p:sp>
+      <p:sp>
+        <p:nvSpPr>
+          <p:cNvPr id="8" name="Oval 7"/>
+          <p:cNvSpPr/>
+          <p:nvPr/>
+        </p:nvSpPr>
+        <p:spPr>
+          <a:xfrm>
+            <a:off x="2743200" y="1600200"/>
+            <a:ext cx="1219200" cy="1219200"/>
+          </a:xfrm>
+          <a:prstGeom prst="ellipse">
+            <a:avLst/>
+          </a:prstGeom>
+        </p:spPr>
+        <p:style>
+          <a:lnRef idx="1">
+            <a:schemeClr val="accent1"/>
+          </a:lnRef>
+          <a:fillRef idx="3">
+            <a:schemeClr val="accent1"/>
+          </a:fillRef>
+          <a:effectRef idx="2">
+            <a:schemeClr val="accent1"/>
+          </a:effectRef>
+          <a:fontRef idx="minor">
+            <a:schemeClr val="lt1"/>
+          </a:fontRef>
+        </p:style>
+        <p:txBody>
+          <a:bodyPr rtlCol="0" anchor="ctr"/>
+          <a:lstStyle/>
+          <a:p>
+            <a:pPr algn="ctr"/>
+            <a:r>
+              <a:rPr lang="en-US" dirty="0"/>
+              <a:t>2</a:t>
+            </a:r>
+            <a:r>
+              <a:rPr lang="en-US" dirty="0" smtClean="0"/>
+              <a:t> doors open</a:t>
+            </a:r>
+            <a:endParaRPr lang="en-US" dirty="0"/>
+          </a:p>
+        </p:txBody>
+      </p:sp>
+      <p:sp>
+        <p:nvSpPr>
+          <p:cNvPr id="9" name="Oval 8"/>
+          <p:cNvSpPr/>
+          <p:nvPr/>
+        </p:nvSpPr>
+        <p:spPr>
+          <a:xfrm>
+            <a:off x="5486400" y="1676400"/>
+            <a:ext cx="1219200" cy="1219200"/>
+          </a:xfrm>
+          <a:prstGeom prst="ellipse">
+            <a:avLst/>
+          </a:prstGeom>
+        </p:spPr>
+        <p:style>
+          <a:lnRef idx="1">
+            <a:schemeClr val="accent1"/>
+          </a:lnRef>
+          <a:fillRef idx="3">
+            <a:schemeClr val="accent1"/>
+          </a:fillRef>
+          <a:effectRef idx="2">
+            <a:schemeClr val="accent1"/>
+          </a:effectRef>
+          <a:fontRef idx="minor">
+            <a:schemeClr val="lt1"/>
+          </a:fontRef>
+        </p:style>
+        <p:txBody>
+          <a:bodyPr rtlCol="0" anchor="ctr"/>
+          <a:lstStyle/>
+          <a:p>
+            <a:pPr algn="ctr"/>
+            <a:r>
+              <a:rPr lang="en-US" dirty="0"/>
+              <a:t>1</a:t>
+            </a:r>
+            <a:r>
+              <a:rPr lang="en-US" dirty="0" smtClean="0"/>
+              <a:t> doors open</a:t>
+            </a:r>
+            <a:endParaRPr lang="en-US" dirty="0"/>
+          </a:p>
+        </p:txBody>
+      </p:sp>
+      <p:sp>
+        <p:nvSpPr>
+          <p:cNvPr id="10" name="Oval 9"/>
+          <p:cNvSpPr/>
+          <p:nvPr/>
+        </p:nvSpPr>
+        <p:spPr>
+          <a:xfrm>
+            <a:off x="7696200" y="1676400"/>
+            <a:ext cx="1219200" cy="1219200"/>
+          </a:xfrm>
+          <a:prstGeom prst="ellipse">
+            <a:avLst/>
+          </a:prstGeom>
+        </p:spPr>
+        <p:style>
+          <a:lnRef idx="1">
+            <a:schemeClr val="accent1"/>
+          </a:lnRef>
+          <a:fillRef idx="3">
+            <a:schemeClr val="accent1"/>
+          </a:fillRef>
+          <a:effectRef idx="2">
+            <a:schemeClr val="accent1"/>
+          </a:effectRef>
+          <a:fontRef idx="minor">
+            <a:schemeClr val="lt1"/>
+          </a:fontRef>
+        </p:style>
+        <p:txBody>
+          <a:bodyPr rtlCol="0" anchor="ctr"/>
+          <a:lstStyle/>
+          <a:p>
+            <a:pPr algn="ctr"/>
+            <a:r>
+              <a:rPr lang="en-US" dirty="0" smtClean="0"/>
+              <a:t>Lights Off</a:t>
+            </a:r>
+          </a:p>
+        </p:txBody>
+      </p:sp>
+      <p:cxnSp>
+        <p:nvCxnSpPr>
+          <p:cNvPr id="12" name="Straight Arrow Connector 11"/>
+          <p:cNvCxnSpPr>
+            <a:stCxn id="7" idx="5"/>
+          </p:cNvCxnSpPr>
+          <p:nvPr/>
+        </p:nvCxnSpPr>
+        <p:spPr>
+          <a:xfrm>
+            <a:off x="1421652" y="2564652"/>
+            <a:ext cx="178548" cy="635748"/>
+          </a:xfrm>
+          <a:prstGeom prst="straightConnector1">
+            <a:avLst/>
+          </a:prstGeom>
+          <a:ln>
+            <a:tailEnd type="arrow"/>
+          </a:ln>
+        </p:spPr>
+        <p:style>
+          <a:lnRef idx="2">
+            <a:schemeClr val="accent1"/>
+          </a:lnRef>
+          <a:fillRef idx="0">
+            <a:schemeClr val="accent1"/>
+          </a:fillRef>
+          <a:effectRef idx="1">
+            <a:schemeClr val="accent1"/>
+          </a:effectRef>
+          <a:fontRef idx="minor">
+            <a:schemeClr val="tx1"/>
+          </a:fontRef>
+        </p:style>
+      </p:cxnSp>
+      <p:cxnSp>
+        <p:nvCxnSpPr>
+          <p:cNvPr id="14" name="Straight Arrow Connector 13"/>
+          <p:cNvCxnSpPr>
+            <a:endCxn id="8" idx="3"/>
+          </p:cNvCxnSpPr>
+          <p:nvPr/>
+        </p:nvCxnSpPr>
+        <p:spPr>
+          <a:xfrm flipV="1">
+            <a:off x="2667000" y="2640852"/>
+            <a:ext cx="254748" cy="559548"/>
+          </a:xfrm>
+          <a:prstGeom prst="straightConnector1">
+            <a:avLst/>
+          </a:prstGeom>
+          <a:ln>
+            <a:tailEnd type="arrow"/>
+          </a:ln>
+        </p:spPr>
+        <p:style>
+          <a:lnRef idx="2">
+            <a:schemeClr val="accent1"/>
+          </a:lnRef>
+          <a:fillRef idx="0">
+            <a:schemeClr val="accent1"/>
+          </a:fillRef>
+          <a:effectRef idx="1">
+            <a:schemeClr val="accent1"/>
+          </a:effectRef>
+          <a:fontRef idx="minor">
+            <a:schemeClr val="tx1"/>
+          </a:fontRef>
+        </p:style>
+      </p:cxnSp>
+      <p:cxnSp>
+        <p:nvCxnSpPr>
+          <p:cNvPr id="19" name="Straight Arrow Connector 18"/>
+          <p:cNvCxnSpPr>
+            <a:stCxn id="8" idx="5"/>
+          </p:cNvCxnSpPr>
+          <p:nvPr/>
+        </p:nvCxnSpPr>
+        <p:spPr>
+          <a:xfrm>
+            <a:off x="3783852" y="2640852"/>
+            <a:ext cx="254748" cy="559548"/>
+          </a:xfrm>
+          <a:prstGeom prst="straightConnector1">
+            <a:avLst/>
+          </a:prstGeom>
+          <a:ln>
+            <a:tailEnd type="arrow"/>
+          </a:ln>
+        </p:spPr>
+        <p:style>
+          <a:lnRef idx="2">
+            <a:schemeClr val="accent1"/>
+          </a:lnRef>
+          <a:fillRef idx="0">
+            <a:schemeClr val="accent1"/>
+          </a:fillRef>
+          <a:effectRef idx="1">
+            <a:schemeClr val="accent1"/>
+          </a:effectRef>
+          <a:fontRef idx="minor">
+            <a:schemeClr val="tx1"/>
+          </a:fontRef>
+        </p:style>
+      </p:cxnSp>
+      <p:cxnSp>
+        <p:nvCxnSpPr>
+          <p:cNvPr id="20" name="Straight Arrow Connector 19"/>
+          <p:cNvCxnSpPr>
+            <a:stCxn id="9" idx="5"/>
+          </p:cNvCxnSpPr>
+          <p:nvPr/>
+        </p:nvCxnSpPr>
+        <p:spPr>
+          <a:xfrm>
+            <a:off x="6527052" y="2717052"/>
+            <a:ext cx="357096" cy="509496"/>
+          </a:xfrm>
+          <a:prstGeom prst="straightConnector1">
+            <a:avLst/>
+          </a:prstGeom>
+          <a:ln>
+            <a:tailEnd type="arrow"/>
+          </a:ln>
+        </p:spPr>
+        <p:style>
+          <a:lnRef idx="2">
+            <a:schemeClr val="accent1"/>
+          </a:lnRef>
+          <a:fillRef idx="0">
+            <a:schemeClr val="accent1"/>
+          </a:fillRef>
+          <a:effectRef idx="1">
+            <a:schemeClr val="accent1"/>
+          </a:effectRef>
+          <a:fontRef idx="minor">
+            <a:schemeClr val="tx1"/>
+          </a:fontRef>
+        </p:style>
+      </p:cxnSp>
+      <p:cxnSp>
+        <p:nvCxnSpPr>
+          <p:cNvPr id="22" name="Straight Arrow Connector 21"/>
+          <p:cNvCxnSpPr/>
+          <p:nvPr/>
+        </p:nvCxnSpPr>
+        <p:spPr>
+          <a:xfrm flipV="1">
+            <a:off x="5105400" y="2743200"/>
+            <a:ext cx="533400" cy="457200"/>
+          </a:xfrm>
+          <a:prstGeom prst="straightConnector1">
+            <a:avLst/>
+          </a:prstGeom>
+          <a:ln>
+            <a:tailEnd type="arrow"/>
+          </a:ln>
+        </p:spPr>
+        <p:style>
+          <a:lnRef idx="2">
+            <a:schemeClr val="accent1"/>
+          </a:lnRef>
+          <a:fillRef idx="0">
+            <a:schemeClr val="accent1"/>
+          </a:fillRef>
+          <a:effectRef idx="1">
+            <a:schemeClr val="accent1"/>
+          </a:effectRef>
+          <a:fontRef idx="minor">
+            <a:schemeClr val="tx1"/>
+          </a:fontRef>
+        </p:style>
+      </p:cxnSp>
+      <p:cxnSp>
+        <p:nvCxnSpPr>
+          <p:cNvPr id="23" name="Straight Arrow Connector 22"/>
+          <p:cNvCxnSpPr>
+            <a:endCxn id="10" idx="3"/>
+          </p:cNvCxnSpPr>
+          <p:nvPr/>
+        </p:nvCxnSpPr>
+        <p:spPr>
+          <a:xfrm flipV="1">
+            <a:off x="7696200" y="2717052"/>
+            <a:ext cx="178548" cy="483348"/>
+          </a:xfrm>
+          <a:prstGeom prst="straightConnector1">
+            <a:avLst/>
+          </a:prstGeom>
+          <a:ln>
+            <a:tailEnd type="arrow"/>
+          </a:ln>
+        </p:spPr>
+        <p:style>
+          <a:lnRef idx="2">
+            <a:schemeClr val="accent1"/>
+          </a:lnRef>
+          <a:fillRef idx="0">
+            <a:schemeClr val="accent1"/>
+          </a:fillRef>
+          <a:effectRef idx="1">
+            <a:schemeClr val="accent1"/>
+          </a:effectRef>
+          <a:fontRef idx="minor">
+            <a:schemeClr val="tx1"/>
+          </a:fontRef>
+        </p:style>
+      </p:cxnSp>
+      <p:sp>
+        <p:nvSpPr>
+          <p:cNvPr id="28" name="TextBox 27"/>
+          <p:cNvSpPr txBox="1"/>
+          <p:nvPr/>
+        </p:nvSpPr>
+        <p:spPr>
+          <a:xfrm>
+            <a:off x="1447800" y="4953000"/>
+            <a:ext cx="1295400" cy="369332"/>
+          </a:xfrm>
+          <a:prstGeom prst="rect">
+            <a:avLst/>
+          </a:prstGeom>
+          <a:noFill/>
+        </p:spPr>
+        <p:txBody>
+          <a:bodyPr wrap="square" rtlCol="0">
+            <a:spAutoFit/>
+          </a:bodyPr>
+          <a:lstStyle/>
+          <a:p>
+            <a:r>
+              <a:rPr lang="en-US" dirty="0" smtClean="0">
+                <a:solidFill>
+                  <a:srgbClr val="FFFFFF"/>
+                </a:solidFill>
+              </a:rPr>
+              <a:t>Close Door</a:t>
+            </a:r>
+            <a:endParaRPr lang="en-US" dirty="0">
+              <a:solidFill>
+                <a:srgbClr val="FFFFFF"/>
+              </a:solidFill>
+            </a:endParaRPr>
+          </a:p>
+        </p:txBody>
+      </p:sp>
+      <p:sp>
+        <p:nvSpPr>
+          <p:cNvPr id="30" name="TextBox 29"/>
+          <p:cNvSpPr txBox="1"/>
+          <p:nvPr/>
+        </p:nvSpPr>
+        <p:spPr>
+          <a:xfrm>
+            <a:off x="3962400" y="4953000"/>
+            <a:ext cx="1295400" cy="369332"/>
+          </a:xfrm>
+          <a:prstGeom prst="rect">
+            <a:avLst/>
+          </a:prstGeom>
+          <a:noFill/>
+        </p:spPr>
+        <p:txBody>
+          <a:bodyPr wrap="square" rtlCol="0">
+            <a:spAutoFit/>
+          </a:bodyPr>
+          <a:lstStyle/>
+          <a:p>
+            <a:r>
+              <a:rPr lang="en-US" dirty="0" smtClean="0">
+                <a:solidFill>
+                  <a:srgbClr val="FFFFFF"/>
+                </a:solidFill>
+              </a:rPr>
+              <a:t>Close Door</a:t>
+            </a:r>
+            <a:endParaRPr lang="en-US" dirty="0">
+              <a:solidFill>
+                <a:srgbClr val="FFFFFF"/>
+              </a:solidFill>
+            </a:endParaRPr>
+          </a:p>
+        </p:txBody>
+      </p:sp>
+      <p:sp>
+        <p:nvSpPr>
+          <p:cNvPr id="31" name="TextBox 30"/>
+          <p:cNvSpPr txBox="1"/>
+          <p:nvPr/>
+        </p:nvSpPr>
+        <p:spPr>
+          <a:xfrm>
+            <a:off x="6629400" y="4953000"/>
+            <a:ext cx="1295400" cy="369332"/>
+          </a:xfrm>
+          <a:prstGeom prst="rect">
+            <a:avLst/>
+          </a:prstGeom>
+          <a:noFill/>
+        </p:spPr>
+        <p:txBody>
+          <a:bodyPr wrap="square" rtlCol="0">
+            <a:spAutoFit/>
+          </a:bodyPr>
+          <a:lstStyle/>
+          <a:p>
+            <a:r>
+              <a:rPr lang="en-US" dirty="0" smtClean="0">
+                <a:solidFill>
+                  <a:srgbClr val="FFFFFF"/>
+                </a:solidFill>
+              </a:rPr>
+              <a:t>Close Door</a:t>
+            </a:r>
+            <a:endParaRPr lang="en-US" dirty="0">
+              <a:solidFill>
+                <a:srgbClr val="FFFFFF"/>
+              </a:solidFill>
+            </a:endParaRPr>
+          </a:p>
+        </p:txBody>
+      </p:sp>
+    </p:spTree>
+    <p:extLst>
+      <p:ext uri="{BB962C8B-B14F-4D97-AF65-F5344CB8AC3E}">
+        <p14:creationId xmlns:p14="http://schemas.microsoft.com/office/powerpoint/2010/main" val="557376562"/>
+      </p:ext>
+    </p:extLst>
+  </p:cSld>
+  <p:clrMapOvr>
+    <a:masterClrMapping/>
+  </p:clrMapOvr>
+</p:sld>
+</file>
+
+<file path=ppt/slides/slide4.xml><?xml version="1.0" encoding="utf-8"?>
+<p:sld xmlns:a="http://schemas.openxmlformats.org/drawingml/2006/main" xmlns:r="http://schemas.openxmlformats.org/officeDocument/2006/relationships" xmlns:p="http://schemas.openxmlformats.org/presentationml/2006/main">
+  <p:cSld>
+    <p:spTree>
+      <p:nvGrpSpPr>
+        <p:cNvPr id="1" name=""/>
+        <p:cNvGrpSpPr/>
+        <p:nvPr/>
+      </p:nvGrpSpPr>
+      <p:grpSpPr>
+        <a:xfrm>
+          <a:off x="0" y="0"/>
+          <a:ext cx="0" cy="0"/>
+          <a:chOff x="0" y="0"/>
+          <a:chExt cx="0" cy="0"/>
+        </a:xfrm>
+      </p:grpSpPr>
+      <p:sp>
+        <p:nvSpPr>
           <p:cNvPr id="3" name="Title 2"/>
           <p:cNvSpPr>
             <a:spLocks noGrp="1"/>
@@ -3389,14 +4264,14 @@
   <p:timing>
     <p:tnLst>
       <p:par>
-        <p:cTn id="1" dur="indefinite" restart="never" nodeType="tmRoot"/>
+        <p:cTn xmlns:p14="http://schemas.microsoft.com/office/powerpoint/2010/main" id="1" dur="indefinite" restart="never" nodeType="tmRoot"/>
       </p:par>
     </p:tnLst>
   </p:timing>
 </p:sld>
 </file>
 
-<file path=ppt/slides/slide3.xml><?xml version="1.0" encoding="utf-8"?>
+<file path=ppt/slides/slide5.xml><?xml version="1.0" encoding="utf-8"?>
 <p:sld xmlns:a="http://schemas.openxmlformats.org/drawingml/2006/main" xmlns:r="http://schemas.openxmlformats.org/officeDocument/2006/relationships" xmlns:p="http://schemas.openxmlformats.org/presentationml/2006/main">
   <p:cSld>
     <p:spTree>
@@ -3688,14 +4563,14 @@
   <p:timing>
     <p:tnLst>
       <p:par>
-        <p:cTn id="1" dur="indefinite" restart="never" nodeType="tmRoot"/>
+        <p:cTn xmlns:p14="http://schemas.microsoft.com/office/powerpoint/2010/main" id="1" dur="indefinite" restart="never" nodeType="tmRoot"/>
       </p:par>
     </p:tnLst>
   </p:timing>
 </p:sld>
 </file>
 
-<file path=ppt/slides/slide4.xml><?xml version="1.0" encoding="utf-8"?>
+<file path=ppt/slides/slide6.xml><?xml version="1.0" encoding="utf-8"?>
 <p:sld xmlns:a="http://schemas.openxmlformats.org/drawingml/2006/main" xmlns:r="http://schemas.openxmlformats.org/officeDocument/2006/relationships" xmlns:p="http://schemas.openxmlformats.org/presentationml/2006/main">
   <p:cSld>
     <p:spTree>
@@ -3865,14 +4740,209 @@
   <p:timing>
     <p:tnLst>
       <p:par>
-        <p:cTn id="1" dur="indefinite" restart="never" nodeType="tmRoot"/>
+        <p:cTn xmlns:p14="http://schemas.microsoft.com/office/powerpoint/2010/main" id="1" dur="indefinite" restart="never" nodeType="tmRoot"/>
       </p:par>
     </p:tnLst>
   </p:timing>
 </p:sld>
 </file>
 
-<file path=ppt/slides/slide5.xml><?xml version="1.0" encoding="utf-8"?>
+<file path=ppt/slides/slide7.xml><?xml version="1.0" encoding="utf-8"?>
+<p:sld xmlns:a="http://schemas.openxmlformats.org/drawingml/2006/main" xmlns:r="http://schemas.openxmlformats.org/officeDocument/2006/relationships" xmlns:p="http://schemas.openxmlformats.org/presentationml/2006/main">
+  <p:cSld>
+    <p:spTree>
+      <p:nvGrpSpPr>
+        <p:cNvPr id="1" name=""/>
+        <p:cNvGrpSpPr/>
+        <p:nvPr/>
+      </p:nvGrpSpPr>
+      <p:grpSpPr>
+        <a:xfrm>
+          <a:off x="0" y="0"/>
+          <a:ext cx="0" cy="0"/>
+          <a:chOff x="0" y="0"/>
+          <a:chExt cx="0" cy="0"/>
+        </a:xfrm>
+      </p:grpSpPr>
+      <p:sp>
+        <p:nvSpPr>
+          <p:cNvPr id="3" name="Title 2"/>
+          <p:cNvSpPr>
+            <a:spLocks noGrp="1"/>
+          </p:cNvSpPr>
+          <p:nvPr>
+            <p:ph type="title"/>
+          </p:nvPr>
+        </p:nvSpPr>
+        <p:spPr/>
+        <p:txBody>
+          <a:bodyPr/>
+          <a:lstStyle/>
+          <a:p>
+            <a:r>
+              <a:rPr lang="en-US" dirty="0" smtClean="0">
+                <a:solidFill>
+                  <a:schemeClr val="bg1"/>
+                </a:solidFill>
+              </a:rPr>
+              <a:t>Results</a:t>
+            </a:r>
+            <a:endParaRPr lang="en-US" dirty="0">
+              <a:solidFill>
+                <a:schemeClr val="bg1"/>
+              </a:solidFill>
+            </a:endParaRPr>
+          </a:p>
+        </p:txBody>
+      </p:sp>
+      <p:sp>
+        <p:nvSpPr>
+          <p:cNvPr id="2" name="Content Placeholder 1"/>
+          <p:cNvSpPr>
+            <a:spLocks noGrp="1"/>
+          </p:cNvSpPr>
+          <p:nvPr>
+            <p:ph idx="1"/>
+          </p:nvPr>
+        </p:nvSpPr>
+        <p:spPr>
+          <a:xfrm>
+            <a:off x="2743200" y="3124200"/>
+            <a:ext cx="3657600" cy="3001963"/>
+          </a:xfrm>
+        </p:spPr>
+        <p:txBody>
+          <a:bodyPr/>
+          <a:lstStyle/>
+          <a:p>
+            <a:pPr marL="0" indent="0">
+              <a:buNone/>
+            </a:pPr>
+            <a:endParaRPr lang="en-US" dirty="0">
+              <a:solidFill>
+                <a:schemeClr val="bg1"/>
+              </a:solidFill>
+            </a:endParaRPr>
+          </a:p>
+        </p:txBody>
+      </p:sp>
+      <p:pic>
+        <p:nvPicPr>
+          <p:cNvPr id="4" name="Picture 3"/>
+          <p:cNvPicPr>
+            <a:picLocks noChangeAspect="1"/>
+          </p:cNvPicPr>
+          <p:nvPr/>
+        </p:nvPicPr>
+        <p:blipFill>
+          <a:blip r:embed="rId2">
+            <a:extLst>
+              <a:ext uri="{28A0092B-C50C-407E-A947-70E740481C1C}">
+                <a14:useLocalDpi xmlns:a14="http://schemas.microsoft.com/office/drawing/2010/main" val="0"/>
+              </a:ext>
+            </a:extLst>
+          </a:blip>
+          <a:stretch>
+            <a:fillRect/>
+          </a:stretch>
+        </p:blipFill>
+        <p:spPr>
+          <a:xfrm>
+            <a:off x="1143000" y="1371600"/>
+            <a:ext cx="6858000" cy="5244353"/>
+          </a:xfrm>
+          <a:prstGeom prst="rect">
+            <a:avLst/>
+          </a:prstGeom>
+        </p:spPr>
+      </p:pic>
+    </p:spTree>
+    <p:extLst>
+      <p:ext uri="{BB962C8B-B14F-4D97-AF65-F5344CB8AC3E}">
+        <p14:creationId xmlns:p14="http://schemas.microsoft.com/office/powerpoint/2010/main" val="1981994058"/>
+      </p:ext>
+    </p:extLst>
+  </p:cSld>
+  <p:clrMapOvr>
+    <a:masterClrMapping/>
+  </p:clrMapOvr>
+  <p:timing>
+    <p:tnLst>
+      <p:par>
+        <p:cTn xmlns:p14="http://schemas.microsoft.com/office/powerpoint/2010/main" id="1" dur="indefinite" restart="never" nodeType="tmRoot"/>
+      </p:par>
+    </p:tnLst>
+  </p:timing>
+</p:sld>
+</file>
+
+<file path=ppt/slides/slide8.xml><?xml version="1.0" encoding="utf-8"?>
+<p:sld xmlns:a="http://schemas.openxmlformats.org/drawingml/2006/main" xmlns:r="http://schemas.openxmlformats.org/officeDocument/2006/relationships" xmlns:p="http://schemas.openxmlformats.org/presentationml/2006/main">
+  <p:cSld>
+    <p:spTree>
+      <p:nvGrpSpPr>
+        <p:cNvPr id="1" name=""/>
+        <p:cNvGrpSpPr/>
+        <p:nvPr/>
+      </p:nvGrpSpPr>
+      <p:grpSpPr>
+        <a:xfrm>
+          <a:off x="0" y="0"/>
+          <a:ext cx="0" cy="0"/>
+          <a:chOff x="0" y="0"/>
+          <a:chExt cx="0" cy="0"/>
+        </a:xfrm>
+      </p:grpSpPr>
+      <p:sp>
+        <p:nvSpPr>
+          <p:cNvPr id="2" name="Title 1"/>
+          <p:cNvSpPr>
+            <a:spLocks noGrp="1"/>
+          </p:cNvSpPr>
+          <p:nvPr>
+            <p:ph type="title"/>
+          </p:nvPr>
+        </p:nvSpPr>
+        <p:spPr>
+          <a:xfrm>
+            <a:off x="457200" y="2514600"/>
+            <a:ext cx="8229600" cy="1143000"/>
+          </a:xfrm>
+        </p:spPr>
+        <p:txBody>
+          <a:bodyPr/>
+          <a:lstStyle/>
+          <a:p>
+            <a:r>
+              <a:rPr lang="en-US" dirty="0" smtClean="0">
+                <a:solidFill>
+                  <a:srgbClr val="FFFFFF"/>
+                </a:solidFill>
+              </a:rPr>
+              <a:t>Demo</a:t>
+            </a:r>
+            <a:endParaRPr lang="en-US" dirty="0">
+              <a:solidFill>
+                <a:srgbClr val="FFFFFF"/>
+              </a:solidFill>
+            </a:endParaRPr>
+          </a:p>
+        </p:txBody>
+      </p:sp>
+    </p:spTree>
+    <p:extLst>
+      <p:ext uri="{BB962C8B-B14F-4D97-AF65-F5344CB8AC3E}">
+        <p14:creationId xmlns:p14="http://schemas.microsoft.com/office/powerpoint/2010/main" val="3566543987"/>
+      </p:ext>
+    </p:extLst>
+  </p:cSld>
+  <p:clrMapOvr>
+    <a:masterClrMapping/>
+  </p:clrMapOvr>
+</p:sld>
+</file>
+
+<file path=ppt/slides/slide9.xml><?xml version="1.0" encoding="utf-8"?>
 <p:sld xmlns:a="http://schemas.openxmlformats.org/drawingml/2006/main" xmlns:r="http://schemas.openxmlformats.org/officeDocument/2006/relationships" xmlns:p="http://schemas.openxmlformats.org/presentationml/2006/main">
   <p:cSld>
     <p:spTree>
@@ -3950,136 +5020,7 @@
   <p:timing>
     <p:tnLst>
       <p:par>
-        <p:cTn id="1" dur="indefinite" restart="never" nodeType="tmRoot"/>
-      </p:par>
-    </p:tnLst>
-  </p:timing>
-</p:sld>
-</file>
-
-<file path=ppt/slides/slide6.xml><?xml version="1.0" encoding="utf-8"?>
-<p:sld xmlns:a="http://schemas.openxmlformats.org/drawingml/2006/main" xmlns:r="http://schemas.openxmlformats.org/officeDocument/2006/relationships" xmlns:p="http://schemas.openxmlformats.org/presentationml/2006/main">
-  <p:cSld>
-    <p:spTree>
-      <p:nvGrpSpPr>
-        <p:cNvPr id="1" name=""/>
-        <p:cNvGrpSpPr/>
-        <p:nvPr/>
-      </p:nvGrpSpPr>
-      <p:grpSpPr>
-        <a:xfrm>
-          <a:off x="0" y="0"/>
-          <a:ext cx="0" cy="0"/>
-          <a:chOff x="0" y="0"/>
-          <a:chExt cx="0" cy="0"/>
-        </a:xfrm>
-      </p:grpSpPr>
-      <p:sp>
-        <p:nvSpPr>
-          <p:cNvPr id="3" name="Title 2"/>
-          <p:cNvSpPr>
-            <a:spLocks noGrp="1"/>
-          </p:cNvSpPr>
-          <p:nvPr>
-            <p:ph type="title"/>
-          </p:nvPr>
-        </p:nvSpPr>
-        <p:spPr/>
-        <p:txBody>
-          <a:bodyPr/>
-          <a:lstStyle/>
-          <a:p>
-            <a:r>
-              <a:rPr lang="en-US" dirty="0" smtClean="0">
-                <a:solidFill>
-                  <a:schemeClr val="bg1"/>
-                </a:solidFill>
-              </a:rPr>
-              <a:t>Results</a:t>
-            </a:r>
-            <a:endParaRPr lang="en-US" dirty="0">
-              <a:solidFill>
-                <a:schemeClr val="bg1"/>
-              </a:solidFill>
-            </a:endParaRPr>
-          </a:p>
-        </p:txBody>
-      </p:sp>
-      <p:sp>
-        <p:nvSpPr>
-          <p:cNvPr id="2" name="Content Placeholder 1"/>
-          <p:cNvSpPr>
-            <a:spLocks noGrp="1"/>
-          </p:cNvSpPr>
-          <p:nvPr>
-            <p:ph idx="1"/>
-          </p:nvPr>
-        </p:nvSpPr>
-        <p:spPr>
-          <a:xfrm>
-            <a:off x="2743200" y="3124200"/>
-            <a:ext cx="3657600" cy="3001963"/>
-          </a:xfrm>
-        </p:spPr>
-        <p:txBody>
-          <a:bodyPr/>
-          <a:lstStyle/>
-          <a:p>
-            <a:pPr marL="0" indent="0">
-              <a:buNone/>
-            </a:pPr>
-            <a:endParaRPr lang="en-US" dirty="0">
-              <a:solidFill>
-                <a:schemeClr val="bg1"/>
-              </a:solidFill>
-            </a:endParaRPr>
-          </a:p>
-        </p:txBody>
-      </p:sp>
-      <p:pic>
-        <p:nvPicPr>
-          <p:cNvPr id="4" name="Picture 3"/>
-          <p:cNvPicPr>
-            <a:picLocks noChangeAspect="1"/>
-          </p:cNvPicPr>
-          <p:nvPr/>
-        </p:nvPicPr>
-        <p:blipFill>
-          <a:blip r:embed="rId2">
-            <a:extLst>
-              <a:ext uri="{28A0092B-C50C-407E-A947-70E740481C1C}">
-                <a14:useLocalDpi xmlns:a14="http://schemas.microsoft.com/office/drawing/2010/main" val="0"/>
-              </a:ext>
-            </a:extLst>
-          </a:blip>
-          <a:stretch>
-            <a:fillRect/>
-          </a:stretch>
-        </p:blipFill>
-        <p:spPr>
-          <a:xfrm>
-            <a:off x="1143000" y="1440872"/>
-            <a:ext cx="6858000" cy="5244353"/>
-          </a:xfrm>
-          <a:prstGeom prst="rect">
-            <a:avLst/>
-          </a:prstGeom>
-        </p:spPr>
-      </p:pic>
-    </p:spTree>
-    <p:extLst>
-      <p:ext uri="{BB962C8B-B14F-4D97-AF65-F5344CB8AC3E}">
-        <p14:creationId xmlns:p14="http://schemas.microsoft.com/office/powerpoint/2010/main" val="1981994058"/>
-      </p:ext>
-    </p:extLst>
-  </p:cSld>
-  <p:clrMapOvr>
-    <a:masterClrMapping/>
-  </p:clrMapOvr>
-  <p:timing>
-    <p:tnLst>
-      <p:par>
-        <p:cTn id="1" dur="indefinite" restart="never" nodeType="tmRoot"/>
+        <p:cTn xmlns:p14="http://schemas.microsoft.com/office/powerpoint/2010/main" id="1" dur="indefinite" restart="never" nodeType="tmRoot"/>
       </p:par>
     </p:tnLst>
   </p:timing>

--- a/JPeNS_Presentation.pptx
+++ b/JPeNS_Presentation.pptx
@@ -3218,6 +3218,63 @@
                 <a:schemeClr val="bg1"/>
               </a:solidFill>
             </a:endParaRPr>
+          </a:p>
+        </p:txBody>
+      </p:sp>
+      <p:sp>
+        <p:nvSpPr>
+          <p:cNvPr id="4" name="TextBox 3"/>
+          <p:cNvSpPr txBox="1"/>
+          <p:nvPr/>
+        </p:nvSpPr>
+        <p:spPr>
+          <a:xfrm>
+            <a:off x="2895600" y="5867400"/>
+            <a:ext cx="3352800" cy="369332"/>
+          </a:xfrm>
+          <a:prstGeom prst="rect">
+            <a:avLst/>
+          </a:prstGeom>
+          <a:noFill/>
+        </p:spPr>
+        <p:txBody>
+          <a:bodyPr wrap="square" rtlCol="0">
+            <a:spAutoFit/>
+          </a:bodyPr>
+          <a:lstStyle/>
+          <a:p>
+            <a:r>
+              <a:rPr lang="en-US" dirty="0">
+                <a:solidFill>
+                  <a:schemeClr val="bg1"/>
+                </a:solidFill>
+              </a:rPr>
+              <a:t>https://</a:t>
+            </a:r>
+            <a:r>
+              <a:rPr lang="en-US" dirty="0" err="1">
+                <a:solidFill>
+                  <a:schemeClr val="bg1"/>
+                </a:solidFill>
+              </a:rPr>
+              <a:t>github.com</a:t>
+            </a:r>
+            <a:r>
+              <a:rPr lang="en-US" dirty="0">
+                <a:solidFill>
+                  <a:schemeClr val="bg1"/>
+                </a:solidFill>
+              </a:rPr>
+              <a:t>/Hobbit/JPeNS</a:t>
+            </a:r>
+            <a:r>
+              <a:rPr lang="en-US" dirty="0">
+                <a:solidFill>
+                  <a:schemeClr val="bg1"/>
+                </a:solidFill>
+              </a:rPr>
+              <a:t> </a:t>
+            </a:r>
           </a:p>
         </p:txBody>
       </p:sp>

--- a/JPeNS_Presentation.pptx
+++ b/JPeNS_Presentation.pptx
@@ -296,7 +296,7 @@
           <a:p>
             <a:fld id="{DBE87E32-EAB1-466E-96FF-E88AF3478657}" type="datetimeFigureOut">
               <a:rPr lang="en-US" smtClean="0"/>
-              <a:t>4/11/12</a:t>
+              <a:t>4/12/2012</a:t>
             </a:fld>
             <a:endParaRPr lang="en-US" dirty="0"/>
           </a:p>
@@ -466,7 +466,7 @@
           <a:p>
             <a:fld id="{DBE87E32-EAB1-466E-96FF-E88AF3478657}" type="datetimeFigureOut">
               <a:rPr lang="en-US" smtClean="0"/>
-              <a:t>4/11/12</a:t>
+              <a:t>4/12/2012</a:t>
             </a:fld>
             <a:endParaRPr lang="en-US" dirty="0"/>
           </a:p>
@@ -646,7 +646,7 @@
           <a:p>
             <a:fld id="{DBE87E32-EAB1-466E-96FF-E88AF3478657}" type="datetimeFigureOut">
               <a:rPr lang="en-US" smtClean="0"/>
-              <a:t>4/11/12</a:t>
+              <a:t>4/12/2012</a:t>
             </a:fld>
             <a:endParaRPr lang="en-US" dirty="0"/>
           </a:p>
@@ -816,7 +816,7 @@
           <a:p>
             <a:fld id="{DBE87E32-EAB1-466E-96FF-E88AF3478657}" type="datetimeFigureOut">
               <a:rPr lang="en-US" smtClean="0"/>
-              <a:t>4/11/12</a:t>
+              <a:t>4/12/2012</a:t>
             </a:fld>
             <a:endParaRPr lang="en-US" dirty="0"/>
           </a:p>
@@ -1062,7 +1062,7 @@
           <a:p>
             <a:fld id="{DBE87E32-EAB1-466E-96FF-E88AF3478657}" type="datetimeFigureOut">
               <a:rPr lang="en-US" smtClean="0"/>
-              <a:t>4/11/12</a:t>
+              <a:t>4/12/2012</a:t>
             </a:fld>
             <a:endParaRPr lang="en-US" dirty="0"/>
           </a:p>
@@ -1350,7 +1350,7 @@
           <a:p>
             <a:fld id="{DBE87E32-EAB1-466E-96FF-E88AF3478657}" type="datetimeFigureOut">
               <a:rPr lang="en-US" smtClean="0"/>
-              <a:t>4/11/12</a:t>
+              <a:t>4/12/2012</a:t>
             </a:fld>
             <a:endParaRPr lang="en-US" dirty="0"/>
           </a:p>
@@ -1772,7 +1772,7 @@
           <a:p>
             <a:fld id="{DBE87E32-EAB1-466E-96FF-E88AF3478657}" type="datetimeFigureOut">
               <a:rPr lang="en-US" smtClean="0"/>
-              <a:t>4/11/12</a:t>
+              <a:t>4/12/2012</a:t>
             </a:fld>
             <a:endParaRPr lang="en-US" dirty="0"/>
           </a:p>
@@ -1890,7 +1890,7 @@
           <a:p>
             <a:fld id="{DBE87E32-EAB1-466E-96FF-E88AF3478657}" type="datetimeFigureOut">
               <a:rPr lang="en-US" smtClean="0"/>
-              <a:t>4/11/12</a:t>
+              <a:t>4/12/2012</a:t>
             </a:fld>
             <a:endParaRPr lang="en-US" dirty="0"/>
           </a:p>
@@ -1985,7 +1985,7 @@
           <a:p>
             <a:fld id="{DBE87E32-EAB1-466E-96FF-E88AF3478657}" type="datetimeFigureOut">
               <a:rPr lang="en-US" smtClean="0"/>
-              <a:t>4/11/12</a:t>
+              <a:t>4/12/2012</a:t>
             </a:fld>
             <a:endParaRPr lang="en-US" dirty="0"/>
           </a:p>
@@ -2262,7 +2262,7 @@
           <a:p>
             <a:fld id="{DBE87E32-EAB1-466E-96FF-E88AF3478657}" type="datetimeFigureOut">
               <a:rPr lang="en-US" smtClean="0"/>
-              <a:t>4/11/12</a:t>
+              <a:t>4/12/2012</a:t>
             </a:fld>
             <a:endParaRPr lang="en-US" dirty="0"/>
           </a:p>
@@ -2515,7 +2515,7 @@
           <a:p>
             <a:fld id="{DBE87E32-EAB1-466E-96FF-E88AF3478657}" type="datetimeFigureOut">
               <a:rPr lang="en-US" smtClean="0"/>
-              <a:t>4/11/12</a:t>
+              <a:t>4/12/2012</a:t>
             </a:fld>
             <a:endParaRPr lang="en-US" dirty="0"/>
           </a:p>
@@ -2731,7 +2731,7 @@
           <a:p>
             <a:fld id="{DBE87E32-EAB1-466E-96FF-E88AF3478657}" type="datetimeFigureOut">
               <a:rPr lang="en-US" smtClean="0"/>
-              <a:t>4/11/12</a:t>
+              <a:t>4/12/2012</a:t>
             </a:fld>
             <a:endParaRPr lang="en-US" dirty="0"/>
           </a:p>
@@ -3265,15 +3265,7 @@
                   <a:schemeClr val="bg1"/>
                 </a:solidFill>
               </a:rPr>
-              <a:t>/Hobbit/JPeNS</a:t>
-            </a:r>
-            <a:r>
-              <a:rPr lang="en-US" dirty="0">
-                <a:solidFill>
-                  <a:schemeClr val="bg1"/>
-                </a:solidFill>
-              </a:rPr>
-              <a:t> </a:t>
+              <a:t>/Hobbit/JPeNS </a:t>
             </a:r>
           </a:p>
         </p:txBody>
@@ -3291,7 +3283,7 @@
   <p:timing>
     <p:tnLst>
       <p:par>
-        <p:cTn xmlns:p14="http://schemas.microsoft.com/office/powerpoint/2010/main" id="1" dur="indefinite" restart="never" nodeType="tmRoot"/>
+        <p:cTn id="1" dur="indefinite" restart="never" nodeType="tmRoot"/>
       </p:par>
     </p:tnLst>
   </p:timing>
@@ -3532,6 +3524,44 @@
       </p:grpSpPr>
       <p:sp>
         <p:nvSpPr>
+          <p:cNvPr id="8" name="Oval 7"/>
+          <p:cNvSpPr/>
+          <p:nvPr/>
+        </p:nvSpPr>
+        <p:spPr>
+          <a:xfrm>
+            <a:off x="1820932" y="1252964"/>
+            <a:ext cx="1398517" cy="2274487"/>
+          </a:xfrm>
+          <a:prstGeom prst="ellipse">
+            <a:avLst/>
+          </a:prstGeom>
+        </p:spPr>
+        <p:style>
+          <a:lnRef idx="1">
+            <a:schemeClr val="accent1"/>
+          </a:lnRef>
+          <a:fillRef idx="3">
+            <a:schemeClr val="accent1"/>
+          </a:fillRef>
+          <a:effectRef idx="2">
+            <a:schemeClr val="accent1"/>
+          </a:effectRef>
+          <a:fontRef idx="minor">
+            <a:schemeClr val="lt1"/>
+          </a:fontRef>
+        </p:style>
+        <p:txBody>
+          <a:bodyPr rtlCol="0" anchor="ctr"/>
+          <a:lstStyle/>
+          <a:p>
+            <a:pPr algn="ctr"/>
+            <a:endParaRPr lang="en-US" dirty="0"/>
+          </a:p>
+        </p:txBody>
+      </p:sp>
+      <p:sp>
+        <p:nvSpPr>
           <p:cNvPr id="2" name="Title 1"/>
           <p:cNvSpPr>
             <a:spLocks noGrp="1"/>
@@ -3553,7 +3583,7 @@
                   <a:srgbClr val="FFFFFF"/>
                 </a:solidFill>
               </a:rPr>
-              <a:t>Turning off the lights</a:t>
+              <a:t>Setting the Alarm</a:t>
             </a:r>
             <a:endParaRPr lang="en-US" dirty="0">
               <a:solidFill>
@@ -3565,14 +3595,14 @@
       </p:sp>
       <p:pic>
         <p:nvPicPr>
-          <p:cNvPr id="4" name="Picture 3" descr="IMG_0743.jpg"/>
+          <p:cNvPr id="6" name="Picture 5" descr="IMG_0747.jpg"/>
           <p:cNvPicPr>
             <a:picLocks noChangeAspect="1"/>
           </p:cNvPicPr>
           <p:nvPr/>
         </p:nvPicPr>
         <p:blipFill>
-          <a:blip r:embed="rId2">
+          <a:blip r:embed="rId2" cstate="print">
             <a:extLst>
               <a:ext uri="{28A0092B-C50C-407E-A947-70E740481C1C}">
                 <a14:useLocalDpi xmlns:a14="http://schemas.microsoft.com/office/drawing/2010/main" val="0"/>
@@ -3585,67 +3615,7 @@
         </p:blipFill>
         <p:spPr>
           <a:xfrm>
-            <a:off x="1371600" y="3200400"/>
-            <a:ext cx="1354873" cy="1600200"/>
-          </a:xfrm>
-          <a:prstGeom prst="rect">
-            <a:avLst/>
-          </a:prstGeom>
-        </p:spPr>
-      </p:pic>
-      <p:pic>
-        <p:nvPicPr>
-          <p:cNvPr id="5" name="Picture 4" descr="IMG_0744.jpg"/>
-          <p:cNvPicPr>
-            <a:picLocks noChangeAspect="1"/>
-          </p:cNvPicPr>
-          <p:nvPr/>
-        </p:nvPicPr>
-        <p:blipFill>
-          <a:blip r:embed="rId3">
-            <a:extLst>
-              <a:ext uri="{28A0092B-C50C-407E-A947-70E740481C1C}">
-                <a14:useLocalDpi xmlns:a14="http://schemas.microsoft.com/office/drawing/2010/main" val="0"/>
-              </a:ext>
-            </a:extLst>
-          </a:blip>
-          <a:stretch>
-            <a:fillRect/>
-          </a:stretch>
-        </p:blipFill>
-        <p:spPr>
-          <a:xfrm>
-            <a:off x="4038600" y="3200400"/>
-            <a:ext cx="1055077" cy="1600200"/>
-          </a:xfrm>
-          <a:prstGeom prst="rect">
-            <a:avLst/>
-          </a:prstGeom>
-        </p:spPr>
-      </p:pic>
-      <p:pic>
-        <p:nvPicPr>
-          <p:cNvPr id="6" name="Picture 5" descr="IMG_0747.jpg"/>
-          <p:cNvPicPr>
-            <a:picLocks noChangeAspect="1"/>
-          </p:cNvPicPr>
-          <p:nvPr/>
-        </p:nvPicPr>
-        <p:blipFill>
-          <a:blip r:embed="rId4">
-            <a:extLst>
-              <a:ext uri="{28A0092B-C50C-407E-A947-70E740481C1C}">
-                <a14:useLocalDpi xmlns:a14="http://schemas.microsoft.com/office/drawing/2010/main" val="0"/>
-              </a:ext>
-            </a:extLst>
-          </a:blip>
-          <a:stretch>
-            <a:fillRect/>
-          </a:stretch>
-        </p:blipFill>
-        <p:spPr>
-          <a:xfrm>
-            <a:off x="6781800" y="3200400"/>
+            <a:off x="2023579" y="1628535"/>
             <a:ext cx="982040" cy="1600200"/>
           </a:xfrm>
           <a:prstGeom prst="rect">
@@ -3661,7 +3631,45 @@
         </p:nvSpPr>
         <p:spPr>
           <a:xfrm>
-            <a:off x="381000" y="1524000"/>
+            <a:off x="1771650" y="3869571"/>
+            <a:ext cx="1485900" cy="2412593"/>
+          </a:xfrm>
+          <a:prstGeom prst="ellipse">
+            <a:avLst/>
+          </a:prstGeom>
+        </p:spPr>
+        <p:style>
+          <a:lnRef idx="1">
+            <a:schemeClr val="accent1"/>
+          </a:lnRef>
+          <a:fillRef idx="3">
+            <a:schemeClr val="accent1"/>
+          </a:fillRef>
+          <a:effectRef idx="2">
+            <a:schemeClr val="accent1"/>
+          </a:effectRef>
+          <a:fontRef idx="minor">
+            <a:schemeClr val="lt1"/>
+          </a:fontRef>
+        </p:style>
+        <p:txBody>
+          <a:bodyPr rtlCol="0" anchor="ctr"/>
+          <a:lstStyle/>
+          <a:p>
+            <a:pPr algn="ctr"/>
+            <a:endParaRPr lang="en-US" dirty="0"/>
+          </a:p>
+        </p:txBody>
+      </p:sp>
+      <p:sp>
+        <p:nvSpPr>
+          <p:cNvPr id="9" name="Oval 8"/>
+          <p:cNvSpPr/>
+          <p:nvPr/>
+        </p:nvSpPr>
+        <p:spPr>
+          <a:xfrm>
+            <a:off x="6553200" y="1862564"/>
             <a:ext cx="1219200" cy="1219200"/>
           </a:xfrm>
           <a:prstGeom prst="ellipse">
@@ -3689,7 +3697,7 @@
             <a:pPr algn="ctr"/>
             <a:r>
               <a:rPr lang="en-US" dirty="0" smtClean="0"/>
-              <a:t>3 doors open</a:t>
+              <a:t>Flash Lights</a:t>
             </a:r>
             <a:endParaRPr lang="en-US" dirty="0"/>
           </a:p>
@@ -3697,13 +3705,13 @@
       </p:sp>
       <p:sp>
         <p:nvSpPr>
-          <p:cNvPr id="8" name="Oval 7"/>
+          <p:cNvPr id="10" name="Oval 9"/>
           <p:cNvSpPr/>
           <p:nvPr/>
         </p:nvSpPr>
         <p:spPr>
           <a:xfrm>
-            <a:off x="2743200" y="1600200"/>
+            <a:off x="6553200" y="3919964"/>
             <a:ext cx="1219200" cy="1219200"/>
           </a:xfrm>
           <a:prstGeom prst="ellipse">
@@ -3730,101 +3738,10 @@
           <a:p>
             <a:pPr algn="ctr"/>
             <a:r>
-              <a:rPr lang="en-US" dirty="0"/>
-              <a:t>2</a:t>
-            </a:r>
-            <a:r>
               <a:rPr lang="en-US" dirty="0" smtClean="0"/>
-              <a:t> doors open</a:t>
-            </a:r>
-            <a:endParaRPr lang="en-US" dirty="0"/>
-          </a:p>
-        </p:txBody>
-      </p:sp>
-      <p:sp>
-        <p:nvSpPr>
-          <p:cNvPr id="9" name="Oval 8"/>
-          <p:cNvSpPr/>
-          <p:nvPr/>
-        </p:nvSpPr>
-        <p:spPr>
-          <a:xfrm>
-            <a:off x="5486400" y="1676400"/>
-            <a:ext cx="1219200" cy="1219200"/>
-          </a:xfrm>
-          <a:prstGeom prst="ellipse">
-            <a:avLst/>
-          </a:prstGeom>
-        </p:spPr>
-        <p:style>
-          <a:lnRef idx="1">
-            <a:schemeClr val="accent1"/>
-          </a:lnRef>
-          <a:fillRef idx="3">
-            <a:schemeClr val="accent1"/>
-          </a:fillRef>
-          <a:effectRef idx="2">
-            <a:schemeClr val="accent1"/>
-          </a:effectRef>
-          <a:fontRef idx="minor">
-            <a:schemeClr val="lt1"/>
-          </a:fontRef>
-        </p:style>
-        <p:txBody>
-          <a:bodyPr rtlCol="0" anchor="ctr"/>
-          <a:lstStyle/>
-          <a:p>
-            <a:pPr algn="ctr"/>
-            <a:r>
-              <a:rPr lang="en-US" dirty="0"/>
-              <a:t>1</a:t>
-            </a:r>
-            <a:r>
-              <a:rPr lang="en-US" dirty="0" smtClean="0"/>
-              <a:t> doors open</a:t>
-            </a:r>
-            <a:endParaRPr lang="en-US" dirty="0"/>
-          </a:p>
-        </p:txBody>
-      </p:sp>
-      <p:sp>
-        <p:nvSpPr>
-          <p:cNvPr id="10" name="Oval 9"/>
-          <p:cNvSpPr/>
-          <p:nvPr/>
-        </p:nvSpPr>
-        <p:spPr>
-          <a:xfrm>
-            <a:off x="7696200" y="1676400"/>
-            <a:ext cx="1219200" cy="1219200"/>
-          </a:xfrm>
-          <a:prstGeom prst="ellipse">
-            <a:avLst/>
-          </a:prstGeom>
-        </p:spPr>
-        <p:style>
-          <a:lnRef idx="1">
-            <a:schemeClr val="accent1"/>
-          </a:lnRef>
-          <a:fillRef idx="3">
-            <a:schemeClr val="accent1"/>
-          </a:fillRef>
-          <a:effectRef idx="2">
-            <a:schemeClr val="accent1"/>
-          </a:effectRef>
-          <a:fontRef idx="minor">
-            <a:schemeClr val="lt1"/>
-          </a:fontRef>
-        </p:style>
-        <p:txBody>
-          <a:bodyPr rtlCol="0" anchor="ctr"/>
-          <a:lstStyle/>
-          <a:p>
-            <a:pPr algn="ctr"/>
-            <a:r>
-              <a:rPr lang="en-US" dirty="0" smtClean="0"/>
-              <a:t>Lights Off</a:t>
-            </a:r>
+              <a:t>Honk Horn</a:t>
+            </a:r>
+            <a:endParaRPr lang="en-US" dirty="0" smtClean="0"/>
           </a:p>
         </p:txBody>
       </p:sp>
@@ -3832,49 +3749,14 @@
         <p:nvCxnSpPr>
           <p:cNvPr id="12" name="Straight Arrow Connector 11"/>
           <p:cNvCxnSpPr>
-            <a:stCxn id="7" idx="5"/>
-          </p:cNvCxnSpPr>
-          <p:nvPr/>
-        </p:nvCxnSpPr>
-        <p:spPr>
-          <a:xfrm>
-            <a:off x="1421652" y="2564652"/>
-            <a:ext cx="178548" cy="635748"/>
-          </a:xfrm>
-          <a:prstGeom prst="straightConnector1">
-            <a:avLst/>
-          </a:prstGeom>
-          <a:ln>
-            <a:tailEnd type="arrow"/>
-          </a:ln>
-        </p:spPr>
-        <p:style>
-          <a:lnRef idx="2">
-            <a:schemeClr val="accent1"/>
-          </a:lnRef>
-          <a:fillRef idx="0">
-            <a:schemeClr val="accent1"/>
-          </a:fillRef>
-          <a:effectRef idx="1">
-            <a:schemeClr val="accent1"/>
-          </a:effectRef>
-          <a:fontRef idx="minor">
-            <a:schemeClr val="tx1"/>
-          </a:fontRef>
-        </p:style>
-      </p:cxnSp>
-      <p:cxnSp>
-        <p:nvCxnSpPr>
-          <p:cNvPr id="14" name="Straight Arrow Connector 13"/>
-          <p:cNvCxnSpPr>
-            <a:endCxn id="8" idx="3"/>
+            <a:stCxn id="7" idx="6"/>
           </p:cNvCxnSpPr>
           <p:nvPr/>
         </p:nvCxnSpPr>
         <p:spPr>
           <a:xfrm flipV="1">
-            <a:off x="2667000" y="2640852"/>
-            <a:ext cx="254748" cy="559548"/>
+            <a:off x="3257550" y="4453366"/>
+            <a:ext cx="1085850" cy="622502"/>
           </a:xfrm>
           <a:prstGeom prst="straightConnector1">
             <a:avLst/>
@@ -3901,50 +3783,13 @@
       <p:cxnSp>
         <p:nvCxnSpPr>
           <p:cNvPr id="19" name="Straight Arrow Connector 18"/>
-          <p:cNvCxnSpPr>
-            <a:stCxn id="8" idx="5"/>
-          </p:cNvCxnSpPr>
+          <p:cNvCxnSpPr/>
           <p:nvPr/>
         </p:nvCxnSpPr>
         <p:spPr>
           <a:xfrm>
-            <a:off x="3783852" y="2640852"/>
-            <a:ext cx="254748" cy="559548"/>
-          </a:xfrm>
-          <a:prstGeom prst="straightConnector1">
-            <a:avLst/>
-          </a:prstGeom>
-          <a:ln>
-            <a:tailEnd type="arrow"/>
-          </a:ln>
-        </p:spPr>
-        <p:style>
-          <a:lnRef idx="2">
-            <a:schemeClr val="accent1"/>
-          </a:lnRef>
-          <a:fillRef idx="0">
-            <a:schemeClr val="accent1"/>
-          </a:fillRef>
-          <a:effectRef idx="1">
-            <a:schemeClr val="accent1"/>
-          </a:effectRef>
-          <a:fontRef idx="minor">
-            <a:schemeClr val="tx1"/>
-          </a:fontRef>
-        </p:style>
-      </p:cxnSp>
-      <p:cxnSp>
-        <p:nvCxnSpPr>
-          <p:cNvPr id="20" name="Straight Arrow Connector 19"/>
-          <p:cNvCxnSpPr>
-            <a:stCxn id="9" idx="5"/>
-          </p:cNvCxnSpPr>
-          <p:nvPr/>
-        </p:nvCxnSpPr>
-        <p:spPr>
-          <a:xfrm>
-            <a:off x="6527052" y="2717052"/>
-            <a:ext cx="357096" cy="509496"/>
+            <a:off x="3098619" y="2929364"/>
+            <a:ext cx="1244781" cy="668014"/>
           </a:xfrm>
           <a:prstGeom prst="straightConnector1">
             <a:avLst/>
@@ -3976,8 +3821,8 @@
         </p:nvCxnSpPr>
         <p:spPr>
           <a:xfrm flipV="1">
-            <a:off x="5105400" y="2743200"/>
-            <a:ext cx="533400" cy="457200"/>
+            <a:off x="5486400" y="2929364"/>
+            <a:ext cx="1219200" cy="668014"/>
           </a:xfrm>
           <a:prstGeom prst="straightConnector1">
             <a:avLst/>
@@ -4005,14 +3850,14 @@
         <p:nvCxnSpPr>
           <p:cNvPr id="23" name="Straight Arrow Connector 22"/>
           <p:cNvCxnSpPr>
-            <a:endCxn id="10" idx="3"/>
+            <a:endCxn id="10" idx="2"/>
           </p:cNvCxnSpPr>
           <p:nvPr/>
         </p:nvCxnSpPr>
         <p:spPr>
-          <a:xfrm flipV="1">
-            <a:off x="7696200" y="2717052"/>
-            <a:ext cx="178548" cy="483348"/>
+          <a:xfrm>
+            <a:off x="5486400" y="4224764"/>
+            <a:ext cx="1066800" cy="304800"/>
           </a:xfrm>
           <a:prstGeom prst="straightConnector1">
             <a:avLst/>
@@ -4044,8 +3889,8 @@
         </p:nvSpPr>
         <p:spPr>
           <a:xfrm>
-            <a:off x="1447800" y="4953000"/>
-            <a:ext cx="1295400" cy="369332"/>
+            <a:off x="1809750" y="3500239"/>
+            <a:ext cx="1409700" cy="369332"/>
           </a:xfrm>
           <a:prstGeom prst="rect">
             <a:avLst/>
@@ -4058,13 +3903,14 @@
           </a:bodyPr>
           <a:lstStyle/>
           <a:p>
+            <a:pPr algn="ctr"/>
             <a:r>
               <a:rPr lang="en-US" dirty="0" smtClean="0">
                 <a:solidFill>
                   <a:srgbClr val="FFFFFF"/>
                 </a:solidFill>
               </a:rPr>
-              <a:t>Close Door</a:t>
+              <a:t>Doors Closed</a:t>
             </a:r>
             <a:endParaRPr lang="en-US" dirty="0">
               <a:solidFill>
@@ -4082,8 +3928,8 @@
         </p:nvSpPr>
         <p:spPr>
           <a:xfrm>
-            <a:off x="3962400" y="4953000"/>
-            <a:ext cx="1295400" cy="369332"/>
+            <a:off x="1777240" y="6282164"/>
+            <a:ext cx="1485900" cy="369332"/>
           </a:xfrm>
           <a:prstGeom prst="rect">
             <a:avLst/>
@@ -4096,13 +3942,14 @@
           </a:bodyPr>
           <a:lstStyle/>
           <a:p>
+            <a:pPr algn="ctr"/>
             <a:r>
               <a:rPr lang="en-US" dirty="0" smtClean="0">
                 <a:solidFill>
                   <a:srgbClr val="FFFFFF"/>
                 </a:solidFill>
               </a:rPr>
-              <a:t>Close Door</a:t>
+              <a:t>Push Button</a:t>
             </a:r>
             <a:endParaRPr lang="en-US" dirty="0">
               <a:solidFill>
@@ -4112,39 +3959,117 @@
           </a:p>
         </p:txBody>
       </p:sp>
-      <p:sp>
-        <p:nvSpPr>
-          <p:cNvPr id="31" name="TextBox 30"/>
-          <p:cNvSpPr txBox="1"/>
+      <p:pic>
+        <p:nvPicPr>
+          <p:cNvPr id="1026" name="Picture 2"/>
+          <p:cNvPicPr>
+            <a:picLocks noChangeAspect="1" noChangeArrowheads="1"/>
+          </p:cNvPicPr>
           <p:nvPr/>
-        </p:nvSpPr>
-        <p:spPr>
+        </p:nvPicPr>
+        <p:blipFill>
+          <a:blip r:embed="rId3">
+            <a:extLst>
+              <a:ext uri="{28A0092B-C50C-407E-A947-70E740481C1C}">
+                <a14:useLocalDpi xmlns:a14="http://schemas.microsoft.com/office/drawing/2010/main" val="0"/>
+              </a:ext>
+            </a:extLst>
+          </a:blip>
+          <a:srcRect/>
+          <a:stretch>
+            <a:fillRect/>
+          </a:stretch>
+        </p:blipFill>
+        <p:spPr bwMode="auto">
           <a:xfrm>
-            <a:off x="6629400" y="4953000"/>
-            <a:ext cx="1295400" cy="369332"/>
+            <a:off x="2052357" y="4138100"/>
+            <a:ext cx="924485" cy="1875535"/>
           </a:xfrm>
           <a:prstGeom prst="rect">
             <a:avLst/>
           </a:prstGeom>
           <a:noFill/>
+          <a:ln>
+            <a:noFill/>
+          </a:ln>
+          <a:effectLst/>
+          <a:extLst>
+            <a:ext uri="{909E8E84-426E-40DD-AFC4-6F175D3DCCD1}">
+              <a14:hiddenFill xmlns:a14="http://schemas.microsoft.com/office/drawing/2010/main">
+                <a:solidFill>
+                  <a:schemeClr val="accent1"/>
+                </a:solidFill>
+              </a14:hiddenFill>
+            </a:ext>
+            <a:ext uri="{91240B29-F687-4F45-9708-019B960494DF}">
+              <a14:hiddenLine xmlns:a14="http://schemas.microsoft.com/office/drawing/2010/main" w="9525">
+                <a:solidFill>
+                  <a:schemeClr val="tx1"/>
+                </a:solidFill>
+                <a:miter lim="800000"/>
+                <a:headEnd/>
+                <a:tailEnd/>
+              </a14:hiddenLine>
+            </a:ext>
+            <a:ext uri="{AF507438-7753-43E0-B8FC-AC1667EBCBE1}">
+              <a14:hiddenEffects xmlns:a14="http://schemas.microsoft.com/office/drawing/2010/main">
+                <a:effectLst>
+                  <a:outerShdw dist="35921" dir="2700000" algn="ctr" rotWithShape="0">
+                    <a:schemeClr val="bg2"/>
+                  </a:outerShdw>
+                </a:effectLst>
+              </a14:hiddenEffects>
+            </a:ext>
+          </a:extLst>
         </p:spPr>
-        <p:txBody>
-          <a:bodyPr wrap="square" rtlCol="0">
-            <a:spAutoFit/>
-          </a:bodyPr>
-          <a:lstStyle/>
-          <a:p>
+      </p:pic>
+      <p:sp>
+        <p:nvSpPr>
+          <p:cNvPr id="15" name="Rounded Rectangle 14"/>
+          <p:cNvSpPr/>
+          <p:nvPr/>
+        </p:nvSpPr>
+        <p:spPr>
+          <a:xfrm>
+            <a:off x="4343400" y="2612271"/>
+            <a:ext cx="1143000" cy="2514600"/>
+          </a:xfrm>
+          <a:prstGeom prst="roundRect">
+            <a:avLst/>
+          </a:prstGeom>
+        </p:spPr>
+        <p:style>
+          <a:lnRef idx="2">
+            <a:schemeClr val="accent6">
+              <a:shade val="50000"/>
+            </a:schemeClr>
+          </a:lnRef>
+          <a:fillRef idx="1">
+            <a:schemeClr val="accent6"/>
+          </a:fillRef>
+          <a:effectRef idx="0">
+            <a:schemeClr val="accent6"/>
+          </a:effectRef>
+          <a:fontRef idx="minor">
+            <a:schemeClr val="lt1"/>
+          </a:fontRef>
+        </p:style>
+        <p:txBody>
+          <a:bodyPr rtlCol="0" anchor="ctr"/>
+          <a:lstStyle/>
+          <a:p>
+            <a:pPr algn="ctr"/>
             <a:r>
               <a:rPr lang="en-US" dirty="0" smtClean="0">
                 <a:solidFill>
-                  <a:srgbClr val="FFFFFF"/>
+                  <a:schemeClr val="tx1"/>
                 </a:solidFill>
               </a:rPr>
-              <a:t>Close Door</a:t>
+              <a:t>Arm Alarm</a:t>
             </a:r>
             <a:endParaRPr lang="en-US" dirty="0">
               <a:solidFill>
-                <a:srgbClr val="FFFFFF"/>
+                <a:schemeClr val="tx1"/>
               </a:solidFill>
             </a:endParaRPr>
           </a:p>
@@ -4321,7 +4246,7 @@
   <p:timing>
     <p:tnLst>
       <p:par>
-        <p:cTn xmlns:p14="http://schemas.microsoft.com/office/powerpoint/2010/main" id="1" dur="indefinite" restart="never" nodeType="tmRoot"/>
+        <p:cTn id="1" dur="indefinite" restart="never" nodeType="tmRoot"/>
       </p:par>
     </p:tnLst>
   </p:timing>
@@ -4620,7 +4545,7 @@
   <p:timing>
     <p:tnLst>
       <p:par>
-        <p:cTn xmlns:p14="http://schemas.microsoft.com/office/powerpoint/2010/main" id="1" dur="indefinite" restart="never" nodeType="tmRoot"/>
+        <p:cTn id="1" dur="indefinite" restart="never" nodeType="tmRoot"/>
       </p:par>
     </p:tnLst>
   </p:timing>
@@ -4797,7 +4722,7 @@
   <p:timing>
     <p:tnLst>
       <p:par>
-        <p:cTn xmlns:p14="http://schemas.microsoft.com/office/powerpoint/2010/main" id="1" dur="indefinite" restart="never" nodeType="tmRoot"/>
+        <p:cTn id="1" dur="indefinite" restart="never" nodeType="tmRoot"/>
       </p:par>
     </p:tnLst>
   </p:timing>
@@ -4926,7 +4851,7 @@
   <p:timing>
     <p:tnLst>
       <p:par>
-        <p:cTn xmlns:p14="http://schemas.microsoft.com/office/powerpoint/2010/main" id="1" dur="indefinite" restart="never" nodeType="tmRoot"/>
+        <p:cTn id="1" dur="indefinite" restart="never" nodeType="tmRoot"/>
       </p:par>
     </p:tnLst>
   </p:timing>
@@ -5077,7 +5002,7 @@
   <p:timing>
     <p:tnLst>
       <p:par>
-        <p:cTn xmlns:p14="http://schemas.microsoft.com/office/powerpoint/2010/main" id="1" dur="indefinite" restart="never" nodeType="tmRoot"/>
+        <p:cTn id="1" dur="indefinite" restart="never" nodeType="tmRoot"/>
       </p:par>
     </p:tnLst>
   </p:timing>

--- a/JPeNS_Presentation.pptx
+++ b/JPeNS_Presentation.pptx
@@ -3502,6 +3502,13 @@
   <p:clrMapOvr>
     <a:masterClrMapping/>
   </p:clrMapOvr>
+  <p:timing>
+    <p:tnLst>
+      <p:par>
+        <p:cTn id="1" dur="indefinite" restart="never" nodeType="tmRoot"/>
+      </p:par>
+    </p:tnLst>
+  </p:timing>
 </p:sld>
 </file>
 
@@ -4085,6 +4092,13 @@
   <p:clrMapOvr>
     <a:masterClrMapping/>
   </p:clrMapOvr>
+  <p:timing>
+    <p:tnLst>
+      <p:par>
+        <p:cTn id="1" dur="indefinite" restart="never" nodeType="tmRoot"/>
+      </p:par>
+    </p:tnLst>
+  </p:timing>
 </p:sld>
 </file>
 
@@ -4921,6 +4935,13 @@
   <p:clrMapOvr>
     <a:masterClrMapping/>
   </p:clrMapOvr>
+  <p:timing>
+    <p:tnLst>
+      <p:par>
+        <p:cTn id="1" dur="indefinite" restart="never" nodeType="tmRoot"/>
+      </p:par>
+    </p:tnLst>
+  </p:timing>
 </p:sld>
 </file>
 
